--- a/neural_re_1024_26.pptx
+++ b/neural_re_1024_26.pptx
@@ -268,7 +268,7 @@
           <a:p>
             <a:fld id="{8856F35D-34AE-8E48-ADF2-B3E947055B91}" type="datetimeFigureOut">
               <a:rPr lang="en-US" smtClean="0"/>
-              <a:t>10/23/18</a:t>
+              <a:t>10/26/18</a:t>
             </a:fld>
             <a:endParaRPr lang="en-US"/>
           </a:p>
@@ -434,7 +434,7 @@
           <a:p>
             <a:fld id="{491E3D0F-E7F1-C54D-92E1-CA40B288C741}" type="datetimeFigureOut">
               <a:rPr lang="en-US" smtClean="0"/>
-              <a:t>10/23/18</a:t>
+              <a:t>10/26/18</a:t>
             </a:fld>
             <a:endParaRPr lang="en-US"/>
           </a:p>
@@ -498,38 +498,37 @@
           <a:p>
             <a:pPr lvl="0"/>
             <a:r>
-              <a:rPr lang="en-US" smtClean="0"/>
+              <a:rPr lang="en-US"/>
               <a:t>Click to edit Master text styles</a:t>
             </a:r>
           </a:p>
           <a:p>
             <a:pPr lvl="1"/>
             <a:r>
-              <a:rPr lang="en-US" smtClean="0"/>
+              <a:rPr lang="en-US"/>
               <a:t>Second level</a:t>
             </a:r>
           </a:p>
           <a:p>
             <a:pPr lvl="2"/>
             <a:r>
-              <a:rPr lang="en-US" smtClean="0"/>
+              <a:rPr lang="en-US"/>
               <a:t>Third level</a:t>
             </a:r>
           </a:p>
           <a:p>
             <a:pPr lvl="3"/>
             <a:r>
-              <a:rPr lang="en-US" smtClean="0"/>
+              <a:rPr lang="en-US"/>
               <a:t>Fourth level</a:t>
             </a:r>
           </a:p>
           <a:p>
             <a:pPr lvl="4"/>
             <a:r>
-              <a:rPr lang="en-US" smtClean="0"/>
+              <a:rPr lang="en-US"/>
               <a:t>Fifth level</a:t>
             </a:r>
-            <a:endParaRPr lang="en-US"/>
           </a:p>
         </p:txBody>
       </p:sp>
@@ -809,43 +808,42 @@
           <a:lstStyle/>
           <a:p>
             <a:r>
-              <a:rPr lang="en-US" dirty="0" smtClean="0"/>
+              <a:rPr lang="en-US" dirty="0"/>
               <a:t>pictures from Wikimedia Commons</a:t>
             </a:r>
           </a:p>
           <a:p>
-            <a:endParaRPr lang="en-US" dirty="0" smtClean="0"/>
-          </a:p>
-          <a:p>
-            <a:r>
-              <a:rPr lang="en-US" dirty="0" smtClean="0"/>
+            <a:endParaRPr lang="en-US" dirty="0"/>
+          </a:p>
+          <a:p>
+            <a:r>
+              <a:rPr lang="en-US" dirty="0"/>
               <a:t>http://</a:t>
             </a:r>
             <a:r>
-              <a:rPr lang="en-US" dirty="0" err="1" smtClean="0"/>
+              <a:rPr lang="en-US" dirty="0" err="1"/>
               <a:t>upload.wikimedia.org</a:t>
             </a:r>
             <a:r>
-              <a:rPr lang="en-US" dirty="0" smtClean="0"/>
+              <a:rPr lang="en-US" dirty="0"/>
               <a:t>/</a:t>
             </a:r>
             <a:r>
-              <a:rPr lang="en-US" dirty="0" err="1" smtClean="0"/>
+              <a:rPr lang="en-US" dirty="0" err="1"/>
               <a:t>wikipedia</a:t>
             </a:r>
             <a:r>
-              <a:rPr lang="en-US" dirty="0" smtClean="0"/>
+              <a:rPr lang="en-US" dirty="0"/>
               <a:t>/commons/thumb/9/9a/</a:t>
             </a:r>
             <a:r>
-              <a:rPr lang="en-US" dirty="0" err="1" smtClean="0"/>
+              <a:rPr lang="en-US" dirty="0" err="1"/>
               <a:t>Sanyo_Electric_Corporation.JPG</a:t>
             </a:r>
             <a:r>
-              <a:rPr lang="en-US" dirty="0" smtClean="0"/>
+              <a:rPr lang="en-US" dirty="0"/>
               <a:t>/320px-Sanyo_Electric_Corporation.JPG</a:t>
             </a:r>
-            <a:endParaRPr lang="en-US" dirty="0"/>
           </a:p>
         </p:txBody>
       </p:sp>
@@ -918,14 +916,14 @@
           <a:ln/>
           <a:extLst>
             <a:ext uri="{909E8E84-426E-40dd-AFC4-6F175D3DCCD1}">
-              <a14:hiddenFill xmlns:a14="http://schemas.microsoft.com/office/drawing/2010/main" xmlns="">
+              <a14:hiddenFill xmlns="" xmlns:a14="http://schemas.microsoft.com/office/drawing/2010/main">
                 <a:solidFill>
                   <a:srgbClr val="FFFFFF"/>
                 </a:solidFill>
               </a14:hiddenFill>
             </a:ext>
             <a:ext uri="{91240B29-F687-4f45-9708-019B960494DF}">
-              <a14:hiddenLine xmlns:a14="http://schemas.microsoft.com/office/drawing/2010/main" xmlns="" w="9525">
+              <a14:hiddenLine xmlns="" xmlns:a14="http://schemas.microsoft.com/office/drawing/2010/main" w="9525">
                 <a:solidFill>
                   <a:srgbClr val="000000"/>
                 </a:solidFill>
@@ -1086,14 +1084,14 @@
           <a:ln/>
           <a:extLst>
             <a:ext uri="{909E8E84-426E-40dd-AFC4-6F175D3DCCD1}">
-              <a14:hiddenFill xmlns:a14="http://schemas.microsoft.com/office/drawing/2010/main" xmlns="">
+              <a14:hiddenFill xmlns="" xmlns:a14="http://schemas.microsoft.com/office/drawing/2010/main">
                 <a:solidFill>
                   <a:srgbClr val="FFFFFF"/>
                 </a:solidFill>
               </a14:hiddenFill>
             </a:ext>
             <a:ext uri="{91240B29-F687-4f45-9708-019B960494DF}">
-              <a14:hiddenLine xmlns:a14="http://schemas.microsoft.com/office/drawing/2010/main" xmlns="" w="9525">
+              <a14:hiddenLine xmlns="" xmlns:a14="http://schemas.microsoft.com/office/drawing/2010/main" w="9525">
                 <a:solidFill>
                   <a:srgbClr val="000000"/>
                 </a:solidFill>
@@ -1161,14 +1159,14 @@
           <a:ln/>
           <a:extLst>
             <a:ext uri="{909E8E84-426E-40dd-AFC4-6F175D3DCCD1}">
-              <a14:hiddenFill xmlns:a14="http://schemas.microsoft.com/office/drawing/2010/main" xmlns="">
+              <a14:hiddenFill xmlns="" xmlns:a14="http://schemas.microsoft.com/office/drawing/2010/main">
                 <a:solidFill>
                   <a:srgbClr val="FFFFFF"/>
                 </a:solidFill>
               </a14:hiddenFill>
             </a:ext>
             <a:ext uri="{91240B29-F687-4f45-9708-019B960494DF}">
-              <a14:hiddenLine xmlns:a14="http://schemas.microsoft.com/office/drawing/2010/main" xmlns="" w="9525">
+              <a14:hiddenLine xmlns="" xmlns:a14="http://schemas.microsoft.com/office/drawing/2010/main" w="9525">
                 <a:solidFill>
                   <a:srgbClr val="000000"/>
                 </a:solidFill>
@@ -1333,17 +1331,17 @@
           <a:ln/>
           <a:extLst>
             <a:ext uri="{FAA26D3D-D897-4be2-8F04-BA451C77F1D7}">
-              <ma14:placeholderFlag xmlns:ma14="http://schemas.microsoft.com/office/mac/drawingml/2011/main" val="1"/>
+              <ma14:placeholderFlag xmlns:ma14="http://schemas.microsoft.com/office/mac/drawingml/2011/main" xmlns="" val="1"/>
             </a:ext>
             <a:ext uri="{909E8E84-426E-40dd-AFC4-6F175D3DCCD1}">
-              <a14:hiddenFill xmlns:a14="http://schemas.microsoft.com/office/drawing/2010/main" xmlns="">
+              <a14:hiddenFill xmlns="" xmlns:a14="http://schemas.microsoft.com/office/drawing/2010/main">
                 <a:solidFill>
                   <a:srgbClr val="FFFFFF"/>
                 </a:solidFill>
               </a14:hiddenFill>
             </a:ext>
             <a:ext uri="{91240B29-F687-4f45-9708-019B960494DF}">
-              <a14:hiddenLine xmlns:a14="http://schemas.microsoft.com/office/drawing/2010/main" xmlns="" w="9525">
+              <a14:hiddenLine xmlns="" xmlns:a14="http://schemas.microsoft.com/office/drawing/2010/main" w="9525">
                 <a:solidFill>
                   <a:srgbClr val="000000"/>
                 </a:solidFill>
@@ -1546,7 +1544,10 @@
           <a:bodyPr/>
           <a:lstStyle/>
           <a:p>
-            <a:endParaRPr lang="en-US"/>
+            <a:r>
+              <a:rPr lang="en-US" dirty="0"/>
+              <a:t>Features engineering is the most important part of the classifier! After getting labeled, pre-processed data, features engineering is the most important step after that</a:t>
+            </a:r>
           </a:p>
         </p:txBody>
       </p:sp>
@@ -1730,7 +1731,18 @@
           <a:bodyPr/>
           <a:lstStyle/>
           <a:p>
-            <a:endParaRPr lang="en-US"/>
+            <a:r>
+              <a:rPr lang="en-US" dirty="0"/>
+              <a:t>We can think of the upper arrow as a left child and the down arrow as a right child. The S before the last NP, is the lowest common </a:t>
+            </a:r>
+            <a:r>
+              <a:rPr lang="en-US" dirty="0" err="1"/>
+              <a:t>anscestor</a:t>
+            </a:r>
+            <a:r>
+              <a:rPr lang="en-US" dirty="0"/>
+              <a:t> of the lowest dependency path between two entities</a:t>
+            </a:r>
           </a:p>
         </p:txBody>
       </p:sp>
@@ -1871,14 +1883,14 @@
           <a:ln/>
           <a:extLst>
             <a:ext uri="{909E8E84-426E-40dd-AFC4-6F175D3DCCD1}">
-              <a14:hiddenFill xmlns:a14="http://schemas.microsoft.com/office/drawing/2010/main" xmlns="">
+              <a14:hiddenFill xmlns="" xmlns:a14="http://schemas.microsoft.com/office/drawing/2010/main">
                 <a:solidFill>
                   <a:srgbClr val="FFFFFF"/>
                 </a:solidFill>
               </a14:hiddenFill>
             </a:ext>
             <a:ext uri="{91240B29-F687-4f45-9708-019B960494DF}">
-              <a14:hiddenLine xmlns:a14="http://schemas.microsoft.com/office/drawing/2010/main" xmlns="" w="9525">
+              <a14:hiddenLine xmlns="" xmlns:a14="http://schemas.microsoft.com/office/drawing/2010/main" w="9525">
                 <a:solidFill>
                   <a:srgbClr val="000000"/>
                 </a:solidFill>
@@ -2043,17 +2055,17 @@
           <a:ln/>
           <a:extLst>
             <a:ext uri="{FAA26D3D-D897-4be2-8F04-BA451C77F1D7}">
-              <ma14:placeholderFlag xmlns:ma14="http://schemas.microsoft.com/office/mac/drawingml/2011/main" val="1"/>
+              <ma14:placeholderFlag xmlns:ma14="http://schemas.microsoft.com/office/mac/drawingml/2011/main" xmlns="" val="1"/>
             </a:ext>
             <a:ext uri="{909E8E84-426E-40dd-AFC4-6F175D3DCCD1}">
-              <a14:hiddenFill xmlns:a14="http://schemas.microsoft.com/office/drawing/2010/main" xmlns="">
+              <a14:hiddenFill xmlns="" xmlns:a14="http://schemas.microsoft.com/office/drawing/2010/main">
                 <a:solidFill>
                   <a:srgbClr val="FFFFFF"/>
                 </a:solidFill>
               </a14:hiddenFill>
             </a:ext>
             <a:ext uri="{91240B29-F687-4f45-9708-019B960494DF}">
-              <a14:hiddenLine xmlns:a14="http://schemas.microsoft.com/office/drawing/2010/main" xmlns="" w="9525">
+              <a14:hiddenLine xmlns="" xmlns:a14="http://schemas.microsoft.com/office/drawing/2010/main" w="9525">
                 <a:solidFill>
                   <a:srgbClr val="000000"/>
                 </a:solidFill>
@@ -2834,14 +2846,14 @@
           <a:ln/>
           <a:extLst>
             <a:ext uri="{909E8E84-426E-40dd-AFC4-6F175D3DCCD1}">
-              <a14:hiddenFill xmlns:a14="http://schemas.microsoft.com/office/drawing/2010/main" xmlns="">
+              <a14:hiddenFill xmlns="" xmlns:a14="http://schemas.microsoft.com/office/drawing/2010/main">
                 <a:solidFill>
                   <a:srgbClr val="FFFFFF"/>
                 </a:solidFill>
               </a14:hiddenFill>
             </a:ext>
             <a:ext uri="{91240B29-F687-4f45-9708-019B960494DF}">
-              <a14:hiddenLine xmlns:a14="http://schemas.microsoft.com/office/drawing/2010/main" xmlns="" w="9525">
+              <a14:hiddenLine xmlns="" xmlns:a14="http://schemas.microsoft.com/office/drawing/2010/main" w="9525">
                 <a:solidFill>
                   <a:srgbClr val="000000"/>
                 </a:solidFill>
@@ -3002,14 +3014,14 @@
           <a:ln/>
           <a:extLst>
             <a:ext uri="{909E8E84-426E-40dd-AFC4-6F175D3DCCD1}">
-              <a14:hiddenFill xmlns:a14="http://schemas.microsoft.com/office/drawing/2010/main" xmlns="">
+              <a14:hiddenFill xmlns="" xmlns:a14="http://schemas.microsoft.com/office/drawing/2010/main">
                 <a:solidFill>
                   <a:srgbClr val="FFFFFF"/>
                 </a:solidFill>
               </a14:hiddenFill>
             </a:ext>
             <a:ext uri="{91240B29-F687-4f45-9708-019B960494DF}">
-              <a14:hiddenLine xmlns:a14="http://schemas.microsoft.com/office/drawing/2010/main" xmlns="" w="9525">
+              <a14:hiddenLine xmlns="" xmlns:a14="http://schemas.microsoft.com/office/drawing/2010/main" w="9525">
                 <a:solidFill>
                   <a:srgbClr val="000000"/>
                 </a:solidFill>
@@ -3090,28 +3102,28 @@
           <a:lstStyle/>
           <a:p>
             <a:r>
-              <a:rPr lang="en-US" dirty="0" smtClean="0"/>
+              <a:rPr lang="en-US" dirty="0"/>
               <a:t>Drug and disease pictures from Wikimedia Commons</a:t>
             </a:r>
           </a:p>
           <a:p>
-            <a:endParaRPr lang="en-US" dirty="0" smtClean="0"/>
-          </a:p>
-          <a:p>
-            <a:r>
-              <a:rPr lang="en-US" dirty="0" smtClean="0"/>
+            <a:endParaRPr lang="en-US" dirty="0"/>
+          </a:p>
+          <a:p>
+            <a:r>
+              <a:rPr lang="en-US" dirty="0"/>
               <a:t>http://</a:t>
             </a:r>
             <a:r>
-              <a:rPr lang="en-US" dirty="0" err="1" smtClean="0"/>
+              <a:rPr lang="en-US" dirty="0" err="1"/>
               <a:t>commons.wikimedia.org</a:t>
             </a:r>
             <a:r>
-              <a:rPr lang="en-US" dirty="0" smtClean="0"/>
+              <a:rPr lang="en-US" dirty="0"/>
               <a:t>/wiki/</a:t>
             </a:r>
             <a:r>
-              <a:rPr lang="en-US" dirty="0" err="1" smtClean="0"/>
+              <a:rPr lang="en-US" dirty="0" err="1"/>
               <a:t>File:Gnome-face-sick.svg</a:t>
             </a:r>
             <a:endParaRPr lang="en-US" dirty="0"/>
@@ -3193,10 +3205,9 @@
           <a:lstStyle/>
           <a:p>
             <a:r>
-              <a:rPr lang="en-US" smtClean="0"/>
+              <a:rPr lang="en-US"/>
               <a:t>Click to edit Master title style</a:t>
             </a:r>
-            <a:endParaRPr lang="en-US"/>
           </a:p>
         </p:txBody>
       </p:sp>
@@ -3312,10 +3323,9 @@
           </a:lstStyle>
           <a:p>
             <a:r>
-              <a:rPr lang="en-US" smtClean="0"/>
+              <a:rPr lang="en-US"/>
               <a:t>Click to edit Master subtitle style</a:t>
             </a:r>
-            <a:endParaRPr lang="en-US"/>
           </a:p>
         </p:txBody>
       </p:sp>
@@ -3336,7 +3346,7 @@
           <a:p>
             <a:fld id="{39D84432-943F-2B4E-BC8E-7DE6A99E95F2}" type="datetime1">
               <a:rPr lang="en-US" smtClean="0"/>
-              <a:t>10/23/18</a:t>
+              <a:t>10/26/18</a:t>
             </a:fld>
             <a:endParaRPr lang="en-US"/>
           </a:p>
@@ -3358,7 +3368,7 @@
           <a:lstStyle/>
           <a:p>
             <a:r>
-              <a:rPr lang="ro-RO" smtClean="0"/>
+              <a:rPr lang="ro-RO"/>
               <a:t>Kai-Wei Chang </a:t>
             </a:r>
             <a:endParaRPr lang="en-US"/>
@@ -3434,10 +3444,9 @@
           <a:lstStyle/>
           <a:p>
             <a:r>
-              <a:rPr lang="en-US" smtClean="0"/>
+              <a:rPr lang="en-US"/>
               <a:t>Click to edit Master title style</a:t>
             </a:r>
-            <a:endParaRPr lang="en-US"/>
           </a:p>
         </p:txBody>
       </p:sp>
@@ -3458,38 +3467,37 @@
           <a:p>
             <a:pPr lvl="0"/>
             <a:r>
-              <a:rPr lang="en-US" smtClean="0"/>
+              <a:rPr lang="en-US"/>
               <a:t>Click to edit Master text styles</a:t>
             </a:r>
           </a:p>
           <a:p>
             <a:pPr lvl="1"/>
             <a:r>
-              <a:rPr lang="en-US" smtClean="0"/>
+              <a:rPr lang="en-US"/>
               <a:t>Second level</a:t>
             </a:r>
           </a:p>
           <a:p>
             <a:pPr lvl="2"/>
             <a:r>
-              <a:rPr lang="en-US" smtClean="0"/>
+              <a:rPr lang="en-US"/>
               <a:t>Third level</a:t>
             </a:r>
           </a:p>
           <a:p>
             <a:pPr lvl="3"/>
             <a:r>
-              <a:rPr lang="en-US" smtClean="0"/>
+              <a:rPr lang="en-US"/>
               <a:t>Fourth level</a:t>
             </a:r>
           </a:p>
           <a:p>
             <a:pPr lvl="4"/>
             <a:r>
-              <a:rPr lang="en-US" smtClean="0"/>
+              <a:rPr lang="en-US"/>
               <a:t>Fifth level</a:t>
             </a:r>
-            <a:endParaRPr lang="en-US"/>
           </a:p>
         </p:txBody>
       </p:sp>
@@ -3510,7 +3518,7 @@
           <a:p>
             <a:fld id="{C1452173-0EED-164C-B3F2-8C962A84E3E0}" type="datetime1">
               <a:rPr lang="en-US" smtClean="0"/>
-              <a:t>10/23/18</a:t>
+              <a:t>10/26/18</a:t>
             </a:fld>
             <a:endParaRPr lang="en-US"/>
           </a:p>
@@ -3532,7 +3540,7 @@
           <a:lstStyle/>
           <a:p>
             <a:r>
-              <a:rPr lang="ro-RO" smtClean="0"/>
+              <a:rPr lang="ro-RO"/>
               <a:t>Kai-Wei Chang </a:t>
             </a:r>
             <a:endParaRPr lang="en-US"/>
@@ -3613,10 +3621,9 @@
           <a:lstStyle/>
           <a:p>
             <a:r>
-              <a:rPr lang="en-US" smtClean="0"/>
+              <a:rPr lang="en-US"/>
               <a:t>Click to edit Master title style</a:t>
             </a:r>
-            <a:endParaRPr lang="en-US"/>
           </a:p>
         </p:txBody>
       </p:sp>
@@ -3642,38 +3649,37 @@
           <a:p>
             <a:pPr lvl="0"/>
             <a:r>
-              <a:rPr lang="en-US" smtClean="0"/>
+              <a:rPr lang="en-US"/>
               <a:t>Click to edit Master text styles</a:t>
             </a:r>
           </a:p>
           <a:p>
             <a:pPr lvl="1"/>
             <a:r>
-              <a:rPr lang="en-US" smtClean="0"/>
+              <a:rPr lang="en-US"/>
               <a:t>Second level</a:t>
             </a:r>
           </a:p>
           <a:p>
             <a:pPr lvl="2"/>
             <a:r>
-              <a:rPr lang="en-US" smtClean="0"/>
+              <a:rPr lang="en-US"/>
               <a:t>Third level</a:t>
             </a:r>
           </a:p>
           <a:p>
             <a:pPr lvl="3"/>
             <a:r>
-              <a:rPr lang="en-US" smtClean="0"/>
+              <a:rPr lang="en-US"/>
               <a:t>Fourth level</a:t>
             </a:r>
           </a:p>
           <a:p>
             <a:pPr lvl="4"/>
             <a:r>
-              <a:rPr lang="en-US" smtClean="0"/>
+              <a:rPr lang="en-US"/>
               <a:t>Fifth level</a:t>
             </a:r>
-            <a:endParaRPr lang="en-US"/>
           </a:p>
         </p:txBody>
       </p:sp>
@@ -3694,7 +3700,7 @@
           <a:p>
             <a:fld id="{5C51BE5F-1461-454D-BA86-21E0A5AC2FF7}" type="datetime1">
               <a:rPr lang="en-US" smtClean="0"/>
-              <a:t>10/23/18</a:t>
+              <a:t>10/26/18</a:t>
             </a:fld>
             <a:endParaRPr lang="en-US"/>
           </a:p>
@@ -3716,7 +3722,7 @@
           <a:lstStyle/>
           <a:p>
             <a:r>
-              <a:rPr lang="ro-RO" smtClean="0"/>
+              <a:rPr lang="ro-RO"/>
               <a:t>Kai-Wei Chang </a:t>
             </a:r>
             <a:endParaRPr lang="en-US"/>
@@ -3792,10 +3798,9 @@
           <a:lstStyle/>
           <a:p>
             <a:r>
-              <a:rPr lang="en-US" smtClean="0"/>
+              <a:rPr lang="en-US"/>
               <a:t>Click to edit Master title style</a:t>
             </a:r>
-            <a:endParaRPr lang="en-US"/>
           </a:p>
         </p:txBody>
       </p:sp>
@@ -3816,38 +3821,37 @@
           <a:p>
             <a:pPr lvl="0"/>
             <a:r>
-              <a:rPr lang="en-US" smtClean="0"/>
+              <a:rPr lang="en-US"/>
               <a:t>Click to edit Master text styles</a:t>
             </a:r>
           </a:p>
           <a:p>
             <a:pPr lvl="1"/>
             <a:r>
-              <a:rPr lang="en-US" smtClean="0"/>
+              <a:rPr lang="en-US"/>
               <a:t>Second level</a:t>
             </a:r>
           </a:p>
           <a:p>
             <a:pPr lvl="2"/>
             <a:r>
-              <a:rPr lang="en-US" smtClean="0"/>
+              <a:rPr lang="en-US"/>
               <a:t>Third level</a:t>
             </a:r>
           </a:p>
           <a:p>
             <a:pPr lvl="3"/>
             <a:r>
-              <a:rPr lang="en-US" smtClean="0"/>
+              <a:rPr lang="en-US"/>
               <a:t>Fourth level</a:t>
             </a:r>
           </a:p>
           <a:p>
             <a:pPr lvl="4"/>
             <a:r>
-              <a:rPr lang="en-US" smtClean="0"/>
+              <a:rPr lang="en-US"/>
               <a:t>Fifth level</a:t>
             </a:r>
-            <a:endParaRPr lang="en-US"/>
           </a:p>
         </p:txBody>
       </p:sp>
@@ -3868,7 +3872,7 @@
           <a:p>
             <a:fld id="{D2C3DDD9-5CB4-4541-9EE4-C343919C930A}" type="datetime1">
               <a:rPr lang="en-US" smtClean="0"/>
-              <a:t>10/23/18</a:t>
+              <a:t>10/26/18</a:t>
             </a:fld>
             <a:endParaRPr lang="en-US"/>
           </a:p>
@@ -3890,7 +3894,7 @@
           <a:lstStyle/>
           <a:p>
             <a:r>
-              <a:rPr lang="ro-RO" smtClean="0"/>
+              <a:rPr lang="ro-RO"/>
               <a:t>Kai-Wei Chang </a:t>
             </a:r>
             <a:endParaRPr lang="en-US"/>
@@ -3975,10 +3979,9 @@
           </a:lstStyle>
           <a:p>
             <a:r>
-              <a:rPr lang="en-US" smtClean="0"/>
+              <a:rPr lang="en-US"/>
               <a:t>Click to edit Master title style</a:t>
             </a:r>
-            <a:endParaRPr lang="en-US"/>
           </a:p>
         </p:txBody>
       </p:sp>
@@ -4095,7 +4098,7 @@
           <a:p>
             <a:pPr lvl="0"/>
             <a:r>
-              <a:rPr lang="en-US" smtClean="0"/>
+              <a:rPr lang="en-US"/>
               <a:t>Click to edit Master text styles</a:t>
             </a:r>
           </a:p>
@@ -4118,7 +4121,7 @@
           <a:p>
             <a:fld id="{073AA66B-9850-0B4D-A01E-F2FA33491D2C}" type="datetime1">
               <a:rPr lang="en-US" smtClean="0"/>
-              <a:t>10/23/18</a:t>
+              <a:t>10/26/18</a:t>
             </a:fld>
             <a:endParaRPr lang="en-US"/>
           </a:p>
@@ -4140,7 +4143,7 @@
           <a:lstStyle/>
           <a:p>
             <a:r>
-              <a:rPr lang="ro-RO" smtClean="0"/>
+              <a:rPr lang="ro-RO"/>
               <a:t>Kai-Wei Chang </a:t>
             </a:r>
             <a:endParaRPr lang="en-US"/>
@@ -4216,10 +4219,9 @@
           <a:lstStyle/>
           <a:p>
             <a:r>
-              <a:rPr lang="en-US" smtClean="0"/>
+              <a:rPr lang="en-US"/>
               <a:t>Click to edit Master title style</a:t>
             </a:r>
-            <a:endParaRPr lang="en-US"/>
           </a:p>
         </p:txBody>
       </p:sp>
@@ -4273,38 +4275,37 @@
           <a:p>
             <a:pPr lvl="0"/>
             <a:r>
-              <a:rPr lang="en-US" smtClean="0"/>
+              <a:rPr lang="en-US"/>
               <a:t>Click to edit Master text styles</a:t>
             </a:r>
           </a:p>
           <a:p>
             <a:pPr lvl="1"/>
             <a:r>
-              <a:rPr lang="en-US" smtClean="0"/>
+              <a:rPr lang="en-US"/>
               <a:t>Second level</a:t>
             </a:r>
           </a:p>
           <a:p>
             <a:pPr lvl="2"/>
             <a:r>
-              <a:rPr lang="en-US" smtClean="0"/>
+              <a:rPr lang="en-US"/>
               <a:t>Third level</a:t>
             </a:r>
           </a:p>
           <a:p>
             <a:pPr lvl="3"/>
             <a:r>
-              <a:rPr lang="en-US" smtClean="0"/>
+              <a:rPr lang="en-US"/>
               <a:t>Fourth level</a:t>
             </a:r>
           </a:p>
           <a:p>
             <a:pPr lvl="4"/>
             <a:r>
-              <a:rPr lang="en-US" smtClean="0"/>
+              <a:rPr lang="en-US"/>
               <a:t>Fifth level</a:t>
             </a:r>
-            <a:endParaRPr lang="en-US"/>
           </a:p>
         </p:txBody>
       </p:sp>
@@ -4358,38 +4359,37 @@
           <a:p>
             <a:pPr lvl="0"/>
             <a:r>
-              <a:rPr lang="en-US" smtClean="0"/>
+              <a:rPr lang="en-US"/>
               <a:t>Click to edit Master text styles</a:t>
             </a:r>
           </a:p>
           <a:p>
             <a:pPr lvl="1"/>
             <a:r>
-              <a:rPr lang="en-US" smtClean="0"/>
+              <a:rPr lang="en-US"/>
               <a:t>Second level</a:t>
             </a:r>
           </a:p>
           <a:p>
             <a:pPr lvl="2"/>
             <a:r>
-              <a:rPr lang="en-US" smtClean="0"/>
+              <a:rPr lang="en-US"/>
               <a:t>Third level</a:t>
             </a:r>
           </a:p>
           <a:p>
             <a:pPr lvl="3"/>
             <a:r>
-              <a:rPr lang="en-US" smtClean="0"/>
+              <a:rPr lang="en-US"/>
               <a:t>Fourth level</a:t>
             </a:r>
           </a:p>
           <a:p>
             <a:pPr lvl="4"/>
             <a:r>
-              <a:rPr lang="en-US" smtClean="0"/>
+              <a:rPr lang="en-US"/>
               <a:t>Fifth level</a:t>
             </a:r>
-            <a:endParaRPr lang="en-US"/>
           </a:p>
         </p:txBody>
       </p:sp>
@@ -4410,7 +4410,7 @@
           <a:p>
             <a:fld id="{5DE25260-A379-F14C-B52F-CEB28428CB77}" type="datetime1">
               <a:rPr lang="en-US" smtClean="0"/>
-              <a:t>10/23/18</a:t>
+              <a:t>10/26/18</a:t>
             </a:fld>
             <a:endParaRPr lang="en-US"/>
           </a:p>
@@ -4432,7 +4432,7 @@
           <a:lstStyle/>
           <a:p>
             <a:r>
-              <a:rPr lang="ro-RO" smtClean="0"/>
+              <a:rPr lang="ro-RO"/>
               <a:t>Kai-Wei Chang </a:t>
             </a:r>
             <a:endParaRPr lang="en-US"/>
@@ -4517,10 +4517,9 @@
           </a:lstStyle>
           <a:p>
             <a:r>
-              <a:rPr lang="en-US" smtClean="0"/>
+              <a:rPr lang="en-US"/>
               <a:t>Click to edit Master title style</a:t>
             </a:r>
-            <a:endParaRPr lang="en-US"/>
           </a:p>
         </p:txBody>
       </p:sp>
@@ -4583,7 +4582,7 @@
           <a:p>
             <a:pPr lvl="0"/>
             <a:r>
-              <a:rPr lang="en-US" smtClean="0"/>
+              <a:rPr lang="en-US"/>
               <a:t>Click to edit Master text styles</a:t>
             </a:r>
           </a:p>
@@ -4639,38 +4638,37 @@
           <a:p>
             <a:pPr lvl="0"/>
             <a:r>
-              <a:rPr lang="en-US" smtClean="0"/>
+              <a:rPr lang="en-US"/>
               <a:t>Click to edit Master text styles</a:t>
             </a:r>
           </a:p>
           <a:p>
             <a:pPr lvl="1"/>
             <a:r>
-              <a:rPr lang="en-US" smtClean="0"/>
+              <a:rPr lang="en-US"/>
               <a:t>Second level</a:t>
             </a:r>
           </a:p>
           <a:p>
             <a:pPr lvl="2"/>
             <a:r>
-              <a:rPr lang="en-US" smtClean="0"/>
+              <a:rPr lang="en-US"/>
               <a:t>Third level</a:t>
             </a:r>
           </a:p>
           <a:p>
             <a:pPr lvl="3"/>
             <a:r>
-              <a:rPr lang="en-US" smtClean="0"/>
+              <a:rPr lang="en-US"/>
               <a:t>Fourth level</a:t>
             </a:r>
           </a:p>
           <a:p>
             <a:pPr lvl="4"/>
             <a:r>
-              <a:rPr lang="en-US" smtClean="0"/>
+              <a:rPr lang="en-US"/>
               <a:t>Fifth level</a:t>
             </a:r>
-            <a:endParaRPr lang="en-US"/>
           </a:p>
         </p:txBody>
       </p:sp>
@@ -4733,7 +4731,7 @@
           <a:p>
             <a:pPr lvl="0"/>
             <a:r>
-              <a:rPr lang="en-US" smtClean="0"/>
+              <a:rPr lang="en-US"/>
               <a:t>Click to edit Master text styles</a:t>
             </a:r>
           </a:p>
@@ -4789,38 +4787,37 @@
           <a:p>
             <a:pPr lvl="0"/>
             <a:r>
-              <a:rPr lang="en-US" smtClean="0"/>
+              <a:rPr lang="en-US"/>
               <a:t>Click to edit Master text styles</a:t>
             </a:r>
           </a:p>
           <a:p>
             <a:pPr lvl="1"/>
             <a:r>
-              <a:rPr lang="en-US" smtClean="0"/>
+              <a:rPr lang="en-US"/>
               <a:t>Second level</a:t>
             </a:r>
           </a:p>
           <a:p>
             <a:pPr lvl="2"/>
             <a:r>
-              <a:rPr lang="en-US" smtClean="0"/>
+              <a:rPr lang="en-US"/>
               <a:t>Third level</a:t>
             </a:r>
           </a:p>
           <a:p>
             <a:pPr lvl="3"/>
             <a:r>
-              <a:rPr lang="en-US" smtClean="0"/>
+              <a:rPr lang="en-US"/>
               <a:t>Fourth level</a:t>
             </a:r>
           </a:p>
           <a:p>
             <a:pPr lvl="4"/>
             <a:r>
-              <a:rPr lang="en-US" smtClean="0"/>
+              <a:rPr lang="en-US"/>
               <a:t>Fifth level</a:t>
             </a:r>
-            <a:endParaRPr lang="en-US"/>
           </a:p>
         </p:txBody>
       </p:sp>
@@ -4841,7 +4838,7 @@
           <a:p>
             <a:fld id="{4EE56491-E683-9647-94CC-B9A5FFADA4D3}" type="datetime1">
               <a:rPr lang="en-US" smtClean="0"/>
-              <a:t>10/23/18</a:t>
+              <a:t>10/26/18</a:t>
             </a:fld>
             <a:endParaRPr lang="en-US"/>
           </a:p>
@@ -4863,7 +4860,7 @@
           <a:lstStyle/>
           <a:p>
             <a:r>
-              <a:rPr lang="ro-RO" smtClean="0"/>
+              <a:rPr lang="ro-RO"/>
               <a:t>Kai-Wei Chang </a:t>
             </a:r>
             <a:endParaRPr lang="en-US"/>
@@ -4939,10 +4936,9 @@
           <a:lstStyle/>
           <a:p>
             <a:r>
-              <a:rPr lang="en-US" smtClean="0"/>
+              <a:rPr lang="en-US"/>
               <a:t>Click to edit Master title style</a:t>
             </a:r>
-            <a:endParaRPr lang="en-US"/>
           </a:p>
         </p:txBody>
       </p:sp>
@@ -4963,7 +4959,7 @@
           <a:p>
             <a:fld id="{C7F3B178-4A90-6F4B-A4D3-44CF473D606D}" type="datetime1">
               <a:rPr lang="en-US" smtClean="0"/>
-              <a:t>10/23/18</a:t>
+              <a:t>10/26/18</a:t>
             </a:fld>
             <a:endParaRPr lang="en-US"/>
           </a:p>
@@ -4985,7 +4981,7 @@
           <a:lstStyle/>
           <a:p>
             <a:r>
-              <a:rPr lang="ro-RO" smtClean="0"/>
+              <a:rPr lang="ro-RO"/>
               <a:t>Kai-Wei Chang </a:t>
             </a:r>
             <a:endParaRPr lang="en-US"/>
@@ -5062,7 +5058,7 @@
           <a:p>
             <a:fld id="{5B732553-997E-1B42-8EE0-77FF53C87DC4}" type="datetime1">
               <a:rPr lang="en-US" smtClean="0"/>
-              <a:t>10/23/18</a:t>
+              <a:t>10/26/18</a:t>
             </a:fld>
             <a:endParaRPr lang="en-US"/>
           </a:p>
@@ -5084,7 +5080,7 @@
           <a:lstStyle/>
           <a:p>
             <a:r>
-              <a:rPr lang="ro-RO" smtClean="0"/>
+              <a:rPr lang="ro-RO"/>
               <a:t>Kai-Wei Chang </a:t>
             </a:r>
             <a:endParaRPr lang="en-US"/>
@@ -5169,10 +5165,9 @@
           </a:lstStyle>
           <a:p>
             <a:r>
-              <a:rPr lang="en-US" smtClean="0"/>
+              <a:rPr lang="en-US"/>
               <a:t>Click to edit Master title style</a:t>
             </a:r>
-            <a:endParaRPr lang="en-US"/>
           </a:p>
         </p:txBody>
       </p:sp>
@@ -5226,38 +5221,37 @@
           <a:p>
             <a:pPr lvl="0"/>
             <a:r>
-              <a:rPr lang="en-US" smtClean="0"/>
+              <a:rPr lang="en-US"/>
               <a:t>Click to edit Master text styles</a:t>
             </a:r>
           </a:p>
           <a:p>
             <a:pPr lvl="1"/>
             <a:r>
-              <a:rPr lang="en-US" smtClean="0"/>
+              <a:rPr lang="en-US"/>
               <a:t>Second level</a:t>
             </a:r>
           </a:p>
           <a:p>
             <a:pPr lvl="2"/>
             <a:r>
-              <a:rPr lang="en-US" smtClean="0"/>
+              <a:rPr lang="en-US"/>
               <a:t>Third level</a:t>
             </a:r>
           </a:p>
           <a:p>
             <a:pPr lvl="3"/>
             <a:r>
-              <a:rPr lang="en-US" smtClean="0"/>
+              <a:rPr lang="en-US"/>
               <a:t>Fourth level</a:t>
             </a:r>
           </a:p>
           <a:p>
             <a:pPr lvl="4"/>
             <a:r>
-              <a:rPr lang="en-US" smtClean="0"/>
+              <a:rPr lang="en-US"/>
               <a:t>Fifth level</a:t>
             </a:r>
-            <a:endParaRPr lang="en-US"/>
           </a:p>
         </p:txBody>
       </p:sp>
@@ -5320,7 +5314,7 @@
           <a:p>
             <a:pPr lvl="0"/>
             <a:r>
-              <a:rPr lang="en-US" smtClean="0"/>
+              <a:rPr lang="en-US"/>
               <a:t>Click to edit Master text styles</a:t>
             </a:r>
           </a:p>
@@ -5343,7 +5337,7 @@
           <a:p>
             <a:fld id="{F2A4AB8A-A217-8545-AF99-019A5D20447D}" type="datetime1">
               <a:rPr lang="en-US" smtClean="0"/>
-              <a:t>10/23/18</a:t>
+              <a:t>10/26/18</a:t>
             </a:fld>
             <a:endParaRPr lang="en-US"/>
           </a:p>
@@ -5365,7 +5359,7 @@
           <a:lstStyle/>
           <a:p>
             <a:r>
-              <a:rPr lang="ro-RO" smtClean="0"/>
+              <a:rPr lang="ro-RO"/>
               <a:t>Kai-Wei Chang </a:t>
             </a:r>
             <a:endParaRPr lang="en-US"/>
@@ -5450,10 +5444,9 @@
           </a:lstStyle>
           <a:p>
             <a:r>
-              <a:rPr lang="en-US" smtClean="0"/>
+              <a:rPr lang="en-US"/>
               <a:t>Click to edit Master title style</a:t>
             </a:r>
-            <a:endParaRPr lang="en-US"/>
           </a:p>
         </p:txBody>
       </p:sp>
@@ -5577,7 +5570,7 @@
           <a:p>
             <a:pPr lvl="0"/>
             <a:r>
-              <a:rPr lang="en-US" smtClean="0"/>
+              <a:rPr lang="en-US"/>
               <a:t>Click to edit Master text styles</a:t>
             </a:r>
           </a:p>
@@ -5600,7 +5593,7 @@
           <a:p>
             <a:fld id="{7405E52F-BE88-5646-8DA0-B5E294669537}" type="datetime1">
               <a:rPr lang="en-US" smtClean="0"/>
-              <a:t>10/23/18</a:t>
+              <a:t>10/26/18</a:t>
             </a:fld>
             <a:endParaRPr lang="en-US"/>
           </a:p>
@@ -5622,7 +5615,7 @@
           <a:lstStyle/>
           <a:p>
             <a:r>
-              <a:rPr lang="ro-RO" smtClean="0"/>
+              <a:rPr lang="ro-RO"/>
               <a:t>Kai-Wei Chang </a:t>
             </a:r>
             <a:endParaRPr lang="en-US"/>
@@ -5713,10 +5706,9 @@
           <a:lstStyle/>
           <a:p>
             <a:r>
-              <a:rPr lang="en-US" smtClean="0"/>
+              <a:rPr lang="en-US"/>
               <a:t>Click to edit Master title style</a:t>
             </a:r>
-            <a:endParaRPr lang="en-US"/>
           </a:p>
         </p:txBody>
       </p:sp>
@@ -5747,38 +5739,37 @@
           <a:p>
             <a:pPr lvl="0"/>
             <a:r>
-              <a:rPr lang="en-US" smtClean="0"/>
+              <a:rPr lang="en-US"/>
               <a:t>Click to edit Master text styles</a:t>
             </a:r>
           </a:p>
           <a:p>
             <a:pPr lvl="1"/>
             <a:r>
-              <a:rPr lang="en-US" smtClean="0"/>
+              <a:rPr lang="en-US"/>
               <a:t>Second level</a:t>
             </a:r>
           </a:p>
           <a:p>
             <a:pPr lvl="2"/>
             <a:r>
-              <a:rPr lang="en-US" smtClean="0"/>
+              <a:rPr lang="en-US"/>
               <a:t>Third level</a:t>
             </a:r>
           </a:p>
           <a:p>
             <a:pPr lvl="3"/>
             <a:r>
-              <a:rPr lang="en-US" smtClean="0"/>
+              <a:rPr lang="en-US"/>
               <a:t>Fourth level</a:t>
             </a:r>
           </a:p>
           <a:p>
             <a:pPr lvl="4"/>
             <a:r>
-              <a:rPr lang="en-US" smtClean="0"/>
+              <a:rPr lang="en-US"/>
               <a:t>Fifth level</a:t>
             </a:r>
-            <a:endParaRPr lang="en-US"/>
           </a:p>
         </p:txBody>
       </p:sp>
@@ -5817,7 +5808,7 @@
           <a:p>
             <a:fld id="{D608442D-EB9F-DE46-AC1E-E55E7FEB6611}" type="datetime1">
               <a:rPr lang="en-US" smtClean="0"/>
-              <a:t>10/23/18</a:t>
+              <a:t>10/26/18</a:t>
             </a:fld>
             <a:endParaRPr lang="en-US"/>
           </a:p>
@@ -5857,7 +5848,7 @@
           </a:lstStyle>
           <a:p>
             <a:r>
-              <a:rPr lang="ro-RO" smtClean="0"/>
+              <a:rPr lang="ro-RO"/>
               <a:t>Kai-Wei Chang </a:t>
             </a:r>
             <a:endParaRPr lang="en-US"/>
@@ -6311,29 +6302,8 @@
                   <a:schemeClr val="tx1"/>
                 </a:solidFill>
               </a:rPr>
-              <a:t>October </a:t>
-            </a:r>
-            <a:r>
-              <a:rPr lang="en-US" sz="2400" dirty="0" smtClean="0">
-                <a:solidFill>
-                  <a:schemeClr val="tx1"/>
-                </a:solidFill>
-              </a:rPr>
-              <a:t>24 - 26, </a:t>
-            </a:r>
-            <a:r>
-              <a:rPr lang="en-US" sz="2400" dirty="0">
-                <a:solidFill>
-                  <a:schemeClr val="tx1"/>
-                </a:solidFill>
-              </a:rPr>
-              <a:t>2018</a:t>
-            </a:r>
-            <a:endParaRPr lang="en-US" sz="2400" dirty="0">
-              <a:solidFill>
-                <a:schemeClr val="tx1"/>
-              </a:solidFill>
-            </a:endParaRPr>
+              <a:t>October 24 - 26, 2018</a:t>
+            </a:r>
           </a:p>
         </p:txBody>
       </p:sp>
@@ -6384,18 +6354,10 @@
           <a:p>
             <a:r>
               <a:rPr lang="en-US" dirty="0"/>
-              <a:t>S</a:t>
-            </a:r>
-            <a:r>
-              <a:rPr lang="en-US" dirty="0" smtClean="0"/>
-              <a:t>lides from </a:t>
-            </a:r>
-            <a:r>
-              <a:rPr lang="en-US" dirty="0"/>
-              <a:t>Dan </a:t>
-            </a:r>
-            <a:r>
-              <a:rPr lang="en-US" dirty="0" err="1" smtClean="0"/>
+              <a:t>Slides from Dan </a:t>
+            </a:r>
+            <a:r>
+              <a:rPr lang="en-US" dirty="0" err="1"/>
               <a:t>Jurafsky</a:t>
             </a:r>
             <a:endParaRPr lang="en-US" dirty="0"/>
@@ -6412,13 +6374,6 @@
   <p:clrMapOvr>
     <a:masterClrMapping/>
   </p:clrMapOvr>
-  <p:timing>
-    <p:tnLst>
-      <p:par>
-        <p:cTn id="1" dur="indefinite" restart="never" nodeType="tmRoot"/>
-      </p:par>
-    </p:tnLst>
-  </p:timing>
 </p:sld>
 </file>
 
@@ -6455,10 +6410,9 @@
           <a:lstStyle/>
           <a:p>
             <a:r>
-              <a:rPr lang="en-US" dirty="0" smtClean="0"/>
+              <a:rPr lang="en-US" dirty="0"/>
               <a:t>Another Visualization</a:t>
             </a:r>
-            <a:endParaRPr lang="en-US" dirty="0"/>
           </a:p>
         </p:txBody>
       </p:sp>
@@ -6625,7 +6579,7 @@
               <a:tabLst/>
             </a:pPr>
             <a:r>
-              <a:rPr kumimoji="0" lang="en-US" sz="1800" b="0" i="0" u="none" strike="noStrike" cap="none" spc="0" normalizeH="0" baseline="0" dirty="0" smtClean="0">
+              <a:rPr kumimoji="0" lang="en-US" sz="1800" b="0" i="0" u="none" strike="noStrike" cap="none" spc="0" normalizeH="0" baseline="0" dirty="0">
                 <a:ln>
                   <a:noFill/>
                 </a:ln>
@@ -6642,7 +6596,7 @@
               <a:t>Capable of modeling long-distant</a:t>
             </a:r>
             <a:r>
-              <a:rPr kumimoji="0" lang="en-US" sz="1800" b="0" i="0" u="none" strike="noStrike" cap="none" spc="0" normalizeH="0" dirty="0" smtClean="0">
+              <a:rPr kumimoji="0" lang="en-US" sz="1800" b="0" i="0" u="none" strike="noStrike" cap="none" spc="0" normalizeH="0" dirty="0">
                 <a:ln>
                   <a:noFill/>
                 </a:ln>
@@ -6685,14 +6639,6 @@
   <p:clrMapOvr>
     <a:masterClrMapping/>
   </p:clrMapOvr>
-  <mc:AlternateContent xmlns:mc="http://schemas.openxmlformats.org/markup-compatibility/2006" xmlns:p14="http://schemas.microsoft.com/office/powerpoint/2010/main">
-    <mc:Choice Requires="p14">
-      <p:transition spd="slow" p14:dur="2000"/>
-    </mc:Choice>
-    <mc:Fallback xmlns="">
-      <p:transition spd="slow"/>
-    </mc:Fallback>
-  </mc:AlternateContent>
 </p:sld>
 </file>
 
@@ -6729,10 +6675,9 @@
           <a:lstStyle/>
           <a:p>
             <a:r>
-              <a:rPr lang="en-US" dirty="0" smtClean="0"/>
+              <a:rPr lang="en-US" dirty="0"/>
               <a:t>Bidirectional LSTMs</a:t>
             </a:r>
-            <a:endParaRPr lang="en-US" dirty="0"/>
           </a:p>
         </p:txBody>
       </p:sp>
@@ -6776,14 +6721,6 @@
   <p:clrMapOvr>
     <a:masterClrMapping/>
   </p:clrMapOvr>
-  <mc:AlternateContent xmlns:mc="http://schemas.openxmlformats.org/markup-compatibility/2006" xmlns:p14="http://schemas.microsoft.com/office/powerpoint/2010/main">
-    <mc:Choice Requires="p14">
-      <p:transition spd="slow" p14:dur="2000"/>
-    </mc:Choice>
-    <mc:Fallback xmlns="">
-      <p:transition spd="slow"/>
-    </mc:Fallback>
-  </mc:AlternateContent>
 </p:sld>
 </file>
 
@@ -6822,7 +6759,7 @@
           <a:lstStyle/>
           <a:p>
             <a:r>
-              <a:rPr lang="en-US" altLang="zh-CN" dirty="0" smtClean="0"/>
+              <a:rPr lang="en-US" altLang="zh-CN" dirty="0"/>
               <a:t>LSTMs for Sequential Tagging</a:t>
             </a:r>
             <a:endParaRPr lang="en-US" dirty="0"/>
@@ -6927,11 +6864,11 @@
               <a:tabLst/>
             </a:pPr>
             <a:r>
-              <a:rPr lang="en-US" sz="1500" dirty="0" smtClean="0"/>
+              <a:rPr lang="en-US" sz="1500" dirty="0"/>
               <a:t>y</a:t>
             </a:r>
             <a:r>
-              <a:rPr lang="en-US" sz="1500" baseline="-25000" dirty="0" smtClean="0"/>
+              <a:rPr lang="en-US" sz="1500" baseline="-25000" dirty="0"/>
               <a:t>t</a:t>
             </a:r>
             <a:endParaRPr kumimoji="0" lang="en-US" sz="1500" b="0" i="0" u="none" strike="noStrike" cap="none" spc="0" normalizeH="0" baseline="-25000" dirty="0">
@@ -7046,7 +6983,7 @@
               <a:tabLst/>
             </a:pPr>
             <a:r>
-              <a:rPr kumimoji="0" lang="en-US" sz="2400" b="0" i="0" u="none" strike="noStrike" cap="none" spc="0" normalizeH="0" baseline="0" dirty="0" smtClean="0">
+              <a:rPr kumimoji="0" lang="en-US" sz="2400" b="0" i="0" u="none" strike="noStrike" cap="none" spc="0" normalizeH="0" baseline="0" dirty="0">
                 <a:ln>
                   <a:noFill/>
                 </a:ln>
@@ -7063,7 +7000,7 @@
               <a:t>Sophisticated</a:t>
             </a:r>
             <a:r>
-              <a:rPr kumimoji="0" lang="en-US" sz="2400" b="0" i="0" u="none" strike="noStrike" cap="none" spc="0" normalizeH="0" dirty="0" smtClean="0">
+              <a:rPr kumimoji="0" lang="en-US" sz="2400" b="0" i="0" u="none" strike="noStrike" cap="none" spc="0" normalizeH="0" dirty="0">
                 <a:ln>
                   <a:noFill/>
                 </a:ln>
@@ -7114,7 +7051,7 @@
           <a:graphicData uri="http://schemas.openxmlformats.org/presentationml/2006/ole">
             <mc:AlternateContent xmlns:mc="http://schemas.openxmlformats.org/markup-compatibility/2006">
               <mc:Choice xmlns:v="urn:schemas-microsoft-com:vml" Requires="v">
-                <p:oleObj spid="_x0000_s6229" name="Equation" r:id="rId5" imgW="558800" imgH="215900" progId="Equation.3">
+                <p:oleObj spid="_x0000_s6239" name="Equation" r:id="rId5" imgW="558800" imgH="215900" progId="Equation.3">
                   <p:embed/>
                 </p:oleObj>
               </mc:Choice>
@@ -7167,7 +7104,7 @@
           <a:graphicData uri="http://schemas.openxmlformats.org/presentationml/2006/ole">
             <mc:AlternateContent xmlns:mc="http://schemas.openxmlformats.org/markup-compatibility/2006">
               <mc:Choice xmlns:v="urn:schemas-microsoft-com:vml" Requires="v">
-                <p:oleObj spid="_x0000_s6230" name="Equation" r:id="rId7" imgW="901700" imgH="660400" progId="Equation.3">
+                <p:oleObj spid="_x0000_s6240" name="Equation" r:id="rId7" imgW="901700" imgH="660400" progId="Equation.3">
                   <p:embed/>
                 </p:oleObj>
               </mc:Choice>
@@ -7212,14 +7149,6 @@
   <p:clrMapOvr>
     <a:masterClrMapping/>
   </p:clrMapOvr>
-  <mc:AlternateContent xmlns:mc="http://schemas.openxmlformats.org/markup-compatibility/2006" xmlns:p14="http://schemas.microsoft.com/office/powerpoint/2010/main">
-    <mc:Choice Requires="p14">
-      <p:transition spd="slow" p14:dur="2000"/>
-    </mc:Choice>
-    <mc:Fallback xmlns="">
-      <p:transition spd="slow"/>
-    </mc:Fallback>
-  </mc:AlternateContent>
 </p:sld>
 </file>
 
@@ -7258,10 +7187,9 @@
           <a:lstStyle/>
           <a:p>
             <a:r>
-              <a:rPr lang="en-US" dirty="0" smtClean="0"/>
+              <a:rPr lang="en-US" dirty="0"/>
               <a:t>Recall CRFs for Sequential Tagging</a:t>
             </a:r>
-            <a:endParaRPr lang="en-US" dirty="0"/>
           </a:p>
         </p:txBody>
       </p:sp>
@@ -7352,7 +7280,7 @@
               <a:tabLst/>
             </a:pPr>
             <a:r>
-              <a:rPr kumimoji="0" lang="en-US" sz="2400" b="0" i="1" u="none" strike="noStrike" cap="none" spc="0" normalizeH="0" baseline="0" dirty="0" smtClean="0">
+              <a:rPr kumimoji="0" lang="en-US" sz="2400" b="0" i="1" u="none" strike="noStrike" cap="none" spc="0" normalizeH="0" baseline="0" dirty="0">
                 <a:ln>
                   <a:noFill/>
                 </a:ln>
@@ -7366,7 +7294,7 @@
               <a:t>Arbitrary</a:t>
             </a:r>
             <a:r>
-              <a:rPr kumimoji="0" lang="en-US" sz="2400" b="0" i="0" u="none" strike="noStrike" cap="none" spc="0" normalizeH="0" dirty="0" smtClean="0">
+              <a:rPr kumimoji="0" lang="en-US" sz="2400" b="0" i="0" u="none" strike="noStrike" cap="none" spc="0" normalizeH="0" dirty="0">
                 <a:ln>
                   <a:noFill/>
                 </a:ln>
@@ -7380,7 +7308,7 @@
               <a:t> features </a:t>
             </a:r>
             <a:r>
-              <a:rPr lang="en-US" sz="2400" dirty="0" smtClean="0">
+              <a:rPr lang="en-US" sz="2400" dirty="0">
                 <a:solidFill>
                   <a:srgbClr val="A6A6A6"/>
                 </a:solidFill>
@@ -7388,7 +7316,7 @@
               <a:t>on the input side</a:t>
             </a:r>
             <a:r>
-              <a:rPr lang="en-US" sz="2400" dirty="0" smtClean="0"/>
+              <a:rPr lang="en-US" sz="2400" dirty="0"/>
               <a:t> </a:t>
             </a:r>
           </a:p>
@@ -7410,15 +7338,15 @@
               <a:tabLst/>
             </a:pPr>
             <a:r>
-              <a:rPr lang="en-US" sz="2400" i="1" dirty="0" smtClean="0"/>
+              <a:rPr lang="en-US" sz="2400" i="1" dirty="0"/>
               <a:t>Markov</a:t>
             </a:r>
             <a:r>
-              <a:rPr lang="en-US" sz="2400" dirty="0" smtClean="0"/>
+              <a:rPr lang="en-US" sz="2400" dirty="0"/>
               <a:t> assumption on the </a:t>
             </a:r>
             <a:r>
-              <a:rPr lang="en-US" sz="2400" dirty="0" smtClean="0">
+              <a:rPr lang="en-US" sz="2400" dirty="0">
                 <a:solidFill>
                   <a:srgbClr val="E2751D"/>
                 </a:solidFill>
@@ -7426,7 +7354,7 @@
               <a:t>output</a:t>
             </a:r>
             <a:r>
-              <a:rPr lang="en-US" sz="2400" dirty="0" smtClean="0"/>
+              <a:rPr lang="en-US" sz="2400" dirty="0"/>
               <a:t> side</a:t>
             </a:r>
             <a:endParaRPr kumimoji="0" lang="en-US" sz="2400" b="0" i="0" u="none" strike="noStrike" cap="none" spc="0" normalizeH="0" baseline="0" dirty="0">
@@ -7453,14 +7381,6 @@
   <p:clrMapOvr>
     <a:masterClrMapping/>
   </p:clrMapOvr>
-  <mc:AlternateContent xmlns:mc="http://schemas.openxmlformats.org/markup-compatibility/2006" xmlns:p14="http://schemas.microsoft.com/office/powerpoint/2010/main">
-    <mc:Choice Requires="p14">
-      <p:transition spd="slow" p14:dur="2000"/>
-    </mc:Choice>
-    <mc:Fallback xmlns="">
-      <p:transition spd="slow"/>
-    </mc:Fallback>
-  </mc:AlternateContent>
 </p:sld>
 </file>
 
@@ -7522,48 +7442,34 @@
           <a:lstStyle/>
           <a:p>
             <a:r>
-              <a:rPr lang="en-US" dirty="0" smtClean="0"/>
+              <a:rPr lang="en-US" dirty="0"/>
               <a:t>Completely ignored the interdependencies of the outputs</a:t>
             </a:r>
           </a:p>
           <a:p>
             <a:pPr lvl="1"/>
             <a:r>
-              <a:rPr lang="en-US" dirty="0" smtClean="0"/>
-              <a:t>Will this work? </a:t>
-            </a:r>
-            <a:r>
               <a:rPr lang="en-US" dirty="0"/>
-              <a:t>Yes. </a:t>
-            </a:r>
-            <a:endParaRPr lang="en-US" dirty="0" smtClean="0"/>
+              <a:t>Will this work? Yes. </a:t>
+            </a:r>
           </a:p>
           <a:p>
             <a:pPr lvl="2"/>
             <a:r>
-              <a:rPr lang="en-US" dirty="0" smtClean="0"/>
+              <a:rPr lang="en-US" dirty="0"/>
               <a:t>Liang et. al. (2008), </a:t>
             </a:r>
             <a:r>
-              <a:rPr lang="en-US" i="1" dirty="0" smtClean="0"/>
-              <a:t>Structure </a:t>
-            </a:r>
-            <a:r>
               <a:rPr lang="en-US" i="1" dirty="0"/>
-              <a:t>Compilation: Trading Structure for </a:t>
-            </a:r>
-            <a:r>
-              <a:rPr lang="en-US" i="1" dirty="0" smtClean="0"/>
-              <a:t>Features</a:t>
+              <a:t>Structure Compilation: Trading Structure for Features</a:t>
             </a:r>
           </a:p>
           <a:p>
             <a:pPr lvl="1"/>
             <a:r>
-              <a:rPr lang="en-US" dirty="0" smtClean="0"/>
+              <a:rPr lang="en-US" dirty="0"/>
               <a:t>Is this the best model? Not necessarily.</a:t>
             </a:r>
-            <a:endParaRPr lang="en-US" dirty="0"/>
           </a:p>
         </p:txBody>
       </p:sp>
@@ -7577,14 +7483,6 @@
   <p:clrMapOvr>
     <a:masterClrMapping/>
   </p:clrMapOvr>
-  <mc:AlternateContent xmlns:mc="http://schemas.openxmlformats.org/markup-compatibility/2006" xmlns:p14="http://schemas.microsoft.com/office/powerpoint/2010/main">
-    <mc:Choice Requires="p14">
-      <p:transition spd="slow" p14:dur="2000"/>
-    </mc:Choice>
-    <mc:Fallback xmlns="">
-      <p:transition spd="slow"/>
-    </mc:Fallback>
-  </mc:AlternateContent>
 </p:sld>
 </file>
 
@@ -7623,10 +7521,9 @@
           <a:lstStyle/>
           <a:p>
             <a:r>
-              <a:rPr lang="en-US" dirty="0" smtClean="0"/>
+              <a:rPr lang="en-US" dirty="0"/>
               <a:t>Recall CRFs for Sequential Tagging</a:t>
             </a:r>
-            <a:endParaRPr lang="en-US" dirty="0"/>
           </a:p>
         </p:txBody>
       </p:sp>
@@ -7717,7 +7614,7 @@
               <a:tabLst/>
             </a:pPr>
             <a:r>
-              <a:rPr kumimoji="0" lang="en-US" sz="2400" b="0" i="1" u="none" strike="noStrike" cap="none" spc="0" normalizeH="0" baseline="0" dirty="0" smtClean="0">
+              <a:rPr kumimoji="0" lang="en-US" sz="2400" b="0" i="1" u="none" strike="noStrike" cap="none" spc="0" normalizeH="0" baseline="0" dirty="0">
                 <a:ln>
                   <a:noFill/>
                 </a:ln>
@@ -7731,7 +7628,7 @@
               <a:t>Arbitrary</a:t>
             </a:r>
             <a:r>
-              <a:rPr kumimoji="0" lang="en-US" sz="2400" b="0" i="0" u="none" strike="noStrike" cap="none" spc="0" normalizeH="0" dirty="0" smtClean="0">
+              <a:rPr kumimoji="0" lang="en-US" sz="2400" b="0" i="0" u="none" strike="noStrike" cap="none" spc="0" normalizeH="0" dirty="0">
                 <a:ln>
                   <a:noFill/>
                 </a:ln>
@@ -7745,11 +7642,11 @@
               <a:t> features </a:t>
             </a:r>
             <a:r>
-              <a:rPr lang="en-US" sz="2400" dirty="0" smtClean="0"/>
+              <a:rPr lang="en-US" sz="2400" dirty="0"/>
               <a:t>on the </a:t>
             </a:r>
             <a:r>
-              <a:rPr lang="en-US" sz="2400" dirty="0" smtClean="0">
+              <a:rPr lang="en-US" sz="2400" dirty="0">
                 <a:solidFill>
                   <a:schemeClr val="accent3"/>
                 </a:solidFill>
@@ -7757,7 +7654,7 @@
               <a:t>input</a:t>
             </a:r>
             <a:r>
-              <a:rPr lang="en-US" sz="2400" dirty="0" smtClean="0"/>
+              <a:rPr lang="en-US" sz="2400" dirty="0"/>
               <a:t> side </a:t>
             </a:r>
           </a:p>
@@ -7779,15 +7676,15 @@
               <a:tabLst/>
             </a:pPr>
             <a:r>
-              <a:rPr lang="en-US" sz="2400" i="1" dirty="0" smtClean="0"/>
+              <a:rPr lang="en-US" sz="2400" i="1" dirty="0"/>
               <a:t>Markov</a:t>
             </a:r>
             <a:r>
-              <a:rPr lang="en-US" sz="2400" dirty="0" smtClean="0"/>
+              <a:rPr lang="en-US" sz="2400" dirty="0"/>
               <a:t> assumption on the </a:t>
             </a:r>
             <a:r>
-              <a:rPr lang="en-US" sz="2400" dirty="0" smtClean="0">
+              <a:rPr lang="en-US" sz="2400" dirty="0">
                 <a:solidFill>
                   <a:srgbClr val="E2751D"/>
                 </a:solidFill>
@@ -7795,7 +7692,7 @@
               <a:t>output</a:t>
             </a:r>
             <a:r>
-              <a:rPr lang="en-US" sz="2400" dirty="0" smtClean="0"/>
+              <a:rPr lang="en-US" sz="2400" dirty="0"/>
               <a:t> side</a:t>
             </a:r>
             <a:endParaRPr kumimoji="0" lang="en-US" sz="2400" b="0" i="0" u="none" strike="noStrike" cap="none" spc="0" normalizeH="0" baseline="0" dirty="0">
@@ -7822,14 +7719,6 @@
   <p:clrMapOvr>
     <a:masterClrMapping/>
   </p:clrMapOvr>
-  <mc:AlternateContent xmlns:mc="http://schemas.openxmlformats.org/markup-compatibility/2006" xmlns:p14="http://schemas.microsoft.com/office/powerpoint/2010/main">
-    <mc:Choice Requires="p14">
-      <p:transition spd="slow" p14:dur="2000"/>
-    </mc:Choice>
-    <mc:Fallback xmlns="">
-      <p:transition spd="slow"/>
-    </mc:Fallback>
-  </mc:AlternateContent>
 </p:sld>
 </file>
 
@@ -7990,14 +7879,6 @@
   <p:clrMapOvr>
     <a:masterClrMapping/>
   </p:clrMapOvr>
-  <mc:AlternateContent xmlns:mc="http://schemas.openxmlformats.org/markup-compatibility/2006" xmlns:p14="http://schemas.microsoft.com/office/powerpoint/2010/main">
-    <mc:Choice Requires="p14">
-      <p:transition spd="slow" p14:dur="2000"/>
-    </mc:Choice>
-    <mc:Fallback xmlns="">
-      <p:transition spd="slow"/>
-    </mc:Fallback>
-  </mc:AlternateContent>
 </p:sld>
 </file>
 
@@ -8034,10 +7915,9 @@
           <a:lstStyle/>
           <a:p>
             <a:r>
-              <a:rPr lang="en-US" dirty="0" smtClean="0"/>
+              <a:rPr lang="en-US" dirty="0"/>
               <a:t>Combining Two Benefits</a:t>
             </a:r>
-            <a:endParaRPr lang="en-US" dirty="0"/>
           </a:p>
         </p:txBody>
       </p:sp>
@@ -8343,17 +8223,17 @@
           </a:lstStyle>
           <a:p>
             <a:r>
-              <a:rPr lang="en-US" dirty="0" smtClean="0"/>
+              <a:rPr lang="en-US" dirty="0"/>
               <a:t>Directly model output dependencies by CRFs.</a:t>
             </a:r>
           </a:p>
           <a:p>
             <a:r>
-              <a:rPr lang="en-US" dirty="0" smtClean="0"/>
+              <a:rPr lang="en-US" dirty="0"/>
               <a:t>Powerful </a:t>
             </a:r>
             <a:r>
-              <a:rPr lang="en-US" i="1" dirty="0" smtClean="0">
+              <a:rPr lang="en-US" i="1" dirty="0">
                 <a:solidFill>
                   <a:srgbClr val="E2751D"/>
                 </a:solidFill>
@@ -8361,24 +8241,23 @@
               <a:t>automatic feature learning</a:t>
             </a:r>
             <a:r>
-              <a:rPr lang="en-US" dirty="0" smtClean="0"/>
+              <a:rPr lang="en-US" dirty="0"/>
               <a:t> using </a:t>
             </a:r>
             <a:r>
-              <a:rPr lang="en-US" dirty="0" err="1" smtClean="0"/>
+              <a:rPr lang="en-US" dirty="0" err="1"/>
               <a:t>biLSTMs</a:t>
             </a:r>
             <a:r>
-              <a:rPr lang="en-US" dirty="0" smtClean="0"/>
+              <a:rPr lang="en-US" dirty="0"/>
               <a:t>.</a:t>
             </a:r>
           </a:p>
           <a:p>
             <a:r>
-              <a:rPr lang="en-US" dirty="0" smtClean="0"/>
+              <a:rPr lang="en-US" dirty="0"/>
               <a:t>Jointly training all the parameters to “share the modeling responsibilities”</a:t>
             </a:r>
-            <a:endParaRPr lang="en-US" dirty="0"/>
           </a:p>
         </p:txBody>
       </p:sp>
@@ -8392,14 +8271,6 @@
   <p:clrMapOvr>
     <a:masterClrMapping/>
   </p:clrMapOvr>
-  <mc:AlternateContent xmlns:mc="http://schemas.openxmlformats.org/markup-compatibility/2006" xmlns:p14="http://schemas.microsoft.com/office/powerpoint/2010/main">
-    <mc:Choice Requires="p14">
-      <p:transition spd="slow" p14:dur="2000"/>
-    </mc:Choice>
-    <mc:Fallback xmlns="">
-      <p:transition spd="slow"/>
-    </mc:Fallback>
-  </mc:AlternateContent>
 </p:sld>
 </file>
 
@@ -8436,10 +8307,9 @@
           <a:lstStyle/>
           <a:p>
             <a:r>
-              <a:rPr lang="en-US" dirty="0" smtClean="0"/>
+              <a:rPr lang="en-US" dirty="0"/>
               <a:t>Outline</a:t>
             </a:r>
-            <a:endParaRPr lang="en-US" dirty="0"/>
           </a:p>
         </p:txBody>
       </p:sp>
@@ -8501,7 +8371,7 @@
           <a:p>
             <a:pPr algn="ctr"/>
             <a:r>
-              <a:rPr lang="en-US" sz="3200" dirty="0" smtClean="0">
+              <a:rPr lang="en-US" sz="3200" dirty="0">
                 <a:solidFill>
                   <a:schemeClr val="bg1">
                     <a:lumMod val="75000"/>
@@ -8510,13 +8380,6 @@
               </a:rPr>
               <a:t>Intro to Information Extraction</a:t>
             </a:r>
-            <a:endParaRPr lang="en-US" sz="3200" dirty="0">
-              <a:solidFill>
-                <a:schemeClr val="bg1">
-                  <a:lumMod val="75000"/>
-                </a:schemeClr>
-              </a:solidFill>
-            </a:endParaRPr>
           </a:p>
         </p:txBody>
       </p:sp>
@@ -8555,7 +8418,7 @@
           <a:p>
             <a:pPr algn="ctr"/>
             <a:r>
-              <a:rPr lang="en-US" sz="3200" dirty="0" smtClean="0">
+              <a:rPr lang="en-US" sz="3200" dirty="0">
                 <a:solidFill>
                   <a:schemeClr val="bg1">
                     <a:lumMod val="75000"/>
@@ -8564,13 +8427,6 @@
               </a:rPr>
               <a:t>Named Entity Recognition</a:t>
             </a:r>
-            <a:endParaRPr lang="en-US" sz="3200" dirty="0">
-              <a:solidFill>
-                <a:schemeClr val="bg1">
-                  <a:lumMod val="75000"/>
-                </a:schemeClr>
-              </a:solidFill>
-            </a:endParaRPr>
           </a:p>
         </p:txBody>
       </p:sp>
@@ -8609,18 +8465,13 @@
           <a:p>
             <a:pPr algn="ctr"/>
             <a:r>
-              <a:rPr lang="en-US" sz="3200" dirty="0" smtClean="0">
+              <a:rPr lang="en-US" sz="3200" dirty="0">
                 <a:solidFill>
                   <a:srgbClr val="000000"/>
                 </a:solidFill>
               </a:rPr>
               <a:t>Entity Relation Extraction</a:t>
             </a:r>
-            <a:endParaRPr lang="en-US" sz="3200" dirty="0">
-              <a:solidFill>
-                <a:srgbClr val="000000"/>
-              </a:solidFill>
-            </a:endParaRPr>
           </a:p>
         </p:txBody>
       </p:sp>
@@ -8634,13 +8485,6 @@
   <p:clrMapOvr>
     <a:masterClrMapping/>
   </p:clrMapOvr>
-  <p:timing>
-    <p:tnLst>
-      <p:par>
-        <p:cTn id="1" dur="indefinite" restart="never" nodeType="tmRoot"/>
-      </p:par>
-    </p:tnLst>
-  </p:timing>
 </p:sld>
 </file>
 
@@ -8677,10 +8521,9 @@
           <a:lstStyle/>
           <a:p>
             <a:r>
-              <a:rPr lang="en-US" dirty="0" smtClean="0"/>
+              <a:rPr lang="en-US" dirty="0"/>
               <a:t>Extracting relations from text</a:t>
             </a:r>
-            <a:endParaRPr lang="en-US" dirty="0"/>
           </a:p>
         </p:txBody>
       </p:sp>
@@ -8712,13 +8555,13 @@
               </a:lnSpc>
             </a:pPr>
             <a:r>
-              <a:rPr lang="en-AU" dirty="0" smtClean="0">
+              <a:rPr lang="en-AU" dirty="0">
                 <a:ea typeface="ＭＳ Ｐゴシック" charset="0"/>
               </a:rPr>
               <a:t>Company report:</a:t>
             </a:r>
             <a:r>
-              <a:rPr lang="en-US" dirty="0" smtClean="0">
+              <a:rPr lang="en-US" dirty="0">
                 <a:ea typeface="ＭＳ Ｐゴシック" charset="0"/>
               </a:rPr>
               <a:t> </a:t>
@@ -8732,7 +8575,7 @@
           </a:p>
           <a:p>
             <a:r>
-              <a:rPr lang="en-US" dirty="0" smtClean="0">
+              <a:rPr lang="en-US" dirty="0">
                 <a:ea typeface="ＭＳ Ｐゴシック" charset="0"/>
               </a:rPr>
               <a:t>Extracted Complex Relation:</a:t>
@@ -8830,13 +8673,13 @@
               </a:lnSpc>
             </a:pPr>
             <a:r>
-              <a:rPr lang="en-US" dirty="0" smtClean="0">
+              <a:rPr lang="en-US" dirty="0">
                 <a:ea typeface="ＭＳ Ｐゴシック" charset="0"/>
               </a:rPr>
               <a:t>But we will focus on the simpler task of extracting relation </a:t>
             </a:r>
             <a:r>
-              <a:rPr lang="en-US" b="1" dirty="0" smtClean="0">
+              <a:rPr lang="en-US" b="1" dirty="0">
                 <a:ea typeface="ＭＳ Ｐゴシック" charset="0"/>
               </a:rPr>
               <a:t>triples</a:t>
@@ -9294,10 +9137,9 @@
           <a:lstStyle/>
           <a:p>
             <a:r>
-              <a:rPr lang="en-US" dirty="0" smtClean="0"/>
+              <a:rPr lang="en-US" dirty="0"/>
               <a:t>Deep Neural Networks for Sequence Tagging</a:t>
             </a:r>
-            <a:endParaRPr lang="en-US" dirty="0"/>
           </a:p>
         </p:txBody>
       </p:sp>
@@ -9377,10 +9219,9 @@
           <a:lstStyle/>
           <a:p>
             <a:r>
-              <a:rPr lang="en-US" dirty="0" smtClean="0"/>
+              <a:rPr lang="en-US" dirty="0"/>
               <a:t>Automated Content Extraction (ACE)</a:t>
             </a:r>
-            <a:endParaRPr lang="en-US" dirty="0"/>
           </a:p>
         </p:txBody>
       </p:sp>
@@ -9403,22 +9244,22 @@
               <a:buFont typeface="+mj-lt"/>
               <a:buAutoNum type="arabicPeriod"/>
             </a:pPr>
-            <a:endParaRPr lang="en-US" smtClean="0"/>
-          </a:p>
-          <a:p>
-            <a:endParaRPr lang="en-US" smtClean="0"/>
-          </a:p>
-          <a:p>
-            <a:endParaRPr lang="en-US" smtClean="0"/>
-          </a:p>
-          <a:p>
-            <a:endParaRPr lang="en-US" smtClean="0"/>
-          </a:p>
-          <a:p>
-            <a:endParaRPr lang="en-US" smtClean="0"/>
-          </a:p>
-          <a:p>
-            <a:endParaRPr lang="en-US" smtClean="0"/>
+            <a:endParaRPr lang="en-US"/>
+          </a:p>
+          <a:p>
+            <a:endParaRPr lang="en-US"/>
+          </a:p>
+          <a:p>
+            <a:endParaRPr lang="en-US"/>
+          </a:p>
+          <a:p>
+            <a:endParaRPr lang="en-US"/>
+          </a:p>
+          <a:p>
+            <a:endParaRPr lang="en-US"/>
+          </a:p>
+          <a:p>
+            <a:endParaRPr lang="en-US"/>
           </a:p>
         </p:txBody>
       </p:sp>
@@ -9491,13 +9332,6 @@
   <p:clrMapOvr>
     <a:masterClrMapping/>
   </p:clrMapOvr>
-  <p:timing>
-    <p:tnLst>
-      <p:par>
-        <p:cTn id="1" dur="indefinite" restart="never" nodeType="tmRoot"/>
-      </p:par>
-    </p:tnLst>
-  </p:timing>
 </p:sld>
 </file>
 
@@ -9536,10 +9370,9 @@
           <a:lstStyle/>
           <a:p>
             <a:r>
-              <a:rPr lang="en-US" dirty="0" smtClean="0"/>
+              <a:rPr lang="en-US" dirty="0"/>
               <a:t>Automated Content Extraction (ACE)</a:t>
             </a:r>
-            <a:endParaRPr lang="en-US" dirty="0"/>
           </a:p>
         </p:txBody>
       </p:sp>
@@ -9561,11 +9394,11 @@
           <a:lstStyle/>
           <a:p>
             <a:r>
-              <a:rPr lang="en-US" dirty="0" smtClean="0"/>
+              <a:rPr lang="en-US" dirty="0"/>
               <a:t>Physical-Located            </a:t>
             </a:r>
             <a:r>
-              <a:rPr lang="en-US" dirty="0" smtClean="0">
+              <a:rPr lang="en-US" dirty="0">
                 <a:solidFill>
                   <a:srgbClr val="008000"/>
                 </a:solidFill>
@@ -9582,54 +9415,47 @@
                 <a:latin typeface="Courier"/>
                 <a:cs typeface="Courier"/>
               </a:rPr>
-              <a:t> </a:t>
-            </a:r>
-            <a:r>
-              <a:rPr lang="en-US" dirty="0" smtClean="0">
+              <a:t> 	</a:t>
+            </a:r>
+            <a:r>
+              <a:rPr lang="en-US" dirty="0">
+                <a:solidFill>
+                  <a:srgbClr val="0000FF"/>
+                </a:solidFill>
                 <a:latin typeface="Courier"/>
                 <a:cs typeface="Courier"/>
               </a:rPr>
-              <a:t>	</a:t>
-            </a:r>
-            <a:r>
-              <a:rPr lang="en-US" dirty="0" smtClean="0">
-                <a:solidFill>
-                  <a:srgbClr val="0000FF"/>
-                </a:solidFill>
+              <a:t>He</a:t>
+            </a:r>
+            <a:r>
+              <a:rPr lang="en-US" dirty="0">
                 <a:latin typeface="Courier"/>
                 <a:cs typeface="Courier"/>
               </a:rPr>
-              <a:t>He</a:t>
-            </a:r>
-            <a:r>
-              <a:rPr lang="en-US" dirty="0" smtClean="0">
+              <a:t> was in </a:t>
+            </a:r>
+            <a:r>
+              <a:rPr lang="en-US" dirty="0">
+                <a:solidFill>
+                  <a:srgbClr val="0000FF"/>
+                </a:solidFill>
                 <a:latin typeface="Courier"/>
                 <a:cs typeface="Courier"/>
               </a:rPr>
-              <a:t> was in </a:t>
-            </a:r>
-            <a:r>
-              <a:rPr lang="en-US" dirty="0" smtClean="0">
-                <a:solidFill>
-                  <a:srgbClr val="0000FF"/>
-                </a:solidFill>
-                <a:latin typeface="Courier"/>
-                <a:cs typeface="Courier"/>
-              </a:rPr>
               <a:t>Tennessee</a:t>
             </a:r>
-            <a:endParaRPr lang="en-US" dirty="0" smtClean="0">
+            <a:endParaRPr lang="en-US" dirty="0">
               <a:latin typeface="Courier"/>
               <a:cs typeface="Courier"/>
             </a:endParaRPr>
           </a:p>
           <a:p>
             <a:r>
-              <a:rPr lang="en-US" dirty="0" smtClean="0"/>
+              <a:rPr lang="en-US" dirty="0"/>
               <a:t>Part-Whole-Subsidiary  </a:t>
             </a:r>
             <a:r>
-              <a:rPr lang="en-US" dirty="0" smtClean="0">
+              <a:rPr lang="en-US" dirty="0">
                 <a:solidFill>
                   <a:srgbClr val="008000"/>
                 </a:solidFill>
@@ -9645,16 +9471,10 @@
               <a:rPr lang="en-US" dirty="0">
                 <a:cs typeface="Courier"/>
               </a:rPr>
-              <a:t> </a:t>
-            </a:r>
-            <a:r>
-              <a:rPr lang="en-US" dirty="0" smtClean="0">
-                <a:cs typeface="Courier"/>
-              </a:rPr>
-              <a:t>	 </a:t>
-            </a:r>
-            <a:r>
-              <a:rPr lang="en-US" dirty="0" smtClean="0">
+              <a:t> 	 </a:t>
+            </a:r>
+            <a:r>
+              <a:rPr lang="en-US" dirty="0">
                 <a:solidFill>
                   <a:srgbClr val="0000FF"/>
                 </a:solidFill>
@@ -9664,14 +9484,14 @@
               <a:t>XYZ</a:t>
             </a:r>
             <a:r>
-              <a:rPr lang="en-US" dirty="0" smtClean="0">
+              <a:rPr lang="en-US" dirty="0">
                 <a:latin typeface="Courier"/>
                 <a:cs typeface="Courier"/>
               </a:rPr>
               <a:t>, the parent company of </a:t>
             </a:r>
             <a:r>
-              <a:rPr lang="en-US" dirty="0" smtClean="0">
+              <a:rPr lang="en-US" dirty="0">
                 <a:solidFill>
                   <a:srgbClr val="0000FF"/>
                 </a:solidFill>
@@ -9680,18 +9500,18 @@
               </a:rPr>
               <a:t>ABC</a:t>
             </a:r>
-            <a:endParaRPr lang="en-US" dirty="0" smtClean="0">
+            <a:endParaRPr lang="en-US" dirty="0">
               <a:latin typeface="Courier"/>
               <a:cs typeface="Courier"/>
             </a:endParaRPr>
           </a:p>
           <a:p>
             <a:r>
-              <a:rPr lang="en-US" dirty="0" smtClean="0"/>
+              <a:rPr lang="en-US" dirty="0"/>
               <a:t>Person-Social-Family     </a:t>
             </a:r>
             <a:r>
-              <a:rPr lang="en-US" dirty="0" smtClean="0">
+              <a:rPr lang="en-US" dirty="0">
                 <a:solidFill>
                   <a:srgbClr val="008000"/>
                 </a:solidFill>
@@ -9708,54 +9528,47 @@
                 <a:latin typeface="Courier"/>
                 <a:cs typeface="Courier"/>
               </a:rPr>
-              <a:t> </a:t>
-            </a:r>
-            <a:r>
-              <a:rPr lang="en-US" dirty="0" smtClean="0">
+              <a:t>   </a:t>
+            </a:r>
+            <a:r>
+              <a:rPr lang="en-US" dirty="0">
+                <a:solidFill>
+                  <a:srgbClr val="0000FF"/>
+                </a:solidFill>
                 <a:latin typeface="Courier"/>
                 <a:cs typeface="Courier"/>
               </a:rPr>
-              <a:t>  </a:t>
-            </a:r>
-            <a:r>
-              <a:rPr lang="en-US" dirty="0" smtClean="0">
-                <a:solidFill>
-                  <a:srgbClr val="0000FF"/>
-                </a:solidFill>
+              <a:t>John’s</a:t>
+            </a:r>
+            <a:r>
+              <a:rPr lang="en-US" dirty="0">
                 <a:latin typeface="Courier"/>
                 <a:cs typeface="Courier"/>
               </a:rPr>
-              <a:t>John’s</a:t>
-            </a:r>
-            <a:r>
-              <a:rPr lang="en-US" dirty="0" smtClean="0">
+              <a:t> wife </a:t>
+            </a:r>
+            <a:r>
+              <a:rPr lang="en-US" dirty="0">
+                <a:solidFill>
+                  <a:srgbClr val="0000FF"/>
+                </a:solidFill>
                 <a:latin typeface="Courier"/>
                 <a:cs typeface="Courier"/>
               </a:rPr>
-              <a:t> wife </a:t>
-            </a:r>
-            <a:r>
-              <a:rPr lang="en-US" dirty="0" smtClean="0">
-                <a:solidFill>
-                  <a:srgbClr val="0000FF"/>
-                </a:solidFill>
-                <a:latin typeface="Courier"/>
-                <a:cs typeface="Courier"/>
-              </a:rPr>
               <a:t>Yoko</a:t>
             </a:r>
-            <a:endParaRPr lang="en-US" dirty="0" smtClean="0">
+            <a:endParaRPr lang="en-US" dirty="0">
               <a:latin typeface="Courier"/>
               <a:cs typeface="Courier"/>
             </a:endParaRPr>
           </a:p>
           <a:p>
             <a:r>
-              <a:rPr lang="en-US" dirty="0" smtClean="0"/>
+              <a:rPr lang="en-US" dirty="0"/>
               <a:t>Org-AFF-Founder           </a:t>
             </a:r>
             <a:r>
-              <a:rPr lang="en-US" dirty="0" smtClean="0">
+              <a:rPr lang="en-US" dirty="0">
                 <a:solidFill>
                   <a:srgbClr val="008000"/>
                 </a:solidFill>
@@ -9768,7 +9581,7 @@
               <a:buNone/>
             </a:pPr>
             <a:r>
-              <a:rPr lang="en-US" dirty="0" smtClean="0">
+              <a:rPr lang="en-US" dirty="0">
                 <a:solidFill>
                   <a:srgbClr val="0000FF"/>
                 </a:solidFill>
@@ -9778,14 +9591,14 @@
               <a:t>	Steve Jobs</a:t>
             </a:r>
             <a:r>
-              <a:rPr lang="en-US" dirty="0" smtClean="0">
+              <a:rPr lang="en-US" dirty="0">
                 <a:latin typeface="Courier"/>
                 <a:cs typeface="Courier"/>
               </a:rPr>
               <a:t>, co-founder of </a:t>
             </a:r>
             <a:r>
-              <a:rPr lang="en-US" dirty="0" smtClean="0">
+              <a:rPr lang="en-US" dirty="0">
                 <a:solidFill>
                   <a:srgbClr val="0000FF"/>
                 </a:solidFill>
@@ -9795,7 +9608,7 @@
               <a:t>Apple</a:t>
             </a:r>
             <a:r>
-              <a:rPr lang="en-US" dirty="0" smtClean="0">
+              <a:rPr lang="en-US" dirty="0">
                 <a:latin typeface="Courier"/>
                 <a:cs typeface="Courier"/>
               </a:rPr>
@@ -9804,10 +9617,9 @@
           </a:p>
           <a:p>
             <a:r>
-              <a:rPr lang="en-US" dirty="0" smtClean="0"/>
+              <a:rPr lang="en-US" dirty="0"/>
               <a:t> </a:t>
             </a:r>
-            <a:endParaRPr lang="en-US" dirty="0"/>
           </a:p>
         </p:txBody>
       </p:sp>
@@ -9845,13 +9657,6 @@
   <p:clrMapOvr>
     <a:masterClrMapping/>
   </p:clrMapOvr>
-  <p:timing>
-    <p:tnLst>
-      <p:par>
-        <p:cTn id="1" dur="indefinite" restart="never" nodeType="tmRoot"/>
-      </p:par>
-    </p:tnLst>
-  </p:timing>
 </p:sld>
 </file>
 
@@ -9895,18 +9700,9 @@
           <a:lstStyle/>
           <a:p>
             <a:r>
-              <a:rPr lang="en-US" dirty="0" smtClean="0"/>
-              <a:t>UMLS: Unified </a:t>
-            </a:r>
-            <a:r>
               <a:rPr lang="en-US" dirty="0"/>
-              <a:t>Medical Language </a:t>
-            </a:r>
-            <a:r>
-              <a:rPr lang="en-US" dirty="0" smtClean="0"/>
-              <a:t>System</a:t>
-            </a:r>
-            <a:endParaRPr lang="en-US" dirty="0"/>
+              <a:t>UMLS: Unified Medical Language System</a:t>
+            </a:r>
           </a:p>
         </p:txBody>
       </p:sp>
@@ -10117,13 +9913,6 @@
     <a:masterClrMapping/>
   </p:clrMapOvr>
   <p:transition/>
-  <p:timing>
-    <p:tnLst>
-      <p:par>
-        <p:cTn id="1" dur="indefinite" restart="never" nodeType="tmRoot"/>
-      </p:par>
-    </p:tnLst>
-  </p:timing>
 </p:sld>
 </file>
 
@@ -10162,10 +9951,9 @@
           <a:lstStyle/>
           <a:p>
             <a:r>
-              <a:rPr lang="en-US" dirty="0" smtClean="0"/>
+              <a:rPr lang="en-US" dirty="0"/>
               <a:t>Extracting UMLS relations from a sentence</a:t>
             </a:r>
-            <a:endParaRPr lang="en-US" dirty="0"/>
           </a:p>
         </p:txBody>
       </p:sp>
@@ -10203,28 +9991,7 @@
                 <a:latin typeface="Courier"/>
                 <a:cs typeface="Courier"/>
               </a:rPr>
-              <a:t>Doppler echocardiography can be used to diagnose left anterior </a:t>
-            </a:r>
-            <a:r>
-              <a:rPr lang="en-US" dirty="0" smtClean="0">
-                <a:latin typeface="Courier"/>
-                <a:cs typeface="Courier"/>
-              </a:rPr>
-              <a:t>descending </a:t>
-            </a:r>
-            <a:r>
-              <a:rPr lang="en-US" dirty="0">
-                <a:latin typeface="Courier"/>
-                <a:cs typeface="Courier"/>
-              </a:rPr>
-              <a:t>artery stenosis in patients with type 2 </a:t>
-            </a:r>
-            <a:r>
-              <a:rPr lang="en-US" dirty="0" smtClean="0">
-                <a:latin typeface="Courier"/>
-                <a:cs typeface="Courier"/>
-              </a:rPr>
-              <a:t>diabetes</a:t>
+              <a:t>Doppler echocardiography can be used to diagnose left anterior descending artery stenosis in patients with type 2 diabetes</a:t>
             </a:r>
           </a:p>
           <a:p>
@@ -10232,7 +9999,7 @@
               <a:buNone/>
             </a:pPr>
             <a:r>
-              <a:rPr lang="en-US" dirty="0" smtClean="0">
+              <a:rPr lang="en-US" dirty="0">
                 <a:latin typeface="Wingdings"/>
                 <a:ea typeface="Wingdings"/>
                 <a:cs typeface="Wingdings"/>
@@ -10240,7 +10007,7 @@
               </a:rPr>
               <a:t>				</a:t>
             </a:r>
-            <a:endParaRPr lang="en-US" dirty="0" smtClean="0"/>
+            <a:endParaRPr lang="en-US" dirty="0"/>
           </a:p>
           <a:p>
             <a:pPr marL="0" indent="0">
@@ -10315,13 +10082,6 @@
   <p:clrMapOvr>
     <a:masterClrMapping/>
   </p:clrMapOvr>
-  <p:timing>
-    <p:tnLst>
-      <p:par>
-        <p:cTn id="1" dur="indefinite" restart="never" nodeType="tmRoot"/>
-      </p:par>
-    </p:tnLst>
-  </p:timing>
 </p:sld>
 </file>
 
@@ -10360,17 +10120,16 @@
           <a:lstStyle/>
           <a:p>
             <a:r>
-              <a:rPr lang="en-US" dirty="0" smtClean="0"/>
+              <a:rPr lang="en-US" dirty="0"/>
               <a:t>Relation databases </a:t>
             </a:r>
             <a:br>
-              <a:rPr lang="en-US" dirty="0" smtClean="0"/>
+              <a:rPr lang="en-US" dirty="0"/>
             </a:br>
             <a:r>
-              <a:rPr lang="en-US" dirty="0" smtClean="0"/>
+              <a:rPr lang="en-US" dirty="0"/>
               <a:t>that draw from Wikipedia</a:t>
             </a:r>
-            <a:endParaRPr lang="en-US" dirty="0"/>
           </a:p>
         </p:txBody>
       </p:sp>
@@ -10397,7 +10156,7 @@
           <a:lstStyle/>
           <a:p>
             <a:r>
-              <a:rPr lang="en-US" dirty="0" smtClean="0"/>
+              <a:rPr lang="en-US" dirty="0"/>
               <a:t>Resource Description Framework (RDF) triples</a:t>
             </a:r>
           </a:p>
@@ -10407,19 +10166,7 @@
             </a:pPr>
             <a:r>
               <a:rPr lang="en-US" dirty="0"/>
-              <a:t>s</a:t>
-            </a:r>
-            <a:r>
-              <a:rPr lang="en-US" dirty="0" smtClean="0"/>
-              <a:t>ubject predicate</a:t>
-            </a:r>
-            <a:r>
-              <a:rPr lang="en-US" dirty="0"/>
-              <a:t> </a:t>
-            </a:r>
-            <a:r>
-              <a:rPr lang="en-US" dirty="0" smtClean="0"/>
-              <a:t>object</a:t>
+              <a:t>subject predicate object</a:t>
             </a:r>
           </a:p>
           <a:p>
@@ -10427,14 +10174,14 @@
               <a:buNone/>
             </a:pPr>
             <a:r>
-              <a:rPr lang="en-US" dirty="0" smtClean="0">
+              <a:rPr lang="en-US" dirty="0">
                 <a:latin typeface="Courier"/>
                 <a:cs typeface="Courier"/>
               </a:rPr>
               <a:t>Golden Gate Park </a:t>
             </a:r>
             <a:r>
-              <a:rPr lang="en-US" dirty="0" smtClean="0">
+              <a:rPr lang="en-US" dirty="0">
                 <a:solidFill>
                   <a:srgbClr val="0000FF"/>
                 </a:solidFill>
@@ -10444,7 +10191,7 @@
               <a:t>location </a:t>
             </a:r>
             <a:r>
-              <a:rPr lang="en-US" dirty="0" smtClean="0">
+              <a:rPr lang="en-US" dirty="0">
                 <a:latin typeface="Courier"/>
                 <a:cs typeface="Courier"/>
               </a:rPr>
@@ -10467,80 +10214,53 @@
                 <a:latin typeface="Calibri"/>
                 <a:cs typeface="Calibri"/>
               </a:rPr>
-              <a:t> </a:t>
-            </a:r>
-            <a:r>
-              <a:rPr lang="en-US" dirty="0" smtClean="0">
+              <a:t>   </a:t>
+            </a:r>
+            <a:r>
+              <a:rPr lang="en-US" dirty="0" err="1">
+                <a:solidFill>
+                  <a:srgbClr val="0000FF"/>
+                </a:solidFill>
                 <a:latin typeface="Calibri"/>
                 <a:cs typeface="Calibri"/>
               </a:rPr>
-              <a:t>  </a:t>
-            </a:r>
-            <a:r>
-              <a:rPr lang="en-US" dirty="0" err="1" smtClean="0">
+              <a:t>dbpedia-owl:location</a:t>
+            </a:r>
+            <a:r>
+              <a:rPr lang="en-US" dirty="0">
                 <a:solidFill>
                   <a:srgbClr val="0000FF"/>
                 </a:solidFill>
                 <a:latin typeface="Calibri"/>
                 <a:cs typeface="Calibri"/>
               </a:rPr>
-              <a:t>dbpedia</a:t>
+              <a:t>   </a:t>
             </a:r>
             <a:r>
               <a:rPr lang="en-US" dirty="0" err="1">
-                <a:solidFill>
-                  <a:srgbClr val="0000FF"/>
-                </a:solidFill>
                 <a:latin typeface="Calibri"/>
                 <a:cs typeface="Calibri"/>
               </a:rPr>
-              <a:t>-</a:t>
-            </a:r>
-            <a:r>
-              <a:rPr lang="en-US" dirty="0" err="1" smtClean="0">
-                <a:solidFill>
-                  <a:srgbClr val="0000FF"/>
-                </a:solidFill>
-                <a:latin typeface="Calibri"/>
-                <a:cs typeface="Calibri"/>
-              </a:rPr>
-              <a:t>owl:location</a:t>
-            </a:r>
-            <a:r>
-              <a:rPr lang="en-US" dirty="0" smtClean="0">
-                <a:solidFill>
-                  <a:srgbClr val="0000FF"/>
-                </a:solidFill>
-                <a:latin typeface="Calibri"/>
-                <a:cs typeface="Calibri"/>
-              </a:rPr>
-              <a:t>   </a:t>
-            </a:r>
-            <a:r>
-              <a:rPr lang="en-US" dirty="0" err="1" smtClean="0">
-                <a:latin typeface="Calibri"/>
-                <a:cs typeface="Calibri"/>
-              </a:rPr>
               <a:t>dbpedia:San_Francisco</a:t>
             </a:r>
-            <a:endParaRPr lang="en-US" dirty="0" smtClean="0">
+            <a:endParaRPr lang="en-US" dirty="0">
               <a:latin typeface="Courier"/>
               <a:cs typeface="Courier"/>
             </a:endParaRPr>
           </a:p>
           <a:p>
             <a:r>
-              <a:rPr lang="en-US" dirty="0" err="1" smtClean="0"/>
+              <a:rPr lang="en-US" dirty="0" err="1"/>
               <a:t>DBPedia</a:t>
             </a:r>
             <a:r>
-              <a:rPr lang="en-US" dirty="0" smtClean="0"/>
+              <a:rPr lang="en-US" dirty="0"/>
               <a:t>: 1 billion RDF triples, 385 from English Wikipedia</a:t>
             </a:r>
           </a:p>
           <a:p>
             <a:r>
-              <a:rPr lang="en-US" dirty="0" smtClean="0"/>
+              <a:rPr lang="en-US" dirty="0"/>
               <a:t>Frequent Freebase relations:</a:t>
             </a:r>
           </a:p>
@@ -10624,13 +10344,6 @@
   <p:clrMapOvr>
     <a:masterClrMapping/>
   </p:clrMapOvr>
-  <p:timing>
-    <p:tnLst>
-      <p:par>
-        <p:cTn id="1" dur="indefinite" restart="never" nodeType="tmRoot"/>
-      </p:par>
-    </p:tnLst>
-  </p:timing>
 </p:sld>
 </file>
 
@@ -10674,10 +10387,9 @@
           <a:lstStyle/>
           <a:p>
             <a:r>
-              <a:rPr lang="en-US" dirty="0" smtClean="0"/>
+              <a:rPr lang="en-US" dirty="0"/>
               <a:t>Ontological relations</a:t>
             </a:r>
-            <a:endParaRPr lang="en-US" dirty="0"/>
           </a:p>
         </p:txBody>
       </p:sp>
@@ -10961,13 +10673,6 @@
   <p:clrMapOvr>
     <a:masterClrMapping/>
   </p:clrMapOvr>
-  <p:timing>
-    <p:tnLst>
-      <p:par>
-        <p:cTn id="1" dur="indefinite" restart="never" nodeType="tmRoot"/>
-      </p:par>
-    </p:tnLst>
-  </p:timing>
 </p:sld>
 </file>
 
@@ -11111,13 +10816,7 @@
               <a:rPr lang="en-US" sz="2400" dirty="0">
                 <a:cs typeface="Calibri"/>
               </a:rPr>
-              <a:t>Unsupervised learning from the </a:t>
-            </a:r>
-            <a:r>
-              <a:rPr lang="en-US" sz="2400" dirty="0" smtClean="0">
-                <a:cs typeface="Calibri"/>
-              </a:rPr>
-              <a:t>web</a:t>
+              <a:t>Unsupervised learning from the web</a:t>
             </a:r>
           </a:p>
         </p:txBody>
@@ -11132,13 +10831,6 @@
   <p:clrMapOvr>
     <a:masterClrMapping/>
   </p:clrMapOvr>
-  <p:timing>
-    <p:tnLst>
-      <p:par>
-        <p:cTn id="1" dur="indefinite" restart="never" nodeType="tmRoot"/>
-      </p:par>
-    </p:tnLst>
-  </p:timing>
 </p:sld>
 </file>
 
@@ -11186,7 +10878,7 @@
               <a:t>Rules for extracting </a:t>
             </a:r>
             <a:r>
-              <a:rPr lang="en-US" dirty="0" smtClean="0"/>
+              <a:rPr lang="en-US" dirty="0"/>
               <a:t>IS-A relation</a:t>
             </a:r>
             <a:endParaRPr lang="en-US" sz="3200" dirty="0"/>
@@ -11232,18 +10924,11 @@
               <a:buNone/>
             </a:pPr>
             <a:r>
-              <a:rPr lang="en-US" dirty="0" smtClean="0">
-                <a:latin typeface="Calibri"/>
-                <a:cs typeface="Calibri"/>
-              </a:rPr>
-              <a:t>Early intuition </a:t>
-            </a:r>
-            <a:r>
               <a:rPr lang="en-US" dirty="0">
                 <a:latin typeface="Calibri"/>
                 <a:cs typeface="Calibri"/>
               </a:rPr>
-              <a:t>from </a:t>
+              <a:t>Early intuition from </a:t>
             </a:r>
             <a:r>
               <a:rPr lang="en-US" b="1" dirty="0">
@@ -11341,13 +11026,6 @@
     <a:masterClrMapping/>
   </p:clrMapOvr>
   <p:transition/>
-  <p:timing>
-    <p:tnLst>
-      <p:par>
-        <p:cTn id="1" dur="indefinite" restart="never" nodeType="tmRoot"/>
-      </p:par>
-    </p:tnLst>
-  </p:timing>
 </p:sld>
 </file>
 
@@ -11437,18 +11115,11 @@
               <a:buNone/>
             </a:pPr>
             <a:r>
-              <a:rPr lang="en-US" dirty="0" smtClean="0">
-                <a:latin typeface="Calibri"/>
-                <a:cs typeface="Calibri"/>
-              </a:rPr>
-              <a:t>Early intuition </a:t>
-            </a:r>
-            <a:r>
               <a:rPr lang="en-US" dirty="0">
                 <a:latin typeface="Calibri"/>
                 <a:cs typeface="Calibri"/>
               </a:rPr>
-              <a:t>from </a:t>
+              <a:t>Early intuition from </a:t>
             </a:r>
             <a:r>
               <a:rPr lang="en-US" b="1" dirty="0">
@@ -11603,13 +11274,6 @@
     <a:masterClrMapping/>
   </p:clrMapOvr>
   <p:transition/>
-  <p:timing>
-    <p:tnLst>
-      <p:par>
-        <p:cTn id="1" dur="indefinite" restart="never" nodeType="tmRoot"/>
-      </p:par>
-    </p:tnLst>
-  </p:timing>
 </p:sld>
 </file>
 
@@ -11842,13 +11506,6 @@
     <a:masterClrMapping/>
   </p:clrMapOvr>
   <p:transition/>
-  <p:timing>
-    <p:tnLst>
-      <p:par>
-        <p:cTn id="1" dur="indefinite" restart="never" nodeType="tmRoot"/>
-      </p:par>
-    </p:tnLst>
-  </p:timing>
 </p:sld>
 </file>
 
@@ -11909,17 +11566,16 @@
             <a:pPr marL="0" indent="0">
               <a:buNone/>
             </a:pPr>
-            <a:endParaRPr lang="en-US" dirty="0" smtClean="0"/>
+            <a:endParaRPr lang="en-US" dirty="0"/>
           </a:p>
           <a:p>
             <a:pPr marL="0" indent="0">
               <a:buNone/>
             </a:pPr>
             <a:r>
-              <a:rPr lang="en-US" dirty="0" smtClean="0"/>
+              <a:rPr lang="en-US" dirty="0"/>
               <a:t>	</a:t>
             </a:r>
-            <a:endParaRPr lang="en-US" dirty="0"/>
           </a:p>
         </p:txBody>
       </p:sp>
@@ -11941,7 +11597,7 @@
           <a:graphicData uri="http://schemas.openxmlformats.org/presentationml/2006/ole">
             <mc:AlternateContent xmlns:mc="http://schemas.openxmlformats.org/markup-compatibility/2006">
               <mc:Choice xmlns:v="urn:schemas-microsoft-com:vml" Requires="v">
-                <p:oleObj spid="_x0000_s4140" name="Equation" r:id="rId3" imgW="114300" imgH="165100" progId="Equation.3">
+                <p:oleObj spid="_x0000_s4145" name="Equation" r:id="rId3" imgW="114300" imgH="165100" progId="Equation.3">
                   <p:embed/>
                 </p:oleObj>
               </mc:Choice>
@@ -12046,14 +11702,6 @@
   <p:clrMapOvr>
     <a:masterClrMapping/>
   </p:clrMapOvr>
-  <mc:AlternateContent xmlns:mc="http://schemas.openxmlformats.org/markup-compatibility/2006" xmlns:p14="http://schemas.microsoft.com/office/powerpoint/2010/main">
-    <mc:Choice Requires="p14">
-      <p:transition spd="slow" p14:dur="2000"/>
-    </mc:Choice>
-    <mc:Fallback xmlns="">
-      <p:transition spd="slow"/>
-    </mc:Fallback>
-  </mc:AlternateContent>
 </p:sld>
 </file>
 
@@ -12123,8 +11771,20 @@
                 <a:tableStyleId>{5C22544A-7EE6-4342-B048-85BDC9FD1C3A}</a:tableStyleId>
               </a:tblPr>
               <a:tblGrid>
-                <a:gridCol w="1905000"/>
-                <a:gridCol w="6629400"/>
+                <a:gridCol w="1905000">
+                  <a:extLst>
+                    <a:ext uri="{9D8B030D-6E8A-4147-A177-3AD203B41FA5}">
+                      <a16:colId xmlns:a16="http://schemas.microsoft.com/office/drawing/2014/main" val="20000"/>
+                    </a:ext>
+                  </a:extLst>
+                </a:gridCol>
+                <a:gridCol w="6629400">
+                  <a:extLst>
+                    <a:ext uri="{9D8B030D-6E8A-4147-A177-3AD203B41FA5}">
+                      <a16:colId xmlns:a16="http://schemas.microsoft.com/office/drawing/2014/main" val="20001"/>
+                    </a:ext>
+                  </a:extLst>
+                </a:gridCol>
               </a:tblGrid>
               <a:tr h="362237">
                 <a:tc>
@@ -12159,6 +11819,11 @@
                   </a:txBody>
                   <a:tcPr marT="34290" marB="34290"/>
                 </a:tc>
+                <a:extLst>
+                  <a:ext uri="{0D108BD9-81ED-4DB2-BD59-A6C34878D82A}">
+                    <a16:rowId xmlns:a16="http://schemas.microsoft.com/office/drawing/2014/main" val="10000"/>
+                  </a:ext>
+                </a:extLst>
               </a:tr>
               <a:tr h="534536">
                 <a:tc>
@@ -12224,6 +11889,11 @@
                   </a:txBody>
                   <a:tcPr marT="34290" marB="34290"/>
                 </a:tc>
+                <a:extLst>
+                  <a:ext uri="{0D108BD9-81ED-4DB2-BD59-A6C34878D82A}">
+                    <a16:rowId xmlns:a16="http://schemas.microsoft.com/office/drawing/2014/main" val="10001"/>
+                  </a:ext>
+                </a:extLst>
               </a:tr>
               <a:tr h="534536">
                 <a:tc>
@@ -12275,6 +11945,11 @@
                   </a:txBody>
                   <a:tcPr marT="34290" marB="34290"/>
                 </a:tc>
+                <a:extLst>
+                  <a:ext uri="{0D108BD9-81ED-4DB2-BD59-A6C34878D82A}">
+                    <a16:rowId xmlns:a16="http://schemas.microsoft.com/office/drawing/2014/main" val="10002"/>
+                  </a:ext>
+                </a:extLst>
               </a:tr>
               <a:tr h="481918">
                 <a:tc>
@@ -12340,6 +12015,11 @@
                   </a:txBody>
                   <a:tcPr marT="34290" marB="34290"/>
                 </a:tc>
+                <a:extLst>
+                  <a:ext uri="{0D108BD9-81ED-4DB2-BD59-A6C34878D82A}">
+                    <a16:rowId xmlns:a16="http://schemas.microsoft.com/office/drawing/2014/main" val="10003"/>
+                  </a:ext>
+                </a:extLst>
               </a:tr>
               <a:tr h="534536">
                 <a:tc>
@@ -12422,6 +12102,11 @@
                   </a:txBody>
                   <a:tcPr marT="34290" marB="34290"/>
                 </a:tc>
+                <a:extLst>
+                  <a:ext uri="{0D108BD9-81ED-4DB2-BD59-A6C34878D82A}">
+                    <a16:rowId xmlns:a16="http://schemas.microsoft.com/office/drawing/2014/main" val="10004"/>
+                  </a:ext>
+                </a:extLst>
               </a:tr>
               <a:tr h="534536">
                 <a:tc>
@@ -12473,6 +12158,11 @@
                   </a:txBody>
                   <a:tcPr marT="34290" marB="34290"/>
                 </a:tc>
+                <a:extLst>
+                  <a:ext uri="{0D108BD9-81ED-4DB2-BD59-A6C34878D82A}">
+                    <a16:rowId xmlns:a16="http://schemas.microsoft.com/office/drawing/2014/main" val="10005"/>
+                  </a:ext>
+                </a:extLst>
               </a:tr>
               <a:tr h="534536">
                 <a:tc>
@@ -12541,6 +12231,11 @@
                   </a:txBody>
                   <a:tcPr marT="34290" marB="34290"/>
                 </a:tc>
+                <a:extLst>
+                  <a:ext uri="{0D108BD9-81ED-4DB2-BD59-A6C34878D82A}">
+                    <a16:rowId xmlns:a16="http://schemas.microsoft.com/office/drawing/2014/main" val="10006"/>
+                  </a:ext>
+                </a:extLst>
               </a:tr>
             </a:tbl>
           </a:graphicData>
@@ -12556,13 +12251,6 @@
   <p:clrMapOvr>
     <a:masterClrMapping/>
   </p:clrMapOvr>
-  <p:timing>
-    <p:tnLst>
-      <p:par>
-        <p:cTn id="1" dur="indefinite" restart="never" nodeType="tmRoot"/>
-      </p:par>
-    </p:tnLst>
-  </p:timing>
 </p:sld>
 </file>
 
@@ -12607,16 +12295,12 @@
           <a:p>
             <a:pPr eaLnBrk="1" hangingPunct="1"/>
             <a:r>
-              <a:rPr lang="en-US" dirty="0" smtClean="0">
+              <a:rPr lang="en-US" dirty="0">
                 <a:ea typeface="ＭＳ Ｐゴシック" charset="0"/>
                 <a:cs typeface="ＭＳ Ｐゴシック" charset="0"/>
               </a:rPr>
               <a:t>Extracting Richer Relations Using Rules</a:t>
             </a:r>
-            <a:endParaRPr lang="en-US" dirty="0">
-              <a:ea typeface="ＭＳ Ｐゴシック" charset="0"/>
-              <a:cs typeface="ＭＳ Ｐゴシック" charset="0"/>
-            </a:endParaRPr>
           </a:p>
         </p:txBody>
       </p:sp>
@@ -12994,19 +12678,15 @@
           <a:lstStyle/>
           <a:p>
             <a:r>
-              <a:rPr lang="en-US" dirty="0" smtClean="0"/>
+              <a:rPr lang="en-US" dirty="0"/>
               <a:t>Named Entities aren’t quite enough.</a:t>
             </a:r>
             <a:br>
-              <a:rPr lang="en-US" dirty="0" smtClean="0"/>
+              <a:rPr lang="en-US" dirty="0"/>
             </a:br>
             <a:r>
-              <a:rPr lang="en-US" dirty="0" smtClean="0"/>
-              <a:t>Which </a:t>
-            </a:r>
-            <a:r>
               <a:rPr lang="en-US" dirty="0"/>
-              <a:t>relations hold between 2 entities?</a:t>
+              <a:t>Which relations hold between 2 entities?</a:t>
             </a:r>
           </a:p>
         </p:txBody>
@@ -13575,12 +13255,8 @@
           <a:lstStyle/>
           <a:p>
             <a:r>
-              <a:rPr lang="en-US" dirty="0" smtClean="0"/>
-              <a:t>What relations </a:t>
-            </a:r>
-            <a:r>
               <a:rPr lang="en-US" dirty="0"/>
-              <a:t>hold between 2 entities?</a:t>
+              <a:t>What relations hold between 2 entities?</a:t>
             </a:r>
           </a:p>
         </p:txBody>
@@ -14354,44 +14030,40 @@
           <a:p>
             <a:pPr eaLnBrk="1" hangingPunct="1"/>
             <a:r>
-              <a:rPr lang="en-US" dirty="0" smtClean="0">
+              <a:rPr lang="en-US" dirty="0">
                 <a:ea typeface="ＭＳ Ｐゴシック" charset="0"/>
                 <a:cs typeface="ＭＳ Ｐゴシック" charset="0"/>
               </a:rPr>
               <a:t>Extracting Richer Relations Using</a:t>
             </a:r>
             <a:r>
-              <a:rPr lang="zh-CN" altLang="en-US" dirty="0" smtClean="0">
+              <a:rPr lang="zh-CN" altLang="en-US" dirty="0">
                 <a:ea typeface="ＭＳ Ｐゴシック" charset="0"/>
                 <a:cs typeface="ＭＳ Ｐゴシック" charset="0"/>
               </a:rPr>
               <a:t> </a:t>
             </a:r>
             <a:r>
-              <a:rPr lang="en-US" dirty="0" smtClean="0">
+              <a:rPr lang="en-US" dirty="0">
                 <a:ea typeface="ＭＳ Ｐゴシック" charset="0"/>
                 <a:cs typeface="ＭＳ Ｐゴシック" charset="0"/>
               </a:rPr>
               <a:t>Rules and</a:t>
             </a:r>
             <a:r>
-              <a:rPr lang="zh-CN" altLang="en-US" dirty="0" smtClean="0">
+              <a:rPr lang="zh-CN" altLang="en-US" dirty="0">
                 <a:ea typeface="ＭＳ Ｐゴシック" charset="0"/>
                 <a:cs typeface="ＭＳ Ｐゴシック" charset="0"/>
               </a:rPr>
               <a:t> </a:t>
             </a:r>
             <a:r>
-              <a:rPr lang="en-US" dirty="0" smtClean="0">
+              <a:rPr lang="en-US" dirty="0">
                 <a:ea typeface="ＭＳ Ｐゴシック" charset="0"/>
                 <a:cs typeface="ＭＳ Ｐゴシック" charset="0"/>
               </a:rPr>
               <a:t>Named Entities</a:t>
             </a:r>
-            <a:endParaRPr lang="en-US" dirty="0">
-              <a:ea typeface="ＭＳ Ｐゴシック" charset="0"/>
-              <a:cs typeface="ＭＳ Ｐゴシック" charset="0"/>
-            </a:endParaRPr>
           </a:p>
         </p:txBody>
       </p:sp>
@@ -14422,25 +14094,11 @@
               <a:buNone/>
             </a:pPr>
             <a:r>
-              <a:rPr lang="en-US" dirty="0" smtClean="0">
-                <a:ea typeface="ＭＳ Ｐゴシック" charset="0"/>
-                <a:cs typeface="ＭＳ Ｐゴシック" charset="0"/>
-              </a:rPr>
-              <a:t>Who holds </a:t>
-            </a:r>
-            <a:r>
               <a:rPr lang="en-US" dirty="0">
                 <a:ea typeface="ＭＳ Ｐゴシック" charset="0"/>
                 <a:cs typeface="ＭＳ Ｐゴシック" charset="0"/>
               </a:rPr>
-              <a:t>what office in what </a:t>
-            </a:r>
-            <a:r>
-              <a:rPr lang="en-US" dirty="0" smtClean="0">
-                <a:ea typeface="ＭＳ Ｐゴシック" charset="0"/>
-                <a:cs typeface="ＭＳ Ｐゴシック" charset="0"/>
-              </a:rPr>
-              <a:t>organization?</a:t>
+              <a:t>Who holds what office in what organization?</a:t>
             </a:r>
             <a:endParaRPr lang="en-US" sz="2800" dirty="0">
               <a:ea typeface="ＭＳ Ｐゴシック" charset="0"/>
@@ -14485,7 +14143,7 @@
               <a:t>POSITION</a:t>
             </a:r>
             <a:r>
-              <a:rPr lang="en-US" dirty="0" smtClean="0">
+              <a:rPr lang="en-US" dirty="0">
                 <a:latin typeface="Calibri"/>
                 <a:ea typeface="ＭＳ Ｐゴシック" charset="0"/>
                 <a:cs typeface="Calibri"/>
@@ -14523,7 +14181,7 @@
           <a:p>
             <a:pPr marL="1143000" lvl="2"/>
             <a:r>
-              <a:rPr lang="en-US" dirty="0" smtClean="0">
+              <a:rPr lang="en-US" dirty="0">
                 <a:solidFill>
                   <a:srgbClr val="0000FF"/>
                 </a:solidFill>
@@ -14532,13 +14190,13 @@
               <a:t>George Marshall</a:t>
             </a:r>
             <a:r>
-              <a:rPr lang="en-US" dirty="0" smtClean="0">
+              <a:rPr lang="en-US" dirty="0">
                 <a:ea typeface="ＭＳ Ｐゴシック" charset="0"/>
               </a:rPr>
               <a:t>, </a:t>
             </a:r>
             <a:r>
-              <a:rPr lang="en-US" dirty="0" smtClean="0">
+              <a:rPr lang="en-US" dirty="0">
                 <a:solidFill>
                   <a:srgbClr val="008000"/>
                 </a:solidFill>
@@ -14547,13 +14205,13 @@
               <a:t>Secretary of State </a:t>
             </a:r>
             <a:r>
-              <a:rPr lang="en-US" dirty="0" smtClean="0">
+              <a:rPr lang="en-US" dirty="0">
                 <a:ea typeface="ＭＳ Ｐゴシック" charset="0"/>
               </a:rPr>
               <a:t>of </a:t>
             </a:r>
             <a:r>
-              <a:rPr lang="en-US" dirty="0" smtClean="0">
+              <a:rPr lang="en-US" dirty="0">
                 <a:solidFill>
                   <a:srgbClr val="FF0000"/>
                 </a:solidFill>
@@ -14561,12 +14219,6 @@
               </a:rPr>
               <a:t>the United States</a:t>
             </a:r>
-            <a:endParaRPr lang="en-US" dirty="0">
-              <a:solidFill>
-                <a:srgbClr val="FF0000"/>
-              </a:solidFill>
-              <a:ea typeface="ＭＳ Ｐゴシック" charset="0"/>
-            </a:endParaRPr>
           </a:p>
           <a:p>
             <a:pPr marL="457200" lvl="1" indent="0">
@@ -14582,7 +14234,7 @@
               <a:t>PERSON</a:t>
             </a:r>
             <a:r>
-              <a:rPr lang="en-US" dirty="0" smtClean="0">
+              <a:rPr lang="en-US" dirty="0">
                 <a:latin typeface="Courier"/>
                 <a:ea typeface="ＭＳ Ｐゴシック" charset="0"/>
                 <a:cs typeface="Courier"/>
@@ -14590,7 +14242,7 @@
               <a:t>(</a:t>
             </a:r>
             <a:r>
-              <a:rPr lang="en-US" dirty="0" err="1" smtClean="0">
+              <a:rPr lang="en-US" dirty="0" err="1">
                 <a:latin typeface="Courier"/>
                 <a:ea typeface="ＭＳ Ｐゴシック" charset="0"/>
                 <a:cs typeface="Courier"/>
@@ -14598,7 +14250,7 @@
               <a:t>named|appointed|chose|</a:t>
             </a:r>
             <a:r>
-              <a:rPr lang="en-US" i="1" dirty="0" err="1" smtClean="0">
+              <a:rPr lang="en-US" i="1" dirty="0" err="1">
                 <a:latin typeface="Calibri"/>
                 <a:ea typeface="ＭＳ Ｐゴシック" charset="0"/>
                 <a:cs typeface="Calibri"/>
@@ -14606,7 +14258,7 @@
               <a:t>etc</a:t>
             </a:r>
             <a:r>
-              <a:rPr lang="en-US" i="1" dirty="0" smtClean="0">
+              <a:rPr lang="en-US" i="1" dirty="0">
                 <a:latin typeface="Calibri"/>
                 <a:ea typeface="ＭＳ Ｐゴシック" charset="0"/>
                 <a:cs typeface="Calibri"/>
@@ -14614,7 +14266,7 @@
               <a:t>.</a:t>
             </a:r>
             <a:r>
-              <a:rPr lang="en-US" dirty="0" smtClean="0">
+              <a:rPr lang="en-US" dirty="0">
                 <a:latin typeface="Courier"/>
                 <a:ea typeface="ＭＳ Ｐゴシック" charset="0"/>
                 <a:cs typeface="Courier"/>
@@ -14658,7 +14310,7 @@
           <a:p>
             <a:pPr marL="1085850" lvl="2" indent="-285750"/>
             <a:r>
-              <a:rPr lang="en-US" dirty="0" smtClean="0">
+              <a:rPr lang="en-US" dirty="0">
                 <a:solidFill>
                   <a:srgbClr val="0000FF"/>
                 </a:solidFill>
@@ -14667,13 +14319,13 @@
               <a:t>Truman </a:t>
             </a:r>
             <a:r>
-              <a:rPr lang="en-US" dirty="0" smtClean="0">
+              <a:rPr lang="en-US" dirty="0">
                 <a:ea typeface="ＭＳ Ｐゴシック" charset="0"/>
               </a:rPr>
               <a:t>appointed </a:t>
             </a:r>
             <a:r>
-              <a:rPr lang="en-US" dirty="0" smtClean="0">
+              <a:rPr lang="en-US" dirty="0">
                 <a:solidFill>
                   <a:srgbClr val="0000FF"/>
                 </a:solidFill>
@@ -14682,7 +14334,7 @@
               <a:t>Marshall </a:t>
             </a:r>
             <a:r>
-              <a:rPr lang="en-US" dirty="0" smtClean="0">
+              <a:rPr lang="en-US" dirty="0">
                 <a:ea typeface="ＭＳ Ｐゴシック" charset="0"/>
               </a:rPr>
               <a:t>Secretary of State</a:t>
@@ -14720,15 +14372,7 @@
                 <a:ea typeface="ＭＳ Ｐゴシック" charset="0"/>
                 <a:cs typeface="Courier"/>
               </a:rPr>
-              <a:t>named|</a:t>
-            </a:r>
-            <a:r>
-              <a:rPr lang="en-US" dirty="0" err="1" smtClean="0">
-                <a:latin typeface="Courier"/>
-                <a:ea typeface="ＭＳ Ｐゴシック" charset="0"/>
-                <a:cs typeface="Courier"/>
-              </a:rPr>
-              <a:t>appointed|</a:t>
+              <a:t>named|appointed|</a:t>
             </a:r>
             <a:r>
               <a:rPr lang="en-US" i="1" dirty="0" err="1">
@@ -14787,7 +14431,7 @@
               </a:lnSpc>
             </a:pPr>
             <a:r>
-              <a:rPr lang="en-US" dirty="0" smtClean="0">
+              <a:rPr lang="en-US" dirty="0">
                 <a:solidFill>
                   <a:srgbClr val="0000FF"/>
                 </a:solidFill>
@@ -14796,13 +14440,13 @@
               <a:t>George Marshall </a:t>
             </a:r>
             <a:r>
-              <a:rPr lang="en-US" dirty="0" smtClean="0">
+              <a:rPr lang="en-US" dirty="0">
                 <a:ea typeface="ＭＳ Ｐゴシック" charset="0"/>
               </a:rPr>
               <a:t>was named </a:t>
             </a:r>
             <a:r>
-              <a:rPr lang="en-US" dirty="0" smtClean="0">
+              <a:rPr lang="en-US" dirty="0">
                 <a:solidFill>
                   <a:srgbClr val="FF0000"/>
                 </a:solidFill>
@@ -14811,7 +14455,7 @@
               <a:t>US </a:t>
             </a:r>
             <a:r>
-              <a:rPr lang="en-US" dirty="0" smtClean="0">
+              <a:rPr lang="en-US" dirty="0">
                 <a:solidFill>
                   <a:srgbClr val="008000"/>
                 </a:solidFill>
@@ -14819,12 +14463,6 @@
               </a:rPr>
               <a:t>Secretary of State</a:t>
             </a:r>
-            <a:endParaRPr lang="en-US" dirty="0">
-              <a:solidFill>
-                <a:srgbClr val="008000"/>
-              </a:solidFill>
-              <a:ea typeface="ＭＳ Ｐゴシック" charset="0"/>
-            </a:endParaRPr>
           </a:p>
           <a:p>
             <a:pPr marL="742950" lvl="1" indent="-285750"/>
@@ -15570,13 +15208,6 @@
     <a:masterClrMapping/>
   </p:clrMapOvr>
   <p:transition/>
-  <p:timing>
-    <p:tnLst>
-      <p:par>
-        <p:cTn id="1" dur="indefinite" restart="never" nodeType="tmRoot"/>
-      </p:par>
-    </p:tnLst>
-  </p:timing>
 </p:sld>
 </file>
 
@@ -15615,10 +15246,9 @@
           <a:lstStyle/>
           <a:p>
             <a:r>
-              <a:rPr lang="en-US" dirty="0" smtClean="0"/>
+              <a:rPr lang="en-US" dirty="0"/>
               <a:t>Supervised machine learning for relations</a:t>
             </a:r>
-            <a:endParaRPr lang="en-US" dirty="0"/>
           </a:p>
         </p:txBody>
       </p:sp>
@@ -15638,56 +15268,55 @@
           <a:lstStyle/>
           <a:p>
             <a:r>
-              <a:rPr lang="en-US" dirty="0" smtClean="0"/>
+              <a:rPr lang="en-US" dirty="0"/>
               <a:t>Choose a set of relations we’d like to extract</a:t>
             </a:r>
           </a:p>
           <a:p>
             <a:r>
-              <a:rPr lang="en-US" dirty="0" smtClean="0"/>
+              <a:rPr lang="en-US" dirty="0"/>
               <a:t>Choose a set of relevant named entities</a:t>
             </a:r>
           </a:p>
           <a:p>
             <a:r>
-              <a:rPr lang="en-US" dirty="0" smtClean="0"/>
+              <a:rPr lang="en-US" dirty="0"/>
               <a:t>Find and label data</a:t>
             </a:r>
           </a:p>
           <a:p>
             <a:pPr lvl="1"/>
             <a:r>
-              <a:rPr lang="en-US" dirty="0" smtClean="0"/>
+              <a:rPr lang="en-US" dirty="0"/>
               <a:t>Choose a representative corpus</a:t>
             </a:r>
           </a:p>
           <a:p>
             <a:pPr lvl="1"/>
             <a:r>
-              <a:rPr lang="en-US" dirty="0" smtClean="0"/>
+              <a:rPr lang="en-US" dirty="0"/>
               <a:t>Label the named entities in the corpus</a:t>
             </a:r>
           </a:p>
           <a:p>
             <a:pPr lvl="1"/>
             <a:r>
-              <a:rPr lang="en-US" dirty="0" smtClean="0"/>
+              <a:rPr lang="en-US" dirty="0"/>
               <a:t>Hand-label the relations between these entities</a:t>
             </a:r>
           </a:p>
           <a:p>
             <a:pPr lvl="1"/>
             <a:r>
-              <a:rPr lang="en-US" dirty="0" smtClean="0"/>
+              <a:rPr lang="en-US" dirty="0"/>
               <a:t>Break into training, development, and test</a:t>
             </a:r>
           </a:p>
           <a:p>
             <a:r>
-              <a:rPr lang="en-US" dirty="0" smtClean="0"/>
+              <a:rPr lang="en-US" dirty="0"/>
               <a:t>Train a classifier on the training set</a:t>
             </a:r>
-            <a:endParaRPr lang="en-US" dirty="0"/>
           </a:p>
         </p:txBody>
       </p:sp>
@@ -17744,17 +17373,16 @@
             <a:pPr marL="0" indent="0">
               <a:buNone/>
             </a:pPr>
-            <a:endParaRPr lang="en-US" dirty="0" smtClean="0"/>
+            <a:endParaRPr lang="en-US" dirty="0"/>
           </a:p>
           <a:p>
             <a:pPr marL="0" indent="0">
               <a:buNone/>
             </a:pPr>
             <a:r>
-              <a:rPr lang="en-US" dirty="0" smtClean="0"/>
+              <a:rPr lang="en-US" dirty="0"/>
               <a:t>	</a:t>
             </a:r>
-            <a:endParaRPr lang="en-US" dirty="0"/>
           </a:p>
         </p:txBody>
       </p:sp>
@@ -17776,7 +17404,7 @@
           <a:graphicData uri="http://schemas.openxmlformats.org/presentationml/2006/ole">
             <mc:AlternateContent xmlns:mc="http://schemas.openxmlformats.org/markup-compatibility/2006">
               <mc:Choice xmlns:v="urn:schemas-microsoft-com:vml" Requires="v">
-                <p:oleObj spid="_x0000_s5164" name="Equation" r:id="rId4" imgW="114300" imgH="165100" progId="Equation.3">
+                <p:oleObj spid="_x0000_s5169" name="Equation" r:id="rId4" imgW="114300" imgH="165100" progId="Equation.3">
                   <p:embed/>
                 </p:oleObj>
               </mc:Choice>
@@ -17881,14 +17509,6 @@
   <p:clrMapOvr>
     <a:masterClrMapping/>
   </p:clrMapOvr>
-  <mc:AlternateContent xmlns:mc="http://schemas.openxmlformats.org/markup-compatibility/2006" xmlns:p14="http://schemas.microsoft.com/office/powerpoint/2010/main">
-    <mc:Choice Requires="p14">
-      <p:transition spd="slow" p14:dur="2000"/>
-    </mc:Choice>
-    <mc:Fallback xmlns="">
-      <p:transition spd="slow"/>
-    </mc:Fallback>
-  </mc:AlternateContent>
 </p:sld>
 </file>
 
@@ -17932,10 +17552,9 @@
           <a:lstStyle/>
           <a:p>
             <a:r>
-              <a:rPr lang="en-US" dirty="0" smtClean="0"/>
+              <a:rPr lang="en-US" dirty="0"/>
               <a:t>Word Features for Relation Extraction</a:t>
             </a:r>
-            <a:endParaRPr lang="en-US" dirty="0"/>
           </a:p>
         </p:txBody>
       </p:sp>
@@ -17977,7 +17596,7 @@
               <a:buNone/>
             </a:pPr>
             <a:r>
-              <a:rPr lang="en-US" dirty="0" smtClean="0">
+              <a:rPr lang="en-US" dirty="0">
                 <a:solidFill>
                   <a:srgbClr val="0000FF"/>
                 </a:solidFill>
@@ -17988,26 +17607,12 @@
             </a:r>
           </a:p>
           <a:p>
-            <a:r>
-              <a:rPr lang="en-US" dirty="0" smtClean="0">
-                <a:latin typeface="Calibri"/>
-                <a:cs typeface="Calibri"/>
-              </a:rPr>
-              <a:t>Bag </a:t>
-            </a:r>
             <a:r>
               <a:rPr lang="en-US" dirty="0">
                 <a:latin typeface="Calibri"/>
                 <a:cs typeface="Calibri"/>
               </a:rPr>
-              <a:t>of words and bigrams in M1 and </a:t>
-            </a:r>
-            <a:r>
-              <a:rPr lang="en-US" dirty="0" smtClean="0">
-                <a:latin typeface="Calibri"/>
-                <a:cs typeface="Calibri"/>
-              </a:rPr>
-              <a:t>M2</a:t>
+              <a:t>Bag of words and bigrams in M1 and M2</a:t>
             </a:r>
           </a:p>
           <a:p>
@@ -18031,99 +17636,60 @@
                 <a:latin typeface="Calibri"/>
                 <a:cs typeface="Calibri"/>
               </a:rPr>
-              <a:t>Words or bigrams in </a:t>
-            </a:r>
-            <a:r>
-              <a:rPr lang="en-US" dirty="0" smtClean="0">
+              <a:t>Words or bigrams in particular positions left and right of M1/M2</a:t>
+            </a:r>
+          </a:p>
+          <a:p>
+            <a:pPr marL="800100" lvl="2" indent="0">
+              <a:buNone/>
+            </a:pPr>
+            <a:r>
+              <a:rPr lang="en-US" i="1" dirty="0">
                 <a:latin typeface="Calibri"/>
                 <a:cs typeface="Calibri"/>
               </a:rPr>
-              <a:t>particular positions left </a:t>
-            </a:r>
+              <a:t>M2: -1 </a:t>
+            </a:r>
+            <a:r>
+              <a:rPr lang="en-US" i="1" dirty="0">
+                <a:solidFill>
+                  <a:srgbClr val="0000FF"/>
+                </a:solidFill>
+                <a:latin typeface="Calibri"/>
+                <a:cs typeface="Calibri"/>
+              </a:rPr>
+              <a:t>spokesman</a:t>
+            </a:r>
+          </a:p>
+          <a:p>
+            <a:pPr marL="800100" lvl="2" indent="0">
+              <a:buNone/>
+            </a:pPr>
+            <a:r>
+              <a:rPr lang="en-US" i="1" dirty="0">
+                <a:latin typeface="Calibri"/>
+                <a:cs typeface="Calibri"/>
+              </a:rPr>
+              <a:t>M2: +1 </a:t>
+            </a:r>
+            <a:r>
+              <a:rPr lang="en-US" i="1" dirty="0">
+                <a:solidFill>
+                  <a:srgbClr val="0000FF"/>
+                </a:solidFill>
+                <a:latin typeface="Calibri"/>
+                <a:cs typeface="Calibri"/>
+              </a:rPr>
+              <a:t>said</a:t>
+            </a:r>
+          </a:p>
+          <a:p>
             <a:r>
               <a:rPr lang="en-US" dirty="0">
                 <a:latin typeface="Calibri"/>
                 <a:cs typeface="Calibri"/>
               </a:rPr>
-              <a:t>and right </a:t>
-            </a:r>
-            <a:r>
-              <a:rPr lang="en-US" dirty="0" smtClean="0">
-                <a:latin typeface="Calibri"/>
-                <a:cs typeface="Calibri"/>
-              </a:rPr>
-              <a:t>of M1/M2</a:t>
-            </a:r>
-            <a:endParaRPr lang="en-US" dirty="0">
-              <a:latin typeface="Calibri"/>
-              <a:cs typeface="Calibri"/>
-            </a:endParaRPr>
-          </a:p>
-          <a:p>
-            <a:pPr marL="800100" lvl="2" indent="0">
-              <a:buNone/>
-            </a:pPr>
-            <a:r>
-              <a:rPr lang="en-US" i="1" dirty="0" smtClean="0">
-                <a:latin typeface="Calibri"/>
-                <a:cs typeface="Calibri"/>
-              </a:rPr>
-              <a:t>M2: -1 </a:t>
-            </a:r>
-            <a:r>
-              <a:rPr lang="en-US" i="1" dirty="0" smtClean="0">
-                <a:solidFill>
-                  <a:srgbClr val="0000FF"/>
-                </a:solidFill>
-                <a:latin typeface="Calibri"/>
-                <a:cs typeface="Calibri"/>
-              </a:rPr>
-              <a:t>spokesman</a:t>
-            </a:r>
-          </a:p>
-          <a:p>
-            <a:pPr marL="800100" lvl="2" indent="0">
-              <a:buNone/>
-            </a:pPr>
-            <a:r>
-              <a:rPr lang="en-US" i="1" dirty="0" smtClean="0">
-                <a:latin typeface="Calibri"/>
-                <a:cs typeface="Calibri"/>
-              </a:rPr>
-              <a:t>M2: +1 </a:t>
-            </a:r>
-            <a:r>
-              <a:rPr lang="en-US" i="1" dirty="0" smtClean="0">
-                <a:solidFill>
-                  <a:srgbClr val="0000FF"/>
-                </a:solidFill>
-                <a:latin typeface="Calibri"/>
-                <a:cs typeface="Calibri"/>
-              </a:rPr>
-              <a:t>said</a:t>
-            </a:r>
-            <a:endParaRPr lang="en-US" i="1" dirty="0">
-              <a:solidFill>
-                <a:srgbClr val="0000FF"/>
-              </a:solidFill>
-              <a:latin typeface="Calibri"/>
-              <a:cs typeface="Calibri"/>
-            </a:endParaRPr>
-          </a:p>
-          <a:p>
-            <a:r>
-              <a:rPr lang="en-US" dirty="0">
-                <a:latin typeface="Calibri"/>
-                <a:cs typeface="Calibri"/>
-              </a:rPr>
-              <a:t>Bag of words or bigrams between the two </a:t>
-            </a:r>
-            <a:r>
-              <a:rPr lang="en-US" dirty="0" smtClean="0">
-                <a:latin typeface="Calibri"/>
-                <a:cs typeface="Calibri"/>
-              </a:rPr>
-              <a:t>entities</a:t>
+              <a:t>Bag of words or bigrams between the two entities</a:t>
             </a:r>
           </a:p>
           <a:p>
@@ -18131,7 +17697,7 @@
               <a:buNone/>
             </a:pPr>
             <a:r>
-              <a:rPr lang="en-US" dirty="0" smtClean="0">
+              <a:rPr lang="en-US" dirty="0">
                 <a:solidFill>
                   <a:srgbClr val="0000FF"/>
                 </a:solidFill>
@@ -18140,13 +17706,6 @@
               </a:rPr>
               <a:t>{a, AMR, of, immediately, matched, move, spokesman, the, unit}</a:t>
             </a:r>
-            <a:endParaRPr lang="en-US" dirty="0">
-              <a:solidFill>
-                <a:srgbClr val="0000FF"/>
-              </a:solidFill>
-              <a:latin typeface="Calibri"/>
-              <a:cs typeface="Calibri"/>
-            </a:endParaRPr>
           </a:p>
         </p:txBody>
       </p:sp>
@@ -18623,25 +18182,16 @@
           <a:lstStyle/>
           <a:p>
             <a:r>
-              <a:rPr lang="en-US" dirty="0" smtClean="0"/>
-              <a:t>Named </a:t>
-            </a:r>
-            <a:r>
               <a:rPr lang="en-US" dirty="0"/>
-              <a:t>Entity Type and Mention </a:t>
-            </a:r>
-            <a:r>
-              <a:rPr lang="en-US" dirty="0" smtClean="0"/>
-              <a:t>Level</a:t>
+              <a:t>Named Entity Type and Mention Level</a:t>
             </a:r>
             <a:br>
-              <a:rPr lang="en-US" dirty="0" smtClean="0"/>
+              <a:rPr lang="en-US" dirty="0"/>
             </a:br>
             <a:r>
-              <a:rPr lang="en-US" dirty="0" smtClean="0"/>
+              <a:rPr lang="en-US" dirty="0"/>
               <a:t>Features for Relation Extraction</a:t>
             </a:r>
-            <a:endParaRPr lang="en-US" dirty="0"/>
           </a:p>
         </p:txBody>
       </p:sp>
@@ -18672,229 +18222,176 @@
                 <a:latin typeface="Calibri"/>
                 <a:cs typeface="Calibri"/>
               </a:rPr>
-              <a:t>Named-entity </a:t>
-            </a:r>
-            <a:r>
-              <a:rPr lang="en-US" dirty="0" smtClean="0">
-                <a:latin typeface="Calibri"/>
-                <a:cs typeface="Calibri"/>
-              </a:rPr>
-              <a:t>types</a:t>
+              <a:t>Named-entity types</a:t>
             </a:r>
           </a:p>
           <a:p>
             <a:pPr lvl="1"/>
-            <a:r>
-              <a:rPr lang="en-US" dirty="0" smtClean="0">
-                <a:latin typeface="Calibri"/>
-                <a:cs typeface="Calibri"/>
-              </a:rPr>
-              <a:t>M1:  </a:t>
-            </a:r>
-            <a:r>
-              <a:rPr lang="en-US" dirty="0" smtClean="0">
-                <a:solidFill>
-                  <a:srgbClr val="0000FF"/>
-                </a:solidFill>
-                <a:latin typeface="Calibri"/>
-                <a:cs typeface="Calibri"/>
-              </a:rPr>
-              <a:t>ORG</a:t>
-            </a:r>
-          </a:p>
-          <a:p>
-            <a:pPr lvl="1"/>
-            <a:r>
-              <a:rPr lang="en-US" dirty="0" smtClean="0">
-                <a:latin typeface="Calibri"/>
-                <a:cs typeface="Calibri"/>
-              </a:rPr>
-              <a:t>M2:  </a:t>
-            </a:r>
-            <a:r>
-              <a:rPr lang="en-US" dirty="0" smtClean="0">
-                <a:solidFill>
-                  <a:srgbClr val="0000FF"/>
-                </a:solidFill>
-                <a:latin typeface="Calibri"/>
-                <a:cs typeface="Calibri"/>
-              </a:rPr>
-              <a:t>PERSON</a:t>
-            </a:r>
-            <a:endParaRPr lang="en-US" dirty="0">
-              <a:solidFill>
-                <a:srgbClr val="0000FF"/>
-              </a:solidFill>
-              <a:latin typeface="Calibri"/>
-              <a:cs typeface="Calibri"/>
-            </a:endParaRPr>
-          </a:p>
-          <a:p>
-            <a:r>
-              <a:rPr lang="en-US" dirty="0" smtClean="0">
-                <a:latin typeface="Calibri"/>
-                <a:cs typeface="Calibri"/>
-              </a:rPr>
-              <a:t>Concatenation </a:t>
-            </a:r>
             <a:r>
               <a:rPr lang="en-US" dirty="0">
                 <a:latin typeface="Calibri"/>
                 <a:cs typeface="Calibri"/>
               </a:rPr>
-              <a:t>of </a:t>
-            </a:r>
-            <a:r>
-              <a:rPr lang="en-US" dirty="0" smtClean="0">
+              <a:t>M1:  </a:t>
+            </a:r>
+            <a:r>
+              <a:rPr lang="en-US" dirty="0">
+                <a:solidFill>
+                  <a:srgbClr val="0000FF"/>
+                </a:solidFill>
                 <a:latin typeface="Calibri"/>
                 <a:cs typeface="Calibri"/>
               </a:rPr>
-              <a:t>the two named-entity types</a:t>
+              <a:t>ORG</a:t>
             </a:r>
           </a:p>
           <a:p>
             <a:pPr lvl="1"/>
-            <a:r>
-              <a:rPr lang="en-US" dirty="0" smtClean="0">
-                <a:solidFill>
-                  <a:srgbClr val="0000FF"/>
-                </a:solidFill>
-                <a:latin typeface="Calibri"/>
-                <a:cs typeface="Calibri"/>
-              </a:rPr>
-              <a:t>ORG-PERSON</a:t>
-            </a:r>
-            <a:endParaRPr lang="en-US" dirty="0">
-              <a:solidFill>
-                <a:srgbClr val="0000FF"/>
-              </a:solidFill>
-              <a:latin typeface="Calibri"/>
-              <a:cs typeface="Calibri"/>
-            </a:endParaRPr>
-          </a:p>
-          <a:p>
             <a:r>
               <a:rPr lang="en-US" dirty="0">
                 <a:latin typeface="Calibri"/>
                 <a:cs typeface="Calibri"/>
               </a:rPr>
-              <a:t>Entity Level of M1 and M2 </a:t>
-            </a:r>
-            <a:r>
-              <a:rPr lang="en-US" dirty="0" smtClean="0">
+              <a:t>M2:  </a:t>
+            </a:r>
+            <a:r>
+              <a:rPr lang="en-US" dirty="0">
+                <a:solidFill>
+                  <a:srgbClr val="0000FF"/>
+                </a:solidFill>
                 <a:latin typeface="Calibri"/>
                 <a:cs typeface="Calibri"/>
               </a:rPr>
-              <a:t> (NAME, NOMINAL, PRONOUN)</a:t>
-            </a:r>
-            <a:endParaRPr lang="en-US" dirty="0">
-              <a:latin typeface="Calibri"/>
-              <a:cs typeface="Calibri"/>
-            </a:endParaRPr>
-          </a:p>
-          <a:p>
-            <a:pPr lvl="1"/>
-            <a:r>
-              <a:rPr lang="en-US" dirty="0" smtClean="0">
+              <a:t>PERSON</a:t>
+            </a:r>
+          </a:p>
+          <a:p>
+            <a:r>
+              <a:rPr lang="en-US" dirty="0">
                 <a:latin typeface="Calibri"/>
                 <a:cs typeface="Calibri"/>
               </a:rPr>
-              <a:t>M1: </a:t>
-            </a:r>
-            <a:r>
-              <a:rPr lang="en-US" dirty="0" smtClean="0">
+              <a:t>Concatenation of the two named-entity types</a:t>
+            </a:r>
+          </a:p>
+          <a:p>
+            <a:pPr lvl="1"/>
+            <a:r>
+              <a:rPr lang="en-US" dirty="0">
                 <a:solidFill>
                   <a:srgbClr val="0000FF"/>
                 </a:solidFill>
                 <a:latin typeface="Calibri"/>
                 <a:cs typeface="Calibri"/>
               </a:rPr>
-              <a:t>NAME		[it  </a:t>
-            </a:r>
-            <a:r>
-              <a:rPr lang="en-US" dirty="0" smtClean="0">
+              <a:t>ORG-PERSON</a:t>
+            </a:r>
+          </a:p>
+          <a:p>
+            <a:r>
+              <a:rPr lang="en-US" dirty="0">
                 <a:latin typeface="Calibri"/>
                 <a:cs typeface="Calibri"/>
               </a:rPr>
-              <a:t>or</a:t>
-            </a:r>
-            <a:r>
-              <a:rPr lang="en-US" dirty="0" smtClean="0">
-                <a:solidFill>
-                  <a:srgbClr val="0000FF"/>
-                </a:solidFill>
+              <a:t>Entity Level of M1 and M2  (NAME, NOMINAL, PRONOUN)</a:t>
+            </a:r>
+          </a:p>
+          <a:p>
+            <a:pPr lvl="1"/>
+            <a:r>
+              <a:rPr lang="en-US" dirty="0">
                 <a:latin typeface="Calibri"/>
                 <a:cs typeface="Calibri"/>
               </a:rPr>
-              <a:t> he </a:t>
-            </a:r>
-            <a:r>
-              <a:rPr lang="en-US" dirty="0" smtClean="0">
-                <a:solidFill>
-                  <a:srgbClr val="000000"/>
+              <a:t>M1: </a:t>
+            </a:r>
+            <a:r>
+              <a:rPr lang="en-US" dirty="0">
+                <a:solidFill>
+                  <a:srgbClr val="0000FF"/>
                 </a:solidFill>
                 <a:latin typeface="Calibri"/>
                 <a:cs typeface="Calibri"/>
               </a:rPr>
-              <a:t>would be </a:t>
-            </a:r>
-            <a:r>
-              <a:rPr lang="en-US" dirty="0" smtClean="0">
-                <a:solidFill>
-                  <a:srgbClr val="0000FF"/>
-                </a:solidFill>
+              <a:t>NAME		[it  </a:t>
+            </a:r>
+            <a:r>
+              <a:rPr lang="en-US" dirty="0">
                 <a:latin typeface="Calibri"/>
                 <a:cs typeface="Calibri"/>
               </a:rPr>
-              <a:t>PRONOUN]</a:t>
-            </a:r>
-          </a:p>
-          <a:p>
-            <a:pPr lvl="1"/>
-            <a:r>
-              <a:rPr lang="en-US" dirty="0" smtClean="0">
+              <a:t>or</a:t>
+            </a:r>
+            <a:r>
+              <a:rPr lang="en-US" dirty="0">
+                <a:solidFill>
+                  <a:srgbClr val="0000FF"/>
+                </a:solidFill>
                 <a:latin typeface="Calibri"/>
                 <a:cs typeface="Calibri"/>
               </a:rPr>
-              <a:t>M2: </a:t>
-            </a:r>
-            <a:r>
-              <a:rPr lang="en-US" dirty="0" smtClean="0">
-                <a:solidFill>
-                  <a:srgbClr val="0000FF"/>
+              <a:t> he </a:t>
+            </a:r>
+            <a:r>
+              <a:rPr lang="en-US" dirty="0">
+                <a:solidFill>
+                  <a:srgbClr val="000000"/>
                 </a:solidFill>
                 <a:latin typeface="Calibri"/>
                 <a:cs typeface="Calibri"/>
               </a:rPr>
-              <a:t>NAME		[the company  </a:t>
-            </a:r>
-            <a:r>
-              <a:rPr lang="en-US" dirty="0" smtClean="0">
-                <a:solidFill>
-                  <a:srgbClr val="000000"/>
+              <a:t>would be </a:t>
+            </a:r>
+            <a:r>
+              <a:rPr lang="en-US" dirty="0">
+                <a:solidFill>
+                  <a:srgbClr val="0000FF"/>
                 </a:solidFill>
                 <a:latin typeface="Calibri"/>
                 <a:cs typeface="Calibri"/>
               </a:rPr>
-              <a:t>would be </a:t>
-            </a:r>
-            <a:r>
-              <a:rPr lang="en-US" dirty="0" smtClean="0">
-                <a:solidFill>
-                  <a:srgbClr val="0000FF"/>
-                </a:solidFill>
+              <a:t>PRONOUN]</a:t>
+            </a:r>
+          </a:p>
+          <a:p>
+            <a:pPr lvl="1"/>
+            <a:r>
+              <a:rPr lang="en-US" dirty="0">
                 <a:latin typeface="Calibri"/>
                 <a:cs typeface="Calibri"/>
               </a:rPr>
+              <a:t>M2: </a:t>
+            </a:r>
+            <a:r>
+              <a:rPr lang="en-US" dirty="0">
+                <a:solidFill>
+                  <a:srgbClr val="0000FF"/>
+                </a:solidFill>
+                <a:latin typeface="Calibri"/>
+                <a:cs typeface="Calibri"/>
+              </a:rPr>
+              <a:t>NAME		[the company  </a:t>
+            </a:r>
+            <a:r>
+              <a:rPr lang="en-US" dirty="0">
+                <a:solidFill>
+                  <a:srgbClr val="000000"/>
+                </a:solidFill>
+                <a:latin typeface="Calibri"/>
+                <a:cs typeface="Calibri"/>
+              </a:rPr>
+              <a:t>would be </a:t>
+            </a:r>
+            <a:r>
+              <a:rPr lang="en-US" dirty="0">
+                <a:solidFill>
+                  <a:srgbClr val="0000FF"/>
+                </a:solidFill>
+                <a:latin typeface="Calibri"/>
+                <a:cs typeface="Calibri"/>
+              </a:rPr>
               <a:t>NOMINAL]</a:t>
             </a:r>
-            <a:endParaRPr lang="en-US" dirty="0">
-              <a:solidFill>
-                <a:srgbClr val="0000FF"/>
-              </a:solidFill>
-              <a:latin typeface="Calibri"/>
-              <a:cs typeface="Calibri"/>
-            </a:endParaRPr>
           </a:p>
         </p:txBody>
       </p:sp>
@@ -19320,22 +18817,10 @@
           <a:lstStyle/>
           <a:p>
             <a:r>
-              <a:rPr lang="en-US" dirty="0" smtClean="0">
-                <a:cs typeface="Calibri"/>
-              </a:rPr>
-              <a:t>Base </a:t>
-            </a:r>
-            <a:r>
               <a:rPr lang="en-US" dirty="0">
                 <a:cs typeface="Calibri"/>
               </a:rPr>
-              <a:t>syntactic chunk sequence from one to the </a:t>
-            </a:r>
-            <a:r>
-              <a:rPr lang="en-US" dirty="0" smtClean="0">
-                <a:cs typeface="Calibri"/>
-              </a:rPr>
-              <a:t>other</a:t>
+              <a:t>Base syntactic chunk sequence from one to the other</a:t>
             </a:r>
           </a:p>
           <a:p>
@@ -19343,7 +18828,7 @@
               <a:buNone/>
             </a:pPr>
             <a:r>
-              <a:rPr lang="en-US" dirty="0" smtClean="0">
+              <a:rPr lang="en-US" dirty="0">
                 <a:solidFill>
                   <a:srgbClr val="0000FF"/>
                 </a:solidFill>
@@ -19449,7 +18934,7 @@
               <a:t> </a:t>
             </a:r>
             <a:r>
-              <a:rPr lang="en-US" dirty="0" smtClean="0">
+              <a:rPr lang="en-US" dirty="0">
                 <a:solidFill>
                   <a:srgbClr val="0000FF"/>
                 </a:solidFill>
@@ -19457,25 +18942,13 @@
               </a:rPr>
               <a:t>NP</a:t>
             </a:r>
-            <a:endParaRPr lang="en-US" dirty="0">
-              <a:solidFill>
-                <a:srgbClr val="0000FF"/>
-              </a:solidFill>
-              <a:cs typeface="Calibri"/>
-            </a:endParaRPr>
           </a:p>
           <a:p>
             <a:r>
               <a:rPr lang="en-US" dirty="0">
                 <a:cs typeface="Calibri"/>
               </a:rPr>
-              <a:t>Dependency </a:t>
-            </a:r>
-            <a:r>
-              <a:rPr lang="en-US" dirty="0" smtClean="0">
-                <a:cs typeface="Calibri"/>
-              </a:rPr>
-              <a:t>path</a:t>
+              <a:t>Dependency path</a:t>
             </a:r>
           </a:p>
           <a:p>
@@ -19483,7 +18956,7 @@
               <a:buNone/>
             </a:pPr>
             <a:r>
-              <a:rPr lang="en-US" dirty="0" smtClean="0">
+              <a:rPr lang="en-US" dirty="0">
                 <a:solidFill>
                   <a:srgbClr val="0000FF"/>
                 </a:solidFill>
@@ -19491,12 +18964,6 @@
               </a:rPr>
               <a:t>         Airlines    matched      Wagner   said</a:t>
             </a:r>
-            <a:endParaRPr lang="en-US" dirty="0">
-              <a:solidFill>
-                <a:srgbClr val="0000FF"/>
-              </a:solidFill>
-              <a:cs typeface="Calibri"/>
-            </a:endParaRPr>
           </a:p>
         </p:txBody>
       </p:sp>
@@ -19862,18 +19329,9 @@
           <a:lstStyle/>
           <a:p>
             <a:r>
-              <a:rPr lang="en-US" dirty="0" smtClean="0"/>
-              <a:t>Gazetteer </a:t>
-            </a:r>
-            <a:r>
               <a:rPr lang="en-US" dirty="0"/>
-              <a:t>and trigger </a:t>
-            </a:r>
-            <a:r>
-              <a:rPr lang="en-US" dirty="0" smtClean="0"/>
-              <a:t>word features for relation extraction</a:t>
-            </a:r>
-            <a:endParaRPr lang="en-US" dirty="0"/>
+              <a:t>Gazetteer and trigger word features for relation extraction</a:t>
+            </a:r>
           </a:p>
         </p:txBody>
       </p:sp>
@@ -19893,106 +19351,63 @@
           <a:lstStyle/>
           <a:p>
             <a:r>
-              <a:rPr lang="en-US" dirty="0" smtClean="0"/>
+              <a:rPr lang="en-US" dirty="0"/>
               <a:t>Trigger list for family: kinship terms</a:t>
             </a:r>
-            <a:endParaRPr lang="en-US" dirty="0"/>
           </a:p>
           <a:p>
             <a:pPr lvl="1"/>
             <a:r>
-              <a:rPr lang="en-US" dirty="0" smtClean="0">
+              <a:rPr lang="en-US" dirty="0">
                 <a:solidFill>
                   <a:srgbClr val="0000FF"/>
                 </a:solidFill>
               </a:rPr>
-              <a:t>parent</a:t>
-            </a:r>
-            <a:r>
-              <a:rPr lang="en-US" dirty="0">
-                <a:solidFill>
-                  <a:srgbClr val="0000FF"/>
-                </a:solidFill>
-              </a:rPr>
-              <a:t>, wife, </a:t>
-            </a:r>
-            <a:r>
-              <a:rPr lang="en-US" dirty="0" smtClean="0">
-                <a:solidFill>
-                  <a:srgbClr val="0000FF"/>
-                </a:solidFill>
-              </a:rPr>
-              <a:t>husband, </a:t>
-            </a:r>
-            <a:r>
-              <a:rPr lang="en-US" dirty="0">
-                <a:solidFill>
-                  <a:srgbClr val="0000FF"/>
-                </a:solidFill>
-              </a:rPr>
-              <a:t>grandparent, </a:t>
-            </a:r>
-            <a:r>
-              <a:rPr lang="en-US" dirty="0" smtClean="0">
-                <a:solidFill>
-                  <a:srgbClr val="0000FF"/>
-                </a:solidFill>
-              </a:rPr>
-              <a:t>etc. </a:t>
-            </a:r>
-            <a:r>
-              <a:rPr lang="en-US" dirty="0" smtClean="0"/>
+              <a:t>parent, wife, husband, grandparent, etc. </a:t>
+            </a:r>
+            <a:r>
+              <a:rPr lang="en-US" dirty="0"/>
               <a:t>[from </a:t>
             </a:r>
             <a:r>
-              <a:rPr lang="en-US" dirty="0" err="1" smtClean="0"/>
+              <a:rPr lang="en-US" dirty="0" err="1"/>
               <a:t>WordNet</a:t>
             </a:r>
             <a:r>
-              <a:rPr lang="en-US" dirty="0" smtClean="0"/>
+              <a:rPr lang="en-US" dirty="0"/>
               <a:t>]</a:t>
             </a:r>
-            <a:endParaRPr lang="en-US" dirty="0"/>
-          </a:p>
-          <a:p>
-            <a:r>
-              <a:rPr lang="en-US" smtClean="0"/>
+          </a:p>
+          <a:p>
+            <a:r>
+              <a:rPr lang="en-US"/>
               <a:t>Gazetteer</a:t>
             </a:r>
             <a:r>
-              <a:rPr lang="en-US" dirty="0" smtClean="0"/>
+              <a:rPr lang="en-US" dirty="0"/>
               <a:t>:</a:t>
             </a:r>
           </a:p>
           <a:p>
             <a:pPr lvl="1"/>
             <a:r>
-              <a:rPr lang="en-US" dirty="0" smtClean="0"/>
+              <a:rPr lang="en-US" dirty="0"/>
               <a:t>Lists of useful geo or geopolitical words</a:t>
             </a:r>
           </a:p>
           <a:p>
             <a:pPr lvl="2"/>
             <a:r>
-              <a:rPr lang="en-US" dirty="0" smtClean="0"/>
-              <a:t>Country </a:t>
-            </a:r>
-            <a:r>
               <a:rPr lang="en-US" dirty="0"/>
-              <a:t>name </a:t>
-            </a:r>
-            <a:r>
-              <a:rPr lang="en-US" dirty="0" smtClean="0"/>
-              <a:t>list</a:t>
+              <a:t>Country name list</a:t>
             </a:r>
           </a:p>
           <a:p>
             <a:pPr lvl="2"/>
             <a:r>
-              <a:rPr lang="en-US" dirty="0" smtClean="0"/>
+              <a:rPr lang="en-US" dirty="0"/>
               <a:t>Other sub-entities</a:t>
             </a:r>
-            <a:endParaRPr lang="en-US" dirty="0"/>
           </a:p>
         </p:txBody>
       </p:sp>
@@ -20312,13 +19727,6 @@
   <p:clrMapOvr>
     <a:masterClrMapping/>
   </p:clrMapOvr>
-  <p:timing>
-    <p:tnLst>
-      <p:par>
-        <p:cTn id="1" dur="indefinite" restart="never" nodeType="tmRoot"/>
-      </p:par>
-    </p:tnLst>
-  </p:timing>
 </p:sld>
 </file>
 
@@ -20399,14 +19807,14 @@
           <a:p>
             <a:pPr lvl="1"/>
             <a:r>
-              <a:rPr lang="en-US" sz="2400" dirty="0" smtClean="0"/>
+              <a:rPr lang="en-US" sz="2400" dirty="0"/>
               <a:t>SVM</a:t>
             </a:r>
           </a:p>
           <a:p>
             <a:pPr lvl="1"/>
             <a:r>
-              <a:rPr lang="en-US" altLang="zh-CN" sz="2400" dirty="0" smtClean="0"/>
+              <a:rPr lang="en-US" altLang="zh-CN" sz="2400" dirty="0"/>
               <a:t>Convolutional Neural Networks</a:t>
             </a:r>
             <a:endParaRPr lang="en-US" sz="2400" dirty="0"/>
@@ -20420,18 +19828,17 @@
           </a:p>
           <a:p>
             <a:r>
-              <a:rPr lang="en-US" dirty="0" smtClean="0"/>
+              <a:rPr lang="en-US" dirty="0"/>
               <a:t>Train it on the training set, tune on the </a:t>
             </a:r>
             <a:r>
-              <a:rPr lang="en-US" dirty="0" err="1" smtClean="0"/>
+              <a:rPr lang="en-US" dirty="0" err="1"/>
               <a:t>dev</a:t>
             </a:r>
             <a:r>
-              <a:rPr lang="en-US" dirty="0" smtClean="0"/>
+              <a:rPr lang="en-US" dirty="0"/>
               <a:t> set, test on the test set</a:t>
             </a:r>
-            <a:endParaRPr lang="en-US" dirty="0"/>
           </a:p>
         </p:txBody>
       </p:sp>
@@ -20562,10 +19969,9 @@
           <a:lstStyle/>
           <a:p>
             <a:r>
-              <a:rPr lang="en-US" dirty="0" smtClean="0"/>
+              <a:rPr lang="en-US" dirty="0"/>
               <a:t>Evaluation of Supervised Relation Extraction</a:t>
             </a:r>
-            <a:endParaRPr lang="en-US" dirty="0"/>
           </a:p>
         </p:txBody>
       </p:sp>
@@ -20604,7 +20010,7 @@
           </a:p>
           <a:p>
             <a:pPr lvl="1"/>
-            <a:endParaRPr lang="en-US" dirty="0" smtClean="0"/>
+            <a:endParaRPr lang="en-US" dirty="0"/>
           </a:p>
           <a:p>
             <a:endParaRPr lang="en-US" sz="1800" dirty="0"/>
@@ -20653,7 +20059,7 @@
           <a:graphicData uri="http://schemas.openxmlformats.org/presentationml/2006/ole">
             <mc:AlternateContent xmlns:mc="http://schemas.openxmlformats.org/markup-compatibility/2006">
               <mc:Choice xmlns:v="urn:schemas-microsoft-com:vml" Requires="v">
-                <p:oleObj spid="_x0000_s2177" name="Equation" r:id="rId3" imgW="2273300" imgH="431800" progId="Equation.3">
+                <p:oleObj spid="_x0000_s2192" name="Equation" r:id="rId3" imgW="2273300" imgH="431800" progId="Equation.3">
                   <p:embed/>
                 </p:oleObj>
               </mc:Choice>
@@ -20706,7 +20112,7 @@
           <a:graphicData uri="http://schemas.openxmlformats.org/presentationml/2006/ole">
             <mc:AlternateContent xmlns:mc="http://schemas.openxmlformats.org/markup-compatibility/2006">
               <mc:Choice xmlns:v="urn:schemas-microsoft-com:vml" Requires="v">
-                <p:oleObj spid="_x0000_s2178" name="Equation" r:id="rId5" imgW="2286000" imgH="431800" progId="Equation.3">
+                <p:oleObj spid="_x0000_s2193" name="Equation" r:id="rId5" imgW="2286000" imgH="431800" progId="Equation.3">
                   <p:embed/>
                 </p:oleObj>
               </mc:Choice>
@@ -20759,7 +20165,7 @@
           <a:graphicData uri="http://schemas.openxmlformats.org/presentationml/2006/ole">
             <mc:AlternateContent xmlns:mc="http://schemas.openxmlformats.org/markup-compatibility/2006">
               <mc:Choice xmlns:v="urn:schemas-microsoft-com:vml" Requires="v">
-                <p:oleObj spid="_x0000_s2179" name="Equation" r:id="rId7" imgW="673100" imgH="393700" progId="Equation.3">
+                <p:oleObj spid="_x0000_s2194" name="Equation" r:id="rId7" imgW="673100" imgH="393700" progId="Equation.3">
                   <p:embed/>
                 </p:oleObj>
               </mc:Choice>
@@ -20804,13 +20210,6 @@
   <p:clrMapOvr>
     <a:masterClrMapping/>
   </p:clrMapOvr>
-  <p:timing>
-    <p:tnLst>
-      <p:par>
-        <p:cTn id="1" dur="indefinite" restart="never" nodeType="tmRoot"/>
-      </p:par>
-    </p:tnLst>
-  </p:timing>
 </p:sld>
 </file>
 
@@ -20849,10 +20248,9 @@
           <a:lstStyle/>
           <a:p>
             <a:r>
-              <a:rPr lang="en-US" dirty="0" smtClean="0"/>
+              <a:rPr lang="en-US" dirty="0"/>
               <a:t>Summary: Supervised Relation Extraction</a:t>
             </a:r>
-            <a:endParaRPr lang="en-US" dirty="0"/>
           </a:p>
         </p:txBody>
       </p:sp>
@@ -20933,13 +20331,6 @@
   <p:clrMapOvr>
     <a:masterClrMapping/>
   </p:clrMapOvr>
-  <p:timing>
-    <p:tnLst>
-      <p:par>
-        <p:cTn id="1" dur="indefinite" restart="never" nodeType="tmRoot"/>
-      </p:par>
-    </p:tnLst>
-  </p:timing>
 </p:sld>
 </file>
 
@@ -21039,13 +20430,6 @@
     <a:masterClrMapping/>
   </p:clrMapOvr>
   <p:transition/>
-  <p:timing>
-    <p:tnLst>
-      <p:par>
-        <p:cTn id="1" dur="indefinite" restart="never" nodeType="tmRoot"/>
-      </p:par>
-    </p:tnLst>
-  </p:timing>
 </p:sld>
 </file>
 
@@ -21084,18 +20468,9 @@
           <a:lstStyle/>
           <a:p>
             <a:r>
-              <a:rPr lang="en-US" dirty="0" smtClean="0"/>
-              <a:t>Seed-based or bootstrapping </a:t>
-            </a:r>
-            <a:r>
               <a:rPr lang="en-US" dirty="0"/>
-              <a:t>a</a:t>
-            </a:r>
-            <a:r>
-              <a:rPr lang="en-US" dirty="0" smtClean="0"/>
-              <a:t>pproaches to relation extraction</a:t>
-            </a:r>
-            <a:endParaRPr lang="en-US" dirty="0"/>
+              <a:t>Seed-based or bootstrapping approaches to relation extraction</a:t>
+            </a:r>
           </a:p>
         </p:txBody>
       </p:sp>
@@ -21163,13 +20538,6 @@
   <p:clrMapOvr>
     <a:masterClrMapping/>
   </p:clrMapOvr>
-  <p:timing>
-    <p:tnLst>
-      <p:par>
-        <p:cTn id="1" dur="indefinite" restart="never" nodeType="tmRoot"/>
-      </p:par>
-    </p:tnLst>
-  </p:timing>
 </p:sld>
 </file>
 
@@ -21214,16 +20582,12 @@
           <a:p>
             <a:pPr algn="l"/>
             <a:r>
-              <a:rPr lang="en-US" dirty="0" smtClean="0">
+              <a:rPr lang="en-US" dirty="0">
                 <a:latin typeface="Times New Roman" panose="02020603050405020304" pitchFamily="18" charset="0"/>
                 <a:cs typeface="Times New Roman" panose="02020603050405020304" pitchFamily="18" charset="0"/>
               </a:rPr>
               <a:t>Recurrent Neural Networks (RNNs)</a:t>
             </a:r>
-            <a:endParaRPr lang="en-US" dirty="0">
-              <a:latin typeface="Times New Roman" panose="02020603050405020304" pitchFamily="18" charset="0"/>
-              <a:cs typeface="Times New Roman" panose="02020603050405020304" pitchFamily="18" charset="0"/>
-            </a:endParaRPr>
           </a:p>
         </p:txBody>
       </p:sp>
@@ -21450,11 +20814,6 @@
               </a:rPr>
               <a:t>Hidden state at time step t</a:t>
             </a:r>
-            <a:endParaRPr lang="en-US" sz="1350" dirty="0">
-              <a:solidFill>
-                <a:srgbClr val="FF0000"/>
-              </a:solidFill>
-            </a:endParaRPr>
           </a:p>
         </p:txBody>
       </p:sp>
@@ -21523,11 +20882,6 @@
               </a:rPr>
               <a:t>Output state at time step t</a:t>
             </a:r>
-            <a:endParaRPr lang="en-US" sz="1350" dirty="0">
-              <a:solidFill>
-                <a:srgbClr val="FF0000"/>
-              </a:solidFill>
-            </a:endParaRPr>
           </a:p>
         </p:txBody>
       </p:sp>
@@ -21598,11 +20952,6 @@
               </a:rPr>
               <a:t>Activation function</a:t>
             </a:r>
-            <a:endParaRPr lang="en-US" sz="1350" dirty="0">
-              <a:solidFill>
-                <a:srgbClr val="FF0000"/>
-              </a:solidFill>
-            </a:endParaRPr>
           </a:p>
         </p:txBody>
       </p:sp>
@@ -21768,7 +21117,6 @@
               <a:rPr lang="en-US" baseline="-25000" dirty="0"/>
               <a:t>t-1</a:t>
             </a:r>
-            <a:endParaRPr lang="en-US" baseline="-25000" dirty="0"/>
           </a:p>
         </p:txBody>
       </p:sp>
@@ -21889,7 +21237,6 @@
               <a:rPr lang="en-US" baseline="-25000" dirty="0"/>
               <a:t>t</a:t>
             </a:r>
-            <a:endParaRPr lang="en-US" baseline="-25000" dirty="0"/>
           </a:p>
         </p:txBody>
       </p:sp>
@@ -21972,7 +21319,6 @@
               <a:rPr lang="en-US" baseline="-25000" dirty="0"/>
               <a:t>t+1</a:t>
             </a:r>
-            <a:endParaRPr lang="en-US" baseline="-25000" dirty="0"/>
           </a:p>
         </p:txBody>
       </p:sp>
@@ -22006,11 +21352,6 @@
               </a:rPr>
               <a:t>Parameters (recurrently used)</a:t>
             </a:r>
-            <a:endParaRPr lang="en-US" sz="1350" dirty="0">
-              <a:solidFill>
-                <a:srgbClr val="FF0000"/>
-              </a:solidFill>
-            </a:endParaRPr>
           </a:p>
         </p:txBody>
       </p:sp>
@@ -22335,14 +21676,6 @@
   <p:clrMapOvr>
     <a:masterClrMapping/>
   </p:clrMapOvr>
-  <mc:AlternateContent xmlns:mc="http://schemas.openxmlformats.org/markup-compatibility/2006" xmlns:p14="http://schemas.microsoft.com/office/powerpoint/2010/main">
-    <mc:Choice Requires="p14">
-      <p:transition spd="slow" p14:dur="2000"/>
-    </mc:Choice>
-    <mc:Fallback xmlns="">
-      <p:transition spd="slow"/>
-    </mc:Fallback>
-  </mc:AlternateContent>
   <p:timing>
     <p:tnLst>
       <p:par>
@@ -23063,10 +22396,9 @@
           <a:lstStyle/>
           <a:p>
             <a:r>
-              <a:rPr lang="en-US" dirty="0" smtClean="0"/>
+              <a:rPr lang="en-US" dirty="0"/>
               <a:t>Relation Bootstrapping (Hearst 1992)</a:t>
             </a:r>
-            <a:endParaRPr lang="en-US" dirty="0"/>
           </a:p>
         </p:txBody>
       </p:sp>
@@ -23152,13 +22484,6 @@
   <p:clrMapOvr>
     <a:masterClrMapping/>
   </p:clrMapOvr>
-  <p:timing>
-    <p:tnLst>
-      <p:par>
-        <p:cTn id="1" dur="indefinite" restart="never" nodeType="tmRoot"/>
-      </p:par>
-    </p:tnLst>
-  </p:timing>
 </p:sld>
 </file>
 
@@ -23252,10 +22577,9 @@
               <a:t>google</a:t>
             </a:r>
             <a:r>
-              <a:rPr lang="en-US" dirty="0" smtClean="0"/>
+              <a:rPr lang="en-US" dirty="0"/>
               <a:t>) for the environments of the seed tuple</a:t>
             </a:r>
-            <a:endParaRPr lang="en-US" dirty="0"/>
           </a:p>
           <a:p>
             <a:pPr marL="457200" lvl="1" indent="0">
@@ -23341,7 +22665,7 @@
           </a:p>
           <a:p>
             <a:r>
-              <a:rPr lang="en-US" dirty="0" smtClean="0"/>
+              <a:rPr lang="en-US" dirty="0"/>
               <a:t>Iterate</a:t>
             </a:r>
             <a:endParaRPr lang="en-US" sz="2400" dirty="0"/>
@@ -23358,13 +22682,6 @@
   <p:clrMapOvr>
     <a:masterClrMapping/>
   </p:clrMapOvr>
-  <p:timing>
-    <p:tnLst>
-      <p:par>
-        <p:cTn id="1" dur="indefinite" restart="never" nodeType="tmRoot"/>
-      </p:par>
-    </p:tnLst>
-  </p:timing>
 </p:sld>
 </file>
 
@@ -23408,22 +22725,21 @@
           <a:lstStyle/>
           <a:p>
             <a:r>
-              <a:rPr lang="en-US" i="1" dirty="0" err="1" smtClean="0"/>
+              <a:rPr lang="en-US" i="1" dirty="0" err="1"/>
               <a:t>Dipre</a:t>
             </a:r>
             <a:r>
-              <a:rPr lang="en-US" dirty="0" smtClean="0"/>
+              <a:rPr lang="en-US" dirty="0"/>
               <a:t>: Extract &lt;</a:t>
             </a:r>
             <a:r>
-              <a:rPr lang="en-US" dirty="0" err="1" smtClean="0"/>
+              <a:rPr lang="en-US" dirty="0" err="1"/>
               <a:t>author,book</a:t>
             </a:r>
             <a:r>
-              <a:rPr lang="en-US" dirty="0" smtClean="0"/>
+              <a:rPr lang="en-US" dirty="0"/>
               <a:t>&gt; pairs</a:t>
             </a:r>
-            <a:endParaRPr lang="en-US" dirty="0"/>
           </a:p>
         </p:txBody>
       </p:sp>
@@ -23623,20 +22939,15 @@
           <a:p>
             <a:r>
               <a:rPr lang="en-US" sz="2800" dirty="0"/>
-              <a:t>Extract patterns (group by middle, take longest common prefix/suffix</a:t>
-            </a:r>
-            <a:r>
-              <a:rPr lang="en-US" sz="2800" dirty="0" smtClean="0"/>
-              <a:t>)</a:t>
-            </a:r>
-            <a:endParaRPr lang="en-US" sz="2800" dirty="0"/>
+              <a:t>Extract patterns (group by middle, take longest common prefix/suffix)</a:t>
+            </a:r>
           </a:p>
           <a:p>
             <a:pPr marL="457200" lvl="1" indent="0">
               <a:buNone/>
             </a:pPr>
             <a:r>
-              <a:rPr lang="en-US" sz="2400" dirty="0" smtClean="0">
+              <a:rPr lang="en-US" sz="2400" dirty="0">
                 <a:solidFill>
                   <a:srgbClr val="0000FF"/>
                 </a:solidFill>
@@ -23644,50 +22955,36 @@
                 <a:cs typeface="Courier"/>
               </a:rPr>
               <a:t>?x </a:t>
-            </a:r>
-            <a:r>
-              <a:rPr lang="en-US" sz="2400" dirty="0" smtClean="0">
-                <a:latin typeface="Courier"/>
-                <a:cs typeface="Courier"/>
-              </a:rPr>
-              <a:t>,</a:t>
             </a:r>
             <a:r>
               <a:rPr lang="en-US" sz="2400" dirty="0">
                 <a:latin typeface="Courier"/>
                 <a:cs typeface="Courier"/>
               </a:rPr>
-              <a:t> </a:t>
-            </a:r>
-            <a:r>
-              <a:rPr lang="en-US" sz="2400" dirty="0" smtClean="0">
+              <a:t>, by </a:t>
+            </a:r>
+            <a:r>
+              <a:rPr lang="en-US" sz="2400" dirty="0">
+                <a:solidFill>
+                  <a:srgbClr val="0000FF"/>
+                </a:solidFill>
                 <a:latin typeface="Courier"/>
                 <a:cs typeface="Courier"/>
               </a:rPr>
-              <a:t>by </a:t>
-            </a:r>
-            <a:r>
-              <a:rPr lang="en-US" sz="2400" dirty="0" smtClean="0">
+              <a:t>?y</a:t>
+            </a:r>
+            <a:r>
+              <a:rPr lang="en-US" sz="2400" b="1" dirty="0">
                 <a:solidFill>
                   <a:srgbClr val="0000FF"/>
                 </a:solidFill>
                 <a:latin typeface="Courier"/>
                 <a:cs typeface="Courier"/>
               </a:rPr>
-              <a:t>?y</a:t>
-            </a:r>
-            <a:r>
-              <a:rPr lang="en-US" sz="2400" b="1" dirty="0" smtClean="0">
-                <a:solidFill>
-                  <a:srgbClr val="0000FF"/>
-                </a:solidFill>
-                <a:latin typeface="Courier"/>
-                <a:cs typeface="Courier"/>
-              </a:rPr>
               <a:t> </a:t>
             </a:r>
             <a:r>
-              <a:rPr lang="en-US" sz="2400" b="1" dirty="0" smtClean="0">
+              <a:rPr lang="en-US" sz="2400" b="1" dirty="0">
                 <a:latin typeface="Courier"/>
                 <a:cs typeface="Courier"/>
               </a:rPr>
@@ -23699,71 +22996,44 @@
               <a:buNone/>
             </a:pPr>
             <a:r>
-              <a:rPr lang="en-US" sz="2400" dirty="0" smtClean="0">
+              <a:rPr lang="en-US" sz="2400" dirty="0">
                 <a:solidFill>
                   <a:srgbClr val="0000FF"/>
                 </a:solidFill>
                 <a:latin typeface="Courier"/>
                 <a:cs typeface="Courier"/>
               </a:rPr>
-              <a:t>?</a:t>
-            </a:r>
-            <a:r>
-              <a:rPr lang="en-US" sz="2400" dirty="0">
-                <a:solidFill>
-                  <a:srgbClr val="0000FF"/>
-                </a:solidFill>
-                <a:latin typeface="Courier"/>
-                <a:cs typeface="Courier"/>
-              </a:rPr>
-              <a:t>x </a:t>
+              <a:t>?x </a:t>
             </a:r>
             <a:r>
               <a:rPr lang="en-US" sz="2400" dirty="0">
                 <a:latin typeface="Courier"/>
                 <a:cs typeface="Courier"/>
               </a:rPr>
-              <a:t>, </a:t>
-            </a:r>
-            <a:r>
-              <a:rPr lang="en-US" sz="2400" dirty="0" smtClean="0">
+              <a:t>, one of </a:t>
+            </a:r>
+            <a:r>
+              <a:rPr lang="en-US" sz="2400" dirty="0">
+                <a:solidFill>
+                  <a:srgbClr val="0000FF"/>
+                </a:solidFill>
                 <a:latin typeface="Courier"/>
                 <a:cs typeface="Courier"/>
               </a:rPr>
-              <a:t>one of </a:t>
-            </a:r>
-            <a:r>
-              <a:rPr lang="en-US" sz="2400" dirty="0" smtClean="0">
+              <a:t>?y</a:t>
+            </a:r>
+            <a:r>
+              <a:rPr lang="en-US" sz="2400" b="1" dirty="0">
                 <a:solidFill>
                   <a:srgbClr val="0000FF"/>
                 </a:solidFill>
                 <a:latin typeface="Courier"/>
                 <a:cs typeface="Courier"/>
               </a:rPr>
-              <a:t>?</a:t>
-            </a:r>
-            <a:r>
-              <a:rPr lang="en-US" sz="2400" dirty="0">
-                <a:solidFill>
-                  <a:srgbClr val="0000FF"/>
-                </a:solidFill>
-                <a:latin typeface="Courier"/>
-                <a:cs typeface="Courier"/>
-              </a:rPr>
-              <a:t>y</a:t>
+              <a:t> </a:t>
             </a:r>
             <a:r>
               <a:rPr lang="en-US" sz="2400" b="1" dirty="0">
-                <a:solidFill>
-                  <a:srgbClr val="0000FF"/>
-                </a:solidFill>
-                <a:latin typeface="Courier"/>
-                <a:cs typeface="Courier"/>
-              </a:rPr>
-              <a:t> </a:t>
-            </a:r>
-            <a:r>
-              <a:rPr lang="en-US" sz="2400" b="1" dirty="0" smtClean="0">
                 <a:latin typeface="Courier"/>
                 <a:cs typeface="Courier"/>
               </a:rPr>
@@ -23783,7 +23053,7 @@
             <a:pPr marL="457200" lvl="1" indent="0">
               <a:buNone/>
             </a:pPr>
-            <a:endParaRPr lang="en-US" b="1" dirty="0" smtClean="0">
+            <a:endParaRPr lang="en-US" b="1" dirty="0">
               <a:latin typeface="Courier"/>
               <a:cs typeface="Courier"/>
             </a:endParaRPr>
@@ -23835,7 +23105,7 @@
         </p:nvGraphicFramePr>
         <p:xfrm>
           <a:off x="3200400" y="1955801"/>
-          <a:ext cx="4800600" cy="1333271"/>
+          <a:ext cx="4800600" cy="1407886"/>
         </p:xfrm>
         <a:graphic>
           <a:graphicData uri="http://schemas.openxmlformats.org/drawingml/2006/table">
@@ -23844,8 +23114,20 @@
                 <a:tableStyleId>{5C22544A-7EE6-4342-B048-85BDC9FD1C3A}</a:tableStyleId>
               </a:tblPr>
               <a:tblGrid>
-                <a:gridCol w="1981200"/>
-                <a:gridCol w="2819400"/>
+                <a:gridCol w="1981200">
+                  <a:extLst>
+                    <a:ext uri="{9D8B030D-6E8A-4147-A177-3AD203B41FA5}">
+                      <a16:colId xmlns:a16="http://schemas.microsoft.com/office/drawing/2014/main" val="20000"/>
+                    </a:ext>
+                  </a:extLst>
+                </a:gridCol>
+                <a:gridCol w="2819400">
+                  <a:extLst>
+                    <a:ext uri="{9D8B030D-6E8A-4147-A177-3AD203B41FA5}">
+                      <a16:colId xmlns:a16="http://schemas.microsoft.com/office/drawing/2014/main" val="20001"/>
+                    </a:ext>
+                  </a:extLst>
+                </a:gridCol>
               </a:tblGrid>
               <a:tr h="0">
                 <a:tc>
@@ -23859,10 +23141,9 @@
                         </a:lnSpc>
                       </a:pPr>
                       <a:r>
-                        <a:rPr lang="en-US" sz="1400" dirty="0" smtClean="0"/>
+                        <a:rPr lang="en-US" sz="1400" dirty="0"/>
                         <a:t>Author</a:t>
                       </a:r>
-                      <a:endParaRPr lang="en-US" sz="1400" dirty="0"/>
                     </a:p>
                   </a:txBody>
                   <a:tcPr/>
@@ -23878,14 +23159,18 @@
                         </a:lnSpc>
                       </a:pPr>
                       <a:r>
-                        <a:rPr lang="en-US" sz="1400" dirty="0" smtClean="0"/>
+                        <a:rPr lang="en-US" sz="1400" dirty="0"/>
                         <a:t>Book</a:t>
                       </a:r>
-                      <a:endParaRPr lang="en-US" sz="1400" dirty="0"/>
                     </a:p>
                   </a:txBody>
                   <a:tcPr/>
                 </a:tc>
+                <a:extLst>
+                  <a:ext uri="{0D108BD9-81ED-4DB2-BD59-A6C34878D82A}">
+                    <a16:rowId xmlns:a16="http://schemas.microsoft.com/office/drawing/2014/main" val="10000"/>
+                  </a:ext>
+                </a:extLst>
               </a:tr>
               <a:tr h="192700">
                 <a:tc>
@@ -23899,10 +23184,9 @@
                         </a:lnSpc>
                       </a:pPr>
                       <a:r>
-                        <a:rPr lang="en-US" sz="1400" dirty="0" smtClean="0"/>
+                        <a:rPr lang="en-US" sz="1400" dirty="0"/>
                         <a:t>Isaac Asimov</a:t>
                       </a:r>
-                      <a:endParaRPr lang="en-US" sz="1400" dirty="0"/>
                     </a:p>
                   </a:txBody>
                   <a:tcPr/>
@@ -23918,11 +23202,11 @@
                         </a:lnSpc>
                       </a:pPr>
                       <a:r>
-                        <a:rPr lang="en-US" sz="1400" dirty="0" smtClean="0"/>
+                        <a:rPr lang="en-US" sz="1400" dirty="0"/>
                         <a:t>The Robots</a:t>
                       </a:r>
                       <a:r>
-                        <a:rPr lang="en-US" sz="1400" baseline="0" dirty="0" smtClean="0"/>
+                        <a:rPr lang="en-US" sz="1400" baseline="0" dirty="0"/>
                         <a:t> of Dawn</a:t>
                       </a:r>
                       <a:endParaRPr lang="en-US" sz="1400" dirty="0"/>
@@ -23930,6 +23214,11 @@
                   </a:txBody>
                   <a:tcPr/>
                 </a:tc>
+                <a:extLst>
+                  <a:ext uri="{0D108BD9-81ED-4DB2-BD59-A6C34878D82A}">
+                    <a16:rowId xmlns:a16="http://schemas.microsoft.com/office/drawing/2014/main" val="10001"/>
+                  </a:ext>
+                </a:extLst>
               </a:tr>
               <a:tr h="192700">
                 <a:tc>
@@ -23943,11 +23232,11 @@
                         </a:lnSpc>
                       </a:pPr>
                       <a:r>
-                        <a:rPr lang="en-US" sz="1400" dirty="0" smtClean="0"/>
+                        <a:rPr lang="en-US" sz="1400" dirty="0"/>
                         <a:t>David </a:t>
                       </a:r>
                       <a:r>
-                        <a:rPr lang="en-US" sz="1400" dirty="0" err="1" smtClean="0"/>
+                        <a:rPr lang="en-US" sz="1400" dirty="0" err="1"/>
                         <a:t>Brin</a:t>
                       </a:r>
                       <a:endParaRPr lang="en-US" sz="1400" dirty="0"/>
@@ -23966,18 +23255,22 @@
                         </a:lnSpc>
                       </a:pPr>
                       <a:r>
-                        <a:rPr lang="en-US" sz="1400" dirty="0" err="1" smtClean="0"/>
+                        <a:rPr lang="en-US" sz="1400" dirty="0" err="1"/>
                         <a:t>Startide</a:t>
                       </a:r>
                       <a:r>
-                        <a:rPr lang="en-US" sz="1400" dirty="0" smtClean="0"/>
+                        <a:rPr lang="en-US" sz="1400" dirty="0"/>
                         <a:t> Rising</a:t>
                       </a:r>
-                      <a:endParaRPr lang="en-US" sz="1400" dirty="0"/>
                     </a:p>
                   </a:txBody>
                   <a:tcPr/>
                 </a:tc>
+                <a:extLst>
+                  <a:ext uri="{0D108BD9-81ED-4DB2-BD59-A6C34878D82A}">
+                    <a16:rowId xmlns:a16="http://schemas.microsoft.com/office/drawing/2014/main" val="10002"/>
+                  </a:ext>
+                </a:extLst>
               </a:tr>
               <a:tr h="192700">
                 <a:tc>
@@ -23991,11 +23284,11 @@
                         </a:lnSpc>
                       </a:pPr>
                       <a:r>
-                        <a:rPr lang="en-US" sz="1400" dirty="0" smtClean="0"/>
+                        <a:rPr lang="en-US" sz="1400" dirty="0"/>
                         <a:t>James </a:t>
                       </a:r>
                       <a:r>
-                        <a:rPr lang="en-US" sz="1400" dirty="0" err="1" smtClean="0"/>
+                        <a:rPr lang="en-US" sz="1400" dirty="0" err="1"/>
                         <a:t>Gleick</a:t>
                       </a:r>
                       <a:endParaRPr lang="en-US" sz="1400" dirty="0"/>
@@ -24014,14 +23307,18 @@
                         </a:lnSpc>
                       </a:pPr>
                       <a:r>
-                        <a:rPr lang="en-US" sz="1400" dirty="0" smtClean="0"/>
+                        <a:rPr lang="en-US" sz="1400" dirty="0"/>
                         <a:t>Chaos: Making a New Science</a:t>
                       </a:r>
-                      <a:endParaRPr lang="en-US" sz="1400" dirty="0"/>
                     </a:p>
                   </a:txBody>
                   <a:tcPr/>
                 </a:tc>
+                <a:extLst>
+                  <a:ext uri="{0D108BD9-81ED-4DB2-BD59-A6C34878D82A}">
+                    <a16:rowId xmlns:a16="http://schemas.microsoft.com/office/drawing/2014/main" val="10003"/>
+                  </a:ext>
+                </a:extLst>
               </a:tr>
               <a:tr h="235991">
                 <a:tc>
@@ -24035,10 +23332,9 @@
                         </a:lnSpc>
                       </a:pPr>
                       <a:r>
-                        <a:rPr lang="en-US" sz="1400" dirty="0" smtClean="0"/>
+                        <a:rPr lang="en-US" sz="1400" dirty="0"/>
                         <a:t>Charles Dickens</a:t>
                       </a:r>
-                      <a:endParaRPr lang="en-US" sz="1400" dirty="0"/>
                     </a:p>
                   </a:txBody>
                   <a:tcPr/>
@@ -24054,14 +23350,18 @@
                         </a:lnSpc>
                       </a:pPr>
                       <a:r>
-                        <a:rPr lang="en-US" sz="1400" dirty="0" smtClean="0"/>
+                        <a:rPr lang="en-US" sz="1400" dirty="0"/>
                         <a:t>Great Expectations</a:t>
                       </a:r>
-                      <a:endParaRPr lang="en-US" sz="1400" dirty="0"/>
                     </a:p>
                   </a:txBody>
                   <a:tcPr/>
                 </a:tc>
+                <a:extLst>
+                  <a:ext uri="{0D108BD9-81ED-4DB2-BD59-A6C34878D82A}">
+                    <a16:rowId xmlns:a16="http://schemas.microsoft.com/office/drawing/2014/main" val="10004"/>
+                  </a:ext>
+                </a:extLst>
               </a:tr>
               <a:tr h="0">
                 <a:tc>
@@ -24075,10 +23375,9 @@
                         </a:lnSpc>
                       </a:pPr>
                       <a:r>
-                        <a:rPr lang="en-US" sz="1400" dirty="0" smtClean="0"/>
+                        <a:rPr lang="en-US" sz="1400" dirty="0"/>
                         <a:t>William Shakespeare</a:t>
                       </a:r>
-                      <a:endParaRPr lang="en-US" sz="1400" dirty="0"/>
                     </a:p>
                   </a:txBody>
                   <a:tcPr/>
@@ -24094,14 +23393,18 @@
                         </a:lnSpc>
                       </a:pPr>
                       <a:r>
-                        <a:rPr lang="en-US" sz="1400" dirty="0" smtClean="0"/>
+                        <a:rPr lang="en-US" sz="1400" dirty="0"/>
                         <a:t>The Comedy of Errors</a:t>
                       </a:r>
-                      <a:endParaRPr lang="en-US" sz="1400" dirty="0"/>
                     </a:p>
                   </a:txBody>
                   <a:tcPr/>
                 </a:tc>
+                <a:extLst>
+                  <a:ext uri="{0D108BD9-81ED-4DB2-BD59-A6C34878D82A}">
+                    <a16:rowId xmlns:a16="http://schemas.microsoft.com/office/drawing/2014/main" val="10005"/>
+                  </a:ext>
+                </a:extLst>
               </a:tr>
             </a:tbl>
           </a:graphicData>
@@ -24117,13 +23420,6 @@
   <p:clrMapOvr>
     <a:masterClrMapping/>
   </p:clrMapOvr>
-  <p:timing>
-    <p:tnLst>
-      <p:par>
-        <p:cTn id="1" dur="indefinite" restart="never" nodeType="tmRoot"/>
-      </p:par>
-    </p:tnLst>
-  </p:timing>
 </p:sld>
 </file>
 
@@ -24166,10 +23462,6 @@
           </a:bodyPr>
           <a:lstStyle/>
           <a:p>
-            <a:r>
-              <a:rPr lang="en-US" sz="3800" dirty="0"/>
-              <a:t/>
-            </a:r>
             <a:br>
               <a:rPr lang="en-US" sz="3800" dirty="0"/>
             </a:br>
@@ -24203,7 +23495,7 @@
           <a:lstStyle/>
           <a:p>
             <a:r>
-              <a:rPr lang="en-US" dirty="0" smtClean="0">
+              <a:rPr lang="en-US" dirty="0">
                 <a:latin typeface="Calibri"/>
                 <a:cs typeface="Calibri"/>
               </a:rPr>
@@ -24217,7 +23509,7 @@
             </a:endParaRPr>
           </a:p>
           <a:p>
-            <a:endParaRPr lang="en-US" dirty="0" smtClean="0">
+            <a:endParaRPr lang="en-US" dirty="0">
               <a:latin typeface="Calibri"/>
               <a:cs typeface="Calibri"/>
             </a:endParaRPr>
@@ -24229,7 +23521,7 @@
               </a:lnSpc>
             </a:pPr>
             <a:r>
-              <a:rPr lang="en-US" dirty="0" smtClean="0">
+              <a:rPr lang="en-US" dirty="0">
                 <a:latin typeface="Calibri"/>
                 <a:cs typeface="Calibri"/>
               </a:rPr>
@@ -24243,40 +23535,22 @@
               </a:lnSpc>
             </a:pPr>
             <a:r>
-              <a:rPr lang="en-US" dirty="0" smtClean="0">
-                <a:latin typeface="Calibri"/>
-                <a:cs typeface="Calibri"/>
-              </a:rPr>
-              <a:t>But require </a:t>
-            </a:r>
-            <a:r>
               <a:rPr lang="en-US" dirty="0">
                 <a:latin typeface="Calibri"/>
                 <a:cs typeface="Calibri"/>
               </a:rPr>
-              <a:t>that X and Y be named </a:t>
-            </a:r>
-            <a:r>
-              <a:rPr lang="en-US" dirty="0" smtClean="0">
+              <a:t>But require that X and Y be named entities</a:t>
+            </a:r>
+          </a:p>
+          <a:p>
+            <a:pPr lvl="1"/>
+            <a:r>
+              <a:rPr lang="en-US" dirty="0">
                 <a:latin typeface="Calibri"/>
                 <a:cs typeface="Calibri"/>
               </a:rPr>
-              <a:t>entities</a:t>
-            </a:r>
-          </a:p>
-          <a:p>
-            <a:pPr lvl="1"/>
-            <a:r>
-              <a:rPr lang="en-US" dirty="0" smtClean="0">
-                <a:latin typeface="Calibri"/>
-                <a:cs typeface="Calibri"/>
-              </a:rPr>
               <a:t>And compute a confidence for each pattern</a:t>
             </a:r>
-            <a:endParaRPr lang="en-US" dirty="0">
-              <a:latin typeface="Calibri"/>
-              <a:cs typeface="Calibri"/>
-            </a:endParaRPr>
           </a:p>
         </p:txBody>
       </p:sp>
@@ -24382,20 +23656,12 @@
               </a:spcBef>
             </a:pPr>
             <a:r>
-              <a:rPr lang="en-US" sz="2000" dirty="0" smtClean="0">
-                <a:latin typeface="Courier"/>
-                <a:ea typeface="Arial" charset="0"/>
-                <a:cs typeface="Courier"/>
-              </a:rPr>
-              <a:t>{based</a:t>
-            </a:r>
-            <a:r>
               <a:rPr lang="en-US" sz="2000" dirty="0">
                 <a:latin typeface="Courier"/>
                 <a:ea typeface="Arial" charset="0"/>
                 <a:cs typeface="Courier"/>
               </a:rPr>
-              <a:t>}</a:t>
+              <a:t>{based}</a:t>
             </a:r>
           </a:p>
         </p:txBody>
@@ -24516,7 +23782,7 @@
         </p:nvGraphicFramePr>
         <p:xfrm>
           <a:off x="4572000" y="2286000"/>
-          <a:ext cx="4267200" cy="1048512"/>
+          <a:ext cx="4267200" cy="1092200"/>
         </p:xfrm>
         <a:graphic>
           <a:graphicData uri="http://schemas.openxmlformats.org/drawingml/2006/table">
@@ -24525,8 +23791,20 @@
                 <a:tableStyleId>{5C22544A-7EE6-4342-B048-85BDC9FD1C3A}</a:tableStyleId>
               </a:tblPr>
               <a:tblGrid>
-                <a:gridCol w="1447800"/>
-                <a:gridCol w="2819400"/>
+                <a:gridCol w="1447800">
+                  <a:extLst>
+                    <a:ext uri="{9D8B030D-6E8A-4147-A177-3AD203B41FA5}">
+                      <a16:colId xmlns:a16="http://schemas.microsoft.com/office/drawing/2014/main" val="20000"/>
+                    </a:ext>
+                  </a:extLst>
+                </a:gridCol>
+                <a:gridCol w="2819400">
+                  <a:extLst>
+                    <a:ext uri="{9D8B030D-6E8A-4147-A177-3AD203B41FA5}">
+                      <a16:colId xmlns:a16="http://schemas.microsoft.com/office/drawing/2014/main" val="20001"/>
+                    </a:ext>
+                  </a:extLst>
+                </a:gridCol>
               </a:tblGrid>
               <a:tr h="243840">
                 <a:tc>
@@ -24540,10 +23818,9 @@
                         </a:lnSpc>
                       </a:pPr>
                       <a:r>
-                        <a:rPr lang="en-US" sz="1600" dirty="0" smtClean="0"/>
+                        <a:rPr lang="en-US" sz="1600" dirty="0"/>
                         <a:t>Organization</a:t>
                       </a:r>
-                      <a:endParaRPr lang="en-US" sz="1600" dirty="0"/>
                     </a:p>
                   </a:txBody>
                   <a:tcPr/>
@@ -24559,14 +23836,18 @@
                         </a:lnSpc>
                       </a:pPr>
                       <a:r>
-                        <a:rPr lang="en-US" sz="1600" dirty="0" smtClean="0"/>
+                        <a:rPr lang="en-US" sz="1600" dirty="0"/>
                         <a:t>Location of Headquarters</a:t>
                       </a:r>
-                      <a:endParaRPr lang="en-US" sz="1600" dirty="0"/>
                     </a:p>
                   </a:txBody>
                   <a:tcPr/>
                 </a:tc>
+                <a:extLst>
+                  <a:ext uri="{0D108BD9-81ED-4DB2-BD59-A6C34878D82A}">
+                    <a16:rowId xmlns:a16="http://schemas.microsoft.com/office/drawing/2014/main" val="10000"/>
+                  </a:ext>
+                </a:extLst>
               </a:tr>
               <a:tr h="243840">
                 <a:tc>
@@ -24580,10 +23861,9 @@
                         </a:lnSpc>
                       </a:pPr>
                       <a:r>
-                        <a:rPr lang="en-US" sz="1600" dirty="0" smtClean="0"/>
+                        <a:rPr lang="en-US" sz="1600" dirty="0"/>
                         <a:t>Microsoft</a:t>
                       </a:r>
-                      <a:endParaRPr lang="en-US" sz="1600" dirty="0"/>
                     </a:p>
                   </a:txBody>
                   <a:tcPr/>
@@ -24599,14 +23879,18 @@
                         </a:lnSpc>
                       </a:pPr>
                       <a:r>
-                        <a:rPr lang="en-US" sz="1600" dirty="0" smtClean="0"/>
+                        <a:rPr lang="en-US" sz="1600" dirty="0"/>
                         <a:t>Redmond</a:t>
                       </a:r>
-                      <a:endParaRPr lang="en-US" sz="1600" dirty="0"/>
                     </a:p>
                   </a:txBody>
                   <a:tcPr/>
                 </a:tc>
+                <a:extLst>
+                  <a:ext uri="{0D108BD9-81ED-4DB2-BD59-A6C34878D82A}">
+                    <a16:rowId xmlns:a16="http://schemas.microsoft.com/office/drawing/2014/main" val="10001"/>
+                  </a:ext>
+                </a:extLst>
               </a:tr>
               <a:tr h="243840">
                 <a:tc>
@@ -24620,10 +23904,9 @@
                         </a:lnSpc>
                       </a:pPr>
                       <a:r>
-                        <a:rPr lang="en-US" sz="1600" dirty="0" smtClean="0"/>
+                        <a:rPr lang="en-US" sz="1600" dirty="0"/>
                         <a:t>Exxon</a:t>
                       </a:r>
-                      <a:endParaRPr lang="en-US" sz="1600" dirty="0"/>
                     </a:p>
                   </a:txBody>
                   <a:tcPr/>
@@ -24639,14 +23922,18 @@
                         </a:lnSpc>
                       </a:pPr>
                       <a:r>
-                        <a:rPr lang="en-US" sz="1600" dirty="0" smtClean="0"/>
+                        <a:rPr lang="en-US" sz="1600" dirty="0"/>
                         <a:t>Irving</a:t>
                       </a:r>
-                      <a:endParaRPr lang="en-US" sz="1600" dirty="0"/>
                     </a:p>
                   </a:txBody>
                   <a:tcPr/>
                 </a:tc>
+                <a:extLst>
+                  <a:ext uri="{0D108BD9-81ED-4DB2-BD59-A6C34878D82A}">
+                    <a16:rowId xmlns:a16="http://schemas.microsoft.com/office/drawing/2014/main" val="10002"/>
+                  </a:ext>
+                </a:extLst>
               </a:tr>
               <a:tr h="243840">
                 <a:tc>
@@ -24660,10 +23947,9 @@
                         </a:lnSpc>
                       </a:pPr>
                       <a:r>
-                        <a:rPr lang="en-US" sz="1600" dirty="0" smtClean="0"/>
+                        <a:rPr lang="en-US" sz="1600" dirty="0"/>
                         <a:t>IBM</a:t>
                       </a:r>
-                      <a:endParaRPr lang="en-US" sz="1600" dirty="0"/>
                     </a:p>
                   </a:txBody>
                   <a:tcPr/>
@@ -24679,14 +23965,18 @@
                         </a:lnSpc>
                       </a:pPr>
                       <a:r>
-                        <a:rPr lang="en-US" sz="1600" dirty="0" smtClean="0"/>
+                        <a:rPr lang="en-US" sz="1600" dirty="0"/>
                         <a:t>Armonk</a:t>
                       </a:r>
-                      <a:endParaRPr lang="en-US" sz="1600" dirty="0"/>
                     </a:p>
                   </a:txBody>
                   <a:tcPr/>
                 </a:tc>
+                <a:extLst>
+                  <a:ext uri="{0D108BD9-81ED-4DB2-BD59-A6C34878D82A}">
+                    <a16:rowId xmlns:a16="http://schemas.microsoft.com/office/drawing/2014/main" val="10003"/>
+                  </a:ext>
+                </a:extLst>
               </a:tr>
             </a:tbl>
           </a:graphicData>
@@ -24915,13 +24205,6 @@
   <p:clrMapOvr>
     <a:masterClrMapping/>
   </p:clrMapOvr>
-  <p:timing>
-    <p:tnLst>
-      <p:par>
-        <p:cTn id="1" dur="indefinite" restart="never" nodeType="tmRoot"/>
-      </p:par>
-    </p:tnLst>
-  </p:timing>
 </p:sld>
 </file>
 
@@ -24965,12 +24248,8 @@
           <a:lstStyle/>
           <a:p>
             <a:r>
-              <a:rPr lang="en-US" dirty="0" smtClean="0"/>
-              <a:t>Distant </a:t>
-            </a:r>
-            <a:r>
               <a:rPr lang="en-US" dirty="0"/>
-              <a:t>Supervision</a:t>
+              <a:t>Distant Supervision</a:t>
             </a:r>
           </a:p>
         </p:txBody>
@@ -25061,25 +24340,8 @@
                 <a:latin typeface="Calibri"/>
                 <a:cs typeface="Calibri"/>
               </a:rPr>
-              <a:t>Snow, Jurafsky, Ng. 2005. Learning syntactic patterns for automatic hypernym discovery. </a:t>
-            </a:r>
-            <a:r>
-              <a:rPr lang="en-US" sz="1400" dirty="0" smtClean="0">
-                <a:solidFill>
-                  <a:srgbClr val="000000"/>
-                </a:solidFill>
-                <a:latin typeface="Calibri"/>
-                <a:cs typeface="Calibri"/>
-              </a:rPr>
-              <a:t>NIPS05</a:t>
-            </a:r>
-            <a:endParaRPr lang="en-US" sz="1400" dirty="0">
-              <a:solidFill>
-                <a:srgbClr val="000000"/>
-              </a:solidFill>
-              <a:latin typeface="Calibri"/>
-              <a:cs typeface="Calibri"/>
-            </a:endParaRPr>
+              <a:t>Snow, Jurafsky, Ng. 2005. Learning syntactic patterns for automatic hypernym discovery. NIPS05</a:t>
+            </a:r>
           </a:p>
           <a:p>
             <a:r>
@@ -25122,19 +24384,8 @@
                 <a:latin typeface="Calibri"/>
                 <a:cs typeface="Calibri"/>
               </a:rPr>
-              <a:t>. </a:t>
-            </a:r>
-            <a:r>
-              <a:rPr lang="en-US" sz="1400" dirty="0" smtClean="0">
-                <a:latin typeface="Calibri"/>
-                <a:cs typeface="Calibri"/>
-              </a:rPr>
-              <a:t>CIKM07</a:t>
-            </a:r>
-            <a:endParaRPr lang="en-US" sz="1400" dirty="0">
-              <a:latin typeface="Calibri"/>
-              <a:cs typeface="Calibri"/>
-            </a:endParaRPr>
+              <a:t>. CIKM07</a:t>
+            </a:r>
           </a:p>
           <a:p>
             <a:r>
@@ -25166,13 +24417,6 @@
   <p:clrMapOvr>
     <a:masterClrMapping/>
   </p:clrMapOvr>
-  <p:timing>
-    <p:tnLst>
-      <p:par>
-        <p:cTn id="1" dur="indefinite" restart="never" nodeType="tmRoot"/>
-      </p:par>
-    </p:tnLst>
-  </p:timing>
 </p:sld>
 </file>
 
@@ -25299,13 +24543,6 @@
   <p:clrMapOvr>
     <a:masterClrMapping/>
   </p:clrMapOvr>
-  <p:timing>
-    <p:tnLst>
-      <p:par>
-        <p:cTn id="1" dur="indefinite" restart="never" nodeType="tmRoot"/>
-      </p:par>
-    </p:tnLst>
-  </p:timing>
 </p:sld>
 </file>
 
@@ -25349,17 +24586,16 @@
           <a:lstStyle/>
           <a:p>
             <a:r>
-              <a:rPr lang="en-US" dirty="0" smtClean="0"/>
+              <a:rPr lang="en-US" dirty="0"/>
               <a:t>Distantly supervised learning </a:t>
             </a:r>
             <a:br>
-              <a:rPr lang="en-US" dirty="0" smtClean="0"/>
+              <a:rPr lang="en-US" dirty="0"/>
             </a:br>
             <a:r>
-              <a:rPr lang="en-US" dirty="0" smtClean="0"/>
+              <a:rPr lang="en-US" dirty="0"/>
               <a:t>of relation extraction patterns</a:t>
             </a:r>
-            <a:endParaRPr lang="en-US" dirty="0"/>
           </a:p>
         </p:txBody>
       </p:sp>
@@ -25401,90 +24637,10 @@
               <a:buNone/>
             </a:pPr>
             <a:r>
-              <a:rPr lang="en-US" dirty="0" smtClean="0"/>
+              <a:rPr lang="en-US" dirty="0"/>
               <a:t>For each relation</a:t>
             </a:r>
             <a:endParaRPr lang="en-US" sz="1100" dirty="0"/>
-          </a:p>
-          <a:p>
-            <a:pPr>
-              <a:lnSpc>
-                <a:spcPct val="90000"/>
-              </a:lnSpc>
-              <a:buNone/>
-            </a:pPr>
-            <a:endParaRPr lang="en-US" dirty="0" smtClean="0"/>
-          </a:p>
-          <a:p>
-            <a:pPr>
-              <a:lnSpc>
-                <a:spcPct val="90000"/>
-              </a:lnSpc>
-              <a:buNone/>
-            </a:pPr>
-            <a:r>
-              <a:rPr lang="en-US" dirty="0" smtClean="0"/>
-              <a:t>For each tuple in big database</a:t>
-            </a:r>
-          </a:p>
-          <a:p>
-            <a:pPr>
-              <a:lnSpc>
-                <a:spcPct val="90000"/>
-              </a:lnSpc>
-              <a:buNone/>
-            </a:pPr>
-            <a:endParaRPr lang="en-US" dirty="0" smtClean="0"/>
-          </a:p>
-          <a:p>
-            <a:pPr>
-              <a:lnSpc>
-                <a:spcPct val="90000"/>
-              </a:lnSpc>
-              <a:buNone/>
-            </a:pPr>
-            <a:r>
-              <a:rPr lang="en-US" dirty="0" smtClean="0"/>
-              <a:t>Find sentences in large corpus with both entities</a:t>
-            </a:r>
-            <a:endParaRPr lang="en-US" sz="1800" dirty="0"/>
-          </a:p>
-          <a:p>
-            <a:pPr>
-              <a:lnSpc>
-                <a:spcPct val="90000"/>
-              </a:lnSpc>
-              <a:buNone/>
-            </a:pPr>
-            <a:endParaRPr lang="en-US" dirty="0" smtClean="0"/>
-          </a:p>
-          <a:p>
-            <a:pPr>
-              <a:lnSpc>
-                <a:spcPct val="90000"/>
-              </a:lnSpc>
-              <a:buNone/>
-            </a:pPr>
-            <a:r>
-              <a:rPr lang="en-US" dirty="0" smtClean="0"/>
-              <a:t>Extract frequent features (parse,</a:t>
-            </a:r>
-            <a:r>
-              <a:rPr lang="en-US" dirty="0"/>
-              <a:t> </a:t>
-            </a:r>
-            <a:r>
-              <a:rPr lang="en-US" dirty="0" smtClean="0"/>
-              <a:t>words, </a:t>
-            </a:r>
-            <a:r>
-              <a:rPr lang="en-US" dirty="0" err="1" smtClean="0"/>
-              <a:t>etc</a:t>
-            </a:r>
-            <a:r>
-              <a:rPr lang="en-US" dirty="0" smtClean="0"/>
-              <a:t>)</a:t>
-            </a:r>
           </a:p>
           <a:p>
             <a:pPr>
@@ -25503,10 +24659,81 @@
               <a:buNone/>
             </a:pPr>
             <a:r>
-              <a:rPr lang="en-US" dirty="0" smtClean="0"/>
+              <a:rPr lang="en-US" dirty="0"/>
+              <a:t>For each tuple in big database</a:t>
+            </a:r>
+          </a:p>
+          <a:p>
+            <a:pPr>
+              <a:lnSpc>
+                <a:spcPct val="90000"/>
+              </a:lnSpc>
+              <a:buNone/>
+            </a:pPr>
+            <a:endParaRPr lang="en-US" dirty="0"/>
+          </a:p>
+          <a:p>
+            <a:pPr>
+              <a:lnSpc>
+                <a:spcPct val="90000"/>
+              </a:lnSpc>
+              <a:buNone/>
+            </a:pPr>
+            <a:r>
+              <a:rPr lang="en-US" dirty="0"/>
+              <a:t>Find sentences in large corpus with both entities</a:t>
+            </a:r>
+            <a:endParaRPr lang="en-US" sz="1800" dirty="0"/>
+          </a:p>
+          <a:p>
+            <a:pPr>
+              <a:lnSpc>
+                <a:spcPct val="90000"/>
+              </a:lnSpc>
+              <a:buNone/>
+            </a:pPr>
+            <a:endParaRPr lang="en-US" dirty="0"/>
+          </a:p>
+          <a:p>
+            <a:pPr>
+              <a:lnSpc>
+                <a:spcPct val="90000"/>
+              </a:lnSpc>
+              <a:buNone/>
+            </a:pPr>
+            <a:r>
+              <a:rPr lang="en-US" dirty="0"/>
+              <a:t>Extract frequent features (parse, words, </a:t>
+            </a:r>
+            <a:r>
+              <a:rPr lang="en-US" dirty="0" err="1"/>
+              <a:t>etc</a:t>
+            </a:r>
+            <a:r>
+              <a:rPr lang="en-US" dirty="0"/>
+              <a:t>)</a:t>
+            </a:r>
+          </a:p>
+          <a:p>
+            <a:pPr>
+              <a:lnSpc>
+                <a:spcPct val="90000"/>
+              </a:lnSpc>
+              <a:buNone/>
+            </a:pPr>
+            <a:endParaRPr lang="en-US" dirty="0"/>
+          </a:p>
+          <a:p>
+            <a:pPr>
+              <a:lnSpc>
+                <a:spcPct val="90000"/>
+              </a:lnSpc>
+              <a:buNone/>
+            </a:pPr>
+            <a:r>
+              <a:rPr lang="en-US" dirty="0"/>
               <a:t>Train supervised classifier using thousands of patterns</a:t>
             </a:r>
-            <a:endParaRPr lang="en-US" dirty="0"/>
           </a:p>
           <a:p>
             <a:pPr>
@@ -27223,10 +26450,9 @@
           <a:lstStyle/>
           <a:p>
             <a:r>
-              <a:rPr lang="en-US" dirty="0" smtClean="0"/>
+              <a:rPr lang="en-US" dirty="0"/>
               <a:t>Unsupervised relation extraction</a:t>
             </a:r>
-            <a:endParaRPr lang="en-US" dirty="0"/>
           </a:p>
         </p:txBody>
       </p:sp>
@@ -27253,14 +26479,14 @@
           <a:lstStyle/>
           <a:p>
             <a:r>
-              <a:rPr lang="en-US" sz="3400" dirty="0" smtClean="0"/>
+              <a:rPr lang="en-US" sz="3400" dirty="0"/>
               <a:t>Open Information Extraction: </a:t>
             </a:r>
           </a:p>
           <a:p>
             <a:pPr lvl="1"/>
             <a:r>
-              <a:rPr lang="en-US" sz="3100" dirty="0" smtClean="0"/>
+              <a:rPr lang="en-US" sz="3100" dirty="0"/>
               <a:t>extract relations from the web with no training data, no list of relations</a:t>
             </a:r>
             <a:endParaRPr lang="en-US" sz="3400" dirty="0"/>
@@ -27271,7 +26497,7 @@
               <a:buAutoNum type="arabicPeriod"/>
             </a:pPr>
             <a:r>
-              <a:rPr lang="en-US" sz="3400" dirty="0" smtClean="0"/>
+              <a:rPr lang="en-US" sz="3400" dirty="0"/>
               <a:t>Use parsed data to train a “trustworthy tuple” classifier</a:t>
             </a:r>
           </a:p>
@@ -27281,7 +26507,7 @@
               <a:buAutoNum type="arabicPeriod"/>
             </a:pPr>
             <a:r>
-              <a:rPr lang="en-US" sz="3400" dirty="0" smtClean="0"/>
+              <a:rPr lang="en-US" sz="3400" dirty="0"/>
               <a:t>Single-pass extract all relations between NPs, keep if trustworthy</a:t>
             </a:r>
           </a:p>
@@ -27291,10 +26517,9 @@
               <a:buAutoNum type="arabicPeriod"/>
             </a:pPr>
             <a:r>
-              <a:rPr lang="en-US" sz="3400" dirty="0" smtClean="0"/>
+              <a:rPr lang="en-US" sz="3400" dirty="0"/>
               <a:t>Assessor ranks relations based on text redundancy</a:t>
             </a:r>
-            <a:endParaRPr lang="en-US" sz="3400" dirty="0"/>
           </a:p>
           <a:p>
             <a:pPr marL="685800" lvl="2" indent="0">
@@ -27311,11 +26536,6 @@
               </a:rPr>
               <a:t>(FCI, specializes in, software development) </a:t>
             </a:r>
-            <a:endParaRPr lang="en-US" sz="3100" dirty="0" smtClean="0">
-              <a:solidFill>
-                <a:srgbClr val="0000FF"/>
-              </a:solidFill>
-            </a:endParaRPr>
           </a:p>
           <a:p>
             <a:pPr marL="685800" lvl="2" indent="0">
@@ -27327,39 +26547,18 @@
                   <a:srgbClr val="0000FF"/>
                 </a:solidFill>
               </a:rPr>
-              <a:t>(Tesla</a:t>
-            </a:r>
-            <a:r>
-              <a:rPr lang="en-US" sz="3100" dirty="0" smtClean="0">
-                <a:solidFill>
-                  <a:srgbClr val="0000FF"/>
-                </a:solidFill>
-              </a:rPr>
-              <a:t>, invented</a:t>
-            </a:r>
-            <a:r>
-              <a:rPr lang="en-US" sz="3100" dirty="0">
-                <a:solidFill>
-                  <a:srgbClr val="0000FF"/>
-                </a:solidFill>
-              </a:rPr>
-              <a:t>, coil transformer)</a:t>
-            </a:r>
-            <a:endParaRPr lang="en-US" sz="3100" dirty="0" smtClean="0">
-              <a:solidFill>
-                <a:srgbClr val="0000FF"/>
-              </a:solidFill>
-            </a:endParaRPr>
+              <a:t>(Tesla, invented, coil transformer)</a:t>
+            </a:r>
           </a:p>
           <a:p>
             <a:pPr marL="0" indent="0">
               <a:buNone/>
             </a:pPr>
-            <a:endParaRPr lang="en-US" dirty="0" smtClean="0"/>
+            <a:endParaRPr lang="en-US" dirty="0"/>
           </a:p>
           <a:p>
             <a:pPr lvl="1"/>
-            <a:endParaRPr lang="en-US" dirty="0" smtClean="0"/>
+            <a:endParaRPr lang="en-US" dirty="0"/>
           </a:p>
         </p:txBody>
       </p:sp>
@@ -27735,17 +26934,16 @@
           <a:lstStyle/>
           <a:p>
             <a:r>
-              <a:rPr lang="en-US" dirty="0" smtClean="0"/>
+              <a:rPr lang="en-US" dirty="0"/>
               <a:t>Evaluation of Semi-supervised and</a:t>
             </a:r>
             <a:br>
-              <a:rPr lang="en-US" dirty="0" smtClean="0"/>
+              <a:rPr lang="en-US" dirty="0"/>
             </a:br>
             <a:r>
-              <a:rPr lang="en-US" dirty="0" smtClean="0"/>
+              <a:rPr lang="en-US" dirty="0"/>
               <a:t>Unsupervised Relation Extraction</a:t>
             </a:r>
-            <a:endParaRPr lang="en-US" dirty="0"/>
           </a:p>
         </p:txBody>
       </p:sp>
@@ -27815,16 +27013,12 @@
             <a:endParaRPr lang="en-US" dirty="0"/>
           </a:p>
           <a:p>
-            <a:endParaRPr lang="en-US" sz="2400" dirty="0" smtClean="0"/>
-          </a:p>
-          <a:p>
-            <a:r>
-              <a:rPr lang="en-US" sz="2400" dirty="0" smtClean="0"/>
-              <a:t>Can </a:t>
-            </a:r>
+            <a:endParaRPr lang="en-US" sz="2400" dirty="0"/>
+          </a:p>
+          <a:p>
             <a:r>
               <a:rPr lang="en-US" sz="2400" dirty="0"/>
-              <a:t>also compute precision at different levels of recall.</a:t>
+              <a:t>Can also compute precision at different levels of recall.</a:t>
             </a:r>
           </a:p>
           <a:p>
@@ -27904,7 +27098,7 @@
           <a:graphicData uri="http://schemas.openxmlformats.org/presentationml/2006/ole">
             <mc:AlternateContent xmlns:mc="http://schemas.openxmlformats.org/markup-compatibility/2006">
               <mc:Choice xmlns:v="urn:schemas-microsoft-com:vml" Requires="v">
-                <p:oleObj spid="_x0000_s3117" name="Equation" r:id="rId3" imgW="3124200" imgH="431800" progId="Equation.3">
+                <p:oleObj spid="_x0000_s3122" name="Equation" r:id="rId3" imgW="3124200" imgH="431800" progId="Equation.3">
                   <p:embed/>
                 </p:oleObj>
               </mc:Choice>
@@ -28292,7 +27486,7 @@
           <a:lstStyle/>
           <a:p>
             <a:r>
-              <a:rPr lang="en-US" dirty="0" smtClean="0"/>
+              <a:rPr lang="en-US" dirty="0"/>
               <a:t>Mathematically, the computation at each time step:</a:t>
             </a:r>
           </a:p>
@@ -28357,13 +27551,6 @@
   <p:clrMapOvr>
     <a:masterClrMapping/>
   </p:clrMapOvr>
-  <p:timing>
-    <p:tnLst>
-      <p:par>
-        <p:cTn id="1" dur="indefinite" restart="never" nodeType="tmRoot"/>
-      </p:par>
-    </p:tnLst>
-  </p:timing>
 </p:sld>
 </file>
 
@@ -28400,10 +27587,9 @@
           <a:lstStyle/>
           <a:p>
             <a:r>
-              <a:rPr lang="en-US" dirty="0" smtClean="0"/>
+              <a:rPr lang="en-US" dirty="0"/>
               <a:t>RNN training</a:t>
             </a:r>
-            <a:endParaRPr lang="en-US" dirty="0"/>
           </a:p>
         </p:txBody>
       </p:sp>
@@ -28423,10 +27609,9 @@
           <a:lstStyle/>
           <a:p>
             <a:r>
-              <a:rPr lang="en-US" dirty="0" smtClean="0"/>
+              <a:rPr lang="en-US" dirty="0"/>
               <a:t>Back-propagation over time</a:t>
             </a:r>
-            <a:endParaRPr lang="en-US" dirty="0"/>
           </a:p>
         </p:txBody>
       </p:sp>
@@ -28470,14 +27655,6 @@
   <p:clrMapOvr>
     <a:masterClrMapping/>
   </p:clrMapOvr>
-  <mc:AlternateContent xmlns:mc="http://schemas.openxmlformats.org/markup-compatibility/2006" xmlns:p14="http://schemas.microsoft.com/office/powerpoint/2010/main">
-    <mc:Choice Requires="p14">
-      <p:transition spd="slow" p14:dur="2000"/>
-    </mc:Choice>
-    <mc:Fallback xmlns="">
-      <p:transition spd="slow"/>
-    </mc:Fallback>
-  </mc:AlternateContent>
 </p:sld>
 </file>
 
@@ -28514,14 +27691,9 @@
           <a:lstStyle/>
           <a:p>
             <a:r>
-              <a:rPr lang="en-US" dirty="0" smtClean="0"/>
-              <a:t>RNNs </a:t>
-            </a:r>
-            <a:r>
-              <a:rPr lang="en-US" dirty="0" smtClean="0"/>
-              <a:t>Recap</a:t>
-            </a:r>
-            <a:endParaRPr lang="en-US" dirty="0"/>
+              <a:rPr lang="en-US" dirty="0"/>
+              <a:t>RNNs Recap</a:t>
+            </a:r>
           </a:p>
         </p:txBody>
       </p:sp>
@@ -28546,29 +27718,25 @@
           <a:lstStyle/>
           <a:p>
             <a:r>
-              <a:rPr lang="en-US" dirty="0" smtClean="0"/>
+              <a:rPr lang="en-US" dirty="0"/>
               <a:t>Model hidden states dependencies</a:t>
             </a:r>
           </a:p>
           <a:p>
             <a:r>
-              <a:rPr lang="en-US" dirty="0" smtClean="0"/>
+              <a:rPr lang="en-US" dirty="0"/>
               <a:t>Errors “back propagation over time”</a:t>
             </a:r>
           </a:p>
           <a:p>
             <a:r>
               <a:rPr lang="en-US" dirty="0"/>
-              <a:t>F</a:t>
-            </a:r>
-            <a:r>
-              <a:rPr lang="en-US" dirty="0" smtClean="0"/>
-              <a:t>eature learning methods</a:t>
-            </a:r>
-          </a:p>
-          <a:p>
-            <a:r>
-              <a:rPr lang="en-US" dirty="0" smtClean="0">
+              <a:t>Feature learning methods</a:t>
+            </a:r>
+          </a:p>
+          <a:p>
+            <a:r>
+              <a:rPr lang="en-US" dirty="0">
                 <a:solidFill>
                   <a:schemeClr val="accent3"/>
                 </a:solidFill>
@@ -28576,10 +27744,9 @@
               <a:t>Vanishing gradient </a:t>
             </a:r>
             <a:r>
-              <a:rPr lang="en-US" dirty="0" smtClean="0"/>
+              <a:rPr lang="en-US" dirty="0"/>
               <a:t>problem: cannot model long-distant dependencies of the hidden states.</a:t>
             </a:r>
-            <a:endParaRPr lang="en-US" dirty="0"/>
           </a:p>
         </p:txBody>
       </p:sp>
@@ -28593,14 +27760,6 @@
   <p:clrMapOvr>
     <a:masterClrMapping/>
   </p:clrMapOvr>
-  <mc:AlternateContent xmlns:mc="http://schemas.openxmlformats.org/markup-compatibility/2006" xmlns:p14="http://schemas.microsoft.com/office/powerpoint/2010/main">
-    <mc:Choice Requires="p14">
-      <p:transition spd="slow" p14:dur="2000"/>
-    </mc:Choice>
-    <mc:Fallback xmlns="">
-      <p:transition spd="slow"/>
-    </mc:Fallback>
-  </mc:AlternateContent>
 </p:sld>
 </file>
 
@@ -28639,10 +27798,9 @@
           <a:lstStyle/>
           <a:p>
             <a:r>
-              <a:rPr lang="en-US" dirty="0" smtClean="0"/>
+              <a:rPr lang="en-US" dirty="0"/>
               <a:t>Long-Short Term Memory Networks (LSTMs)</a:t>
             </a:r>
-            <a:endParaRPr lang="en-US" dirty="0"/>
           </a:p>
         </p:txBody>
       </p:sp>
@@ -28763,7 +27921,7 @@
               <a:tabLst/>
             </a:pPr>
             <a:r>
-              <a:rPr kumimoji="0" lang="en-US" sz="1800" b="0" i="0" u="none" strike="noStrike" cap="none" spc="0" normalizeH="0" baseline="0" dirty="0" smtClean="0">
+              <a:rPr kumimoji="0" lang="en-US" sz="1800" b="0" i="0" u="none" strike="noStrike" cap="none" spc="0" normalizeH="0" baseline="0" dirty="0">
                 <a:ln>
                   <a:noFill/>
                 </a:ln>
@@ -28780,7 +27938,7 @@
               <a:t>Use gates to control the</a:t>
             </a:r>
             <a:r>
-              <a:rPr kumimoji="0" lang="en-US" sz="1800" b="0" i="0" u="none" strike="noStrike" cap="none" spc="0" normalizeH="0" dirty="0" smtClean="0">
+              <a:rPr kumimoji="0" lang="en-US" sz="1800" b="0" i="0" u="none" strike="noStrike" cap="none" spc="0" normalizeH="0" dirty="0">
                 <a:ln>
                   <a:noFill/>
                 </a:ln>
@@ -28815,11 +27973,11 @@
               <a:tabLst/>
             </a:pPr>
             <a:r>
-              <a:rPr lang="en-US" dirty="0" smtClean="0"/>
+              <a:rPr lang="en-US" dirty="0"/>
               <a:t>be added from the </a:t>
             </a:r>
             <a:r>
-              <a:rPr lang="en-US" dirty="0" smtClean="0">
+              <a:rPr lang="en-US" dirty="0">
                 <a:solidFill>
                   <a:srgbClr val="0000FF"/>
                 </a:solidFill>
@@ -28827,11 +27985,11 @@
               <a:t>input</a:t>
             </a:r>
             <a:r>
-              <a:rPr lang="en-US" dirty="0" smtClean="0"/>
+              <a:rPr lang="en-US" dirty="0"/>
               <a:t>, </a:t>
             </a:r>
             <a:r>
-              <a:rPr lang="en-US" dirty="0" smtClean="0">
+              <a:rPr lang="en-US" dirty="0">
                 <a:solidFill>
                   <a:srgbClr val="0000FF"/>
                 </a:solidFill>
@@ -28839,7 +27997,7 @@
               <a:t>forgot </a:t>
             </a:r>
             <a:r>
-              <a:rPr lang="en-US" dirty="0" smtClean="0"/>
+              <a:rPr lang="en-US" dirty="0"/>
               <a:t>from the</a:t>
             </a:r>
           </a:p>
@@ -28865,7 +28023,7 @@
               <a:t>p</a:t>
             </a:r>
             <a:r>
-              <a:rPr kumimoji="0" lang="en-US" sz="1800" b="0" i="0" u="none" strike="noStrike" cap="none" spc="0" normalizeH="0" baseline="0" dirty="0" smtClean="0">
+              <a:rPr kumimoji="0" lang="en-US" sz="1800" b="0" i="0" u="none" strike="noStrike" cap="none" spc="0" normalizeH="0" baseline="0" dirty="0">
                 <a:ln>
                   <a:noFill/>
                 </a:ln>
@@ -28882,7 +28040,7 @@
               <a:t>revious</a:t>
             </a:r>
             <a:r>
-              <a:rPr kumimoji="0" lang="en-US" sz="1800" b="0" i="0" u="none" strike="noStrike" cap="none" spc="0" normalizeH="0" dirty="0" smtClean="0">
+              <a:rPr kumimoji="0" lang="en-US" sz="1800" b="0" i="0" u="none" strike="noStrike" cap="none" spc="0" normalizeH="0" dirty="0">
                 <a:ln>
                   <a:noFill/>
                 </a:ln>
@@ -28899,7 +28057,7 @@
               <a:t> memories, and </a:t>
             </a:r>
             <a:r>
-              <a:rPr kumimoji="0" lang="en-US" sz="1800" b="0" i="0" u="none" strike="noStrike" cap="none" spc="0" normalizeH="0" dirty="0" err="1" smtClean="0">
+              <a:rPr kumimoji="0" lang="en-US" sz="1800" b="0" i="0" u="none" strike="noStrike" cap="none" spc="0" normalizeH="0" dirty="0" err="1">
                 <a:ln>
                   <a:noFill/>
                 </a:ln>
@@ -28916,7 +28074,7 @@
               <a:t>outputed</a:t>
             </a:r>
             <a:r>
-              <a:rPr kumimoji="0" lang="en-US" sz="1800" b="0" i="0" u="none" strike="noStrike" cap="none" spc="0" normalizeH="0" dirty="0" smtClean="0">
+              <a:rPr kumimoji="0" lang="en-US" sz="1800" b="0" i="0" u="none" strike="noStrike" cap="none" spc="0" normalizeH="0" dirty="0">
                 <a:ln>
                   <a:noFill/>
                 </a:ln>
@@ -28932,7 +28090,7 @@
               </a:rPr>
               <a:t>.</a:t>
             </a:r>
-            <a:endParaRPr kumimoji="0" lang="en-US" sz="1800" b="0" i="0" u="none" strike="noStrike" cap="none" spc="0" normalizeH="0" baseline="0" dirty="0" smtClean="0">
+            <a:endParaRPr kumimoji="0" lang="en-US" sz="1800" b="0" i="0" u="none" strike="noStrike" cap="none" spc="0" normalizeH="0" baseline="0" dirty="0">
               <a:ln>
                 <a:noFill/>
               </a:ln>
@@ -28965,7 +28123,7 @@
               <a:tabLst/>
             </a:pPr>
             <a:r>
-              <a:rPr kumimoji="0" lang="en-US" sz="1800" b="0" i="0" u="none" strike="noStrike" cap="none" spc="0" normalizeH="0" baseline="0" dirty="0" err="1" smtClean="0">
+              <a:rPr kumimoji="0" lang="en-US" sz="1800" b="0" i="0" u="none" strike="noStrike" cap="none" spc="0" normalizeH="0" baseline="0" dirty="0" err="1">
                 <a:ln>
                   <a:noFill/>
                 </a:ln>
@@ -28982,11 +28140,11 @@
               <a:t>σ</a:t>
             </a:r>
             <a:r>
-              <a:rPr lang="en-US" dirty="0" smtClean="0"/>
+              <a:rPr lang="en-US" dirty="0"/>
               <a:t> and</a:t>
             </a:r>
             <a:r>
-              <a:rPr kumimoji="0" lang="en-US" sz="1800" b="0" i="0" u="none" strike="noStrike" cap="none" spc="0" normalizeH="0" baseline="0" dirty="0" smtClean="0">
+              <a:rPr kumimoji="0" lang="en-US" sz="1800" b="0" i="0" u="none" strike="noStrike" cap="none" spc="0" normalizeH="0" baseline="0" dirty="0">
                 <a:ln>
                   <a:noFill/>
                 </a:ln>
@@ -29003,7 +28161,7 @@
               <a:t> f are sigmoid and </a:t>
             </a:r>
             <a:r>
-              <a:rPr kumimoji="0" lang="en-US" sz="1800" b="0" i="0" u="none" strike="noStrike" cap="none" spc="0" normalizeH="0" baseline="0" dirty="0" err="1" smtClean="0">
+              <a:rPr kumimoji="0" lang="en-US" sz="1800" b="0" i="0" u="none" strike="noStrike" cap="none" spc="0" normalizeH="0" baseline="0" dirty="0" err="1">
                 <a:ln>
                   <a:noFill/>
                 </a:ln>
@@ -29020,7 +28178,7 @@
               <a:t>tanh</a:t>
             </a:r>
             <a:r>
-              <a:rPr kumimoji="0" lang="en-US" sz="1800" b="0" i="0" u="none" strike="noStrike" cap="none" spc="0" normalizeH="0" baseline="0" dirty="0" smtClean="0">
+              <a:rPr kumimoji="0" lang="en-US" sz="1800" b="0" i="0" u="none" strike="noStrike" cap="none" spc="0" normalizeH="0" baseline="0" dirty="0">
                 <a:ln>
                   <a:noFill/>
                 </a:ln>
@@ -29056,11 +28214,7 @@
             </a:pPr>
             <a:r>
               <a:rPr lang="en-US" dirty="0"/>
-              <a:t>r</a:t>
-            </a:r>
-            <a:r>
-              <a:rPr lang="en-US" dirty="0" smtClean="0"/>
-              <a:t>espectively, to map the value to [-1, 1]</a:t>
+              <a:t>respectively, to map the value to [-1, 1]</a:t>
             </a:r>
             <a:endParaRPr kumimoji="0" lang="en-US" sz="1800" b="0" i="0" u="none" strike="noStrike" cap="none" spc="0" normalizeH="0" baseline="0" dirty="0">
               <a:ln>
@@ -29089,14 +28243,6 @@
   <p:clrMapOvr>
     <a:masterClrMapping/>
   </p:clrMapOvr>
-  <mc:AlternateContent xmlns:mc="http://schemas.openxmlformats.org/markup-compatibility/2006" xmlns:p14="http://schemas.microsoft.com/office/powerpoint/2010/main">
-    <mc:Choice Requires="p14">
-      <p:transition spd="slow" p14:dur="2000"/>
-    </mc:Choice>
-    <mc:Fallback xmlns="">
-      <p:transition spd="slow"/>
-    </mc:Fallback>
-  </mc:AlternateContent>
 </p:sld>
 </file>
 
